--- a/Agro Cane/Tecnologia da Informação/Fluxograma/Fluxograma.pptx
+++ b/Agro Cane/Tecnologia da Informação/Fluxograma/Fluxograma.pptx
@@ -5,7 +5,7 @@
     <p:sldMasterId id="2147483744" r:id="rId1"/>
   </p:sldMasterIdLst>
   <p:sldIdLst>
-    <p:sldId id="258" r:id="rId2"/>
+    <p:sldId id="262" r:id="rId2"/>
   </p:sldIdLst>
   <p:sldSz cx="8999538" cy="9720263"/>
   <p:notesSz cx="6858000" cy="9144000"/>
@@ -104,6 +104,11 @@
       </a:defRPr>
     </a:lvl9pPr>
   </p:defaultTextStyle>
+  <p:extLst>
+    <p:ext uri="{EFAFB233-063F-42B5-8137-9DF3F51BA10A}">
+      <p15:sldGuideLst xmlns:p15="http://schemas.microsoft.com/office/powerpoint/2012/main"/>
+    </p:ext>
+  </p:extLst>
 </p:presentation>
 </file>
 
@@ -238,7 +243,7 @@
           <a:p>
             <a:fld id="{A6BC64F7-5FB0-4183-AA12-A26509D9C920}" type="datetimeFigureOut">
               <a:rPr lang="pt-BR" smtClean="0"/>
-              <a:t>11/05/2021</a:t>
+              <a:t>18/05/2021</a:t>
             </a:fld>
             <a:endParaRPr lang="pt-BR"/>
           </a:p>
@@ -408,7 +413,7 @@
           <a:p>
             <a:fld id="{A6BC64F7-5FB0-4183-AA12-A26509D9C920}" type="datetimeFigureOut">
               <a:rPr lang="pt-BR" smtClean="0"/>
-              <a:t>11/05/2021</a:t>
+              <a:t>18/05/2021</a:t>
             </a:fld>
             <a:endParaRPr lang="pt-BR"/>
           </a:p>
@@ -588,7 +593,7 @@
           <a:p>
             <a:fld id="{A6BC64F7-5FB0-4183-AA12-A26509D9C920}" type="datetimeFigureOut">
               <a:rPr lang="pt-BR" smtClean="0"/>
-              <a:t>11/05/2021</a:t>
+              <a:t>18/05/2021</a:t>
             </a:fld>
             <a:endParaRPr lang="pt-BR"/>
           </a:p>
@@ -758,7 +763,7 @@
           <a:p>
             <a:fld id="{A6BC64F7-5FB0-4183-AA12-A26509D9C920}" type="datetimeFigureOut">
               <a:rPr lang="pt-BR" smtClean="0"/>
-              <a:t>11/05/2021</a:t>
+              <a:t>18/05/2021</a:t>
             </a:fld>
             <a:endParaRPr lang="pt-BR"/>
           </a:p>
@@ -1002,7 +1007,7 @@
           <a:p>
             <a:fld id="{A6BC64F7-5FB0-4183-AA12-A26509D9C920}" type="datetimeFigureOut">
               <a:rPr lang="pt-BR" smtClean="0"/>
-              <a:t>11/05/2021</a:t>
+              <a:t>18/05/2021</a:t>
             </a:fld>
             <a:endParaRPr lang="pt-BR"/>
           </a:p>
@@ -1234,7 +1239,7 @@
           <a:p>
             <a:fld id="{A6BC64F7-5FB0-4183-AA12-A26509D9C920}" type="datetimeFigureOut">
               <a:rPr lang="pt-BR" smtClean="0"/>
-              <a:t>11/05/2021</a:t>
+              <a:t>18/05/2021</a:t>
             </a:fld>
             <a:endParaRPr lang="pt-BR"/>
           </a:p>
@@ -1601,7 +1606,7 @@
           <a:p>
             <a:fld id="{A6BC64F7-5FB0-4183-AA12-A26509D9C920}" type="datetimeFigureOut">
               <a:rPr lang="pt-BR" smtClean="0"/>
-              <a:t>11/05/2021</a:t>
+              <a:t>18/05/2021</a:t>
             </a:fld>
             <a:endParaRPr lang="pt-BR"/>
           </a:p>
@@ -1719,7 +1724,7 @@
           <a:p>
             <a:fld id="{A6BC64F7-5FB0-4183-AA12-A26509D9C920}" type="datetimeFigureOut">
               <a:rPr lang="pt-BR" smtClean="0"/>
-              <a:t>11/05/2021</a:t>
+              <a:t>18/05/2021</a:t>
             </a:fld>
             <a:endParaRPr lang="pt-BR"/>
           </a:p>
@@ -1814,7 +1819,7 @@
           <a:p>
             <a:fld id="{A6BC64F7-5FB0-4183-AA12-A26509D9C920}" type="datetimeFigureOut">
               <a:rPr lang="pt-BR" smtClean="0"/>
-              <a:t>11/05/2021</a:t>
+              <a:t>18/05/2021</a:t>
             </a:fld>
             <a:endParaRPr lang="pt-BR"/>
           </a:p>
@@ -2091,7 +2096,7 @@
           <a:p>
             <a:fld id="{A6BC64F7-5FB0-4183-AA12-A26509D9C920}" type="datetimeFigureOut">
               <a:rPr lang="pt-BR" smtClean="0"/>
-              <a:t>11/05/2021</a:t>
+              <a:t>18/05/2021</a:t>
             </a:fld>
             <a:endParaRPr lang="pt-BR"/>
           </a:p>
@@ -2348,7 +2353,7 @@
           <a:p>
             <a:fld id="{A6BC64F7-5FB0-4183-AA12-A26509D9C920}" type="datetimeFigureOut">
               <a:rPr lang="pt-BR" smtClean="0"/>
-              <a:t>11/05/2021</a:t>
+              <a:t>18/05/2021</a:t>
             </a:fld>
             <a:endParaRPr lang="pt-BR"/>
           </a:p>
@@ -2561,7 +2566,7 @@
           <a:p>
             <a:fld id="{A6BC64F7-5FB0-4183-AA12-A26509D9C920}" type="datetimeFigureOut">
               <a:rPr lang="pt-BR" smtClean="0"/>
-              <a:t>11/05/2021</a:t>
+              <a:t>18/05/2021</a:t>
             </a:fld>
             <a:endParaRPr lang="pt-BR"/>
           </a:p>
@@ -2968,6 +2973,196 @@
       </p:grpSpPr>
       <p:grpSp>
         <p:nvGrpSpPr>
+          <p:cNvPr id="122" name="Agrupar 121">
+            <a:extLst>
+              <a:ext uri="{FF2B5EF4-FFF2-40B4-BE49-F238E27FC236}">
+                <a16:creationId xmlns:a16="http://schemas.microsoft.com/office/drawing/2014/main" id="{E7ADE3FF-8ACD-4DD4-8EFF-29B88CE9FE08}"/>
+              </a:ext>
+            </a:extLst>
+          </p:cNvPr>
+          <p:cNvGrpSpPr/>
+          <p:nvPr/>
+        </p:nvGrpSpPr>
+        <p:grpSpPr>
+          <a:xfrm>
+            <a:off x="238127" y="6855564"/>
+            <a:ext cx="8464666" cy="2296055"/>
+            <a:chOff x="238127" y="3878607"/>
+            <a:chExt cx="8464666" cy="4866931"/>
+          </a:xfrm>
+        </p:grpSpPr>
+        <p:sp>
+          <p:nvSpPr>
+            <p:cNvPr id="123" name="Retângulo 122">
+              <a:extLst>
+                <a:ext uri="{FF2B5EF4-FFF2-40B4-BE49-F238E27FC236}">
+                  <a16:creationId xmlns:a16="http://schemas.microsoft.com/office/drawing/2014/main" id="{EE8443BF-2673-4E3E-9F00-15D3862AD93A}"/>
+                </a:ext>
+              </a:extLst>
+            </p:cNvPr>
+            <p:cNvSpPr/>
+            <p:nvPr/>
+          </p:nvSpPr>
+          <p:spPr>
+            <a:xfrm>
+              <a:off x="724696" y="3878607"/>
+              <a:ext cx="7978097" cy="4866931"/>
+            </a:xfrm>
+            <a:prstGeom prst="rect">
+              <a:avLst/>
+            </a:prstGeom>
+            <a:solidFill>
+              <a:schemeClr val="bg1">
+                <a:lumMod val="95000"/>
+              </a:schemeClr>
+            </a:solidFill>
+            <a:ln>
+              <a:solidFill>
+                <a:schemeClr val="tx1"/>
+              </a:solidFill>
+            </a:ln>
+          </p:spPr>
+          <p:style>
+            <a:lnRef idx="2">
+              <a:schemeClr val="accent1">
+                <a:shade val="50000"/>
+              </a:schemeClr>
+            </a:lnRef>
+            <a:fillRef idx="1">
+              <a:schemeClr val="accent1"/>
+            </a:fillRef>
+            <a:effectRef idx="0">
+              <a:schemeClr val="accent1"/>
+            </a:effectRef>
+            <a:fontRef idx="minor">
+              <a:schemeClr val="lt1"/>
+            </a:fontRef>
+          </p:style>
+          <p:txBody>
+            <a:bodyPr rtlCol="0" anchor="ctr"/>
+            <a:lstStyle/>
+            <a:p>
+              <a:pPr algn="ctr"/>
+              <a:endParaRPr lang="pt-BR"/>
+            </a:p>
+          </p:txBody>
+        </p:sp>
+        <p:grpSp>
+          <p:nvGrpSpPr>
+            <p:cNvPr id="124" name="Agrupar 123">
+              <a:extLst>
+                <a:ext uri="{FF2B5EF4-FFF2-40B4-BE49-F238E27FC236}">
+                  <a16:creationId xmlns:a16="http://schemas.microsoft.com/office/drawing/2014/main" id="{2F09A8C5-E5A3-4DCD-98B5-05CF60CD7140}"/>
+                </a:ext>
+              </a:extLst>
+            </p:cNvPr>
+            <p:cNvGrpSpPr/>
+            <p:nvPr/>
+          </p:nvGrpSpPr>
+          <p:grpSpPr>
+            <a:xfrm>
+              <a:off x="238127" y="3878607"/>
+              <a:ext cx="486569" cy="4866931"/>
+              <a:chOff x="219075" y="590548"/>
+              <a:chExt cx="486569" cy="3495677"/>
+            </a:xfrm>
+          </p:grpSpPr>
+          <p:sp>
+            <p:nvSpPr>
+              <p:cNvPr id="125" name="Retângulo 124">
+                <a:extLst>
+                  <a:ext uri="{FF2B5EF4-FFF2-40B4-BE49-F238E27FC236}">
+                    <a16:creationId xmlns:a16="http://schemas.microsoft.com/office/drawing/2014/main" id="{2BFD3264-D3B7-4372-8A25-ADD9B1E48D38}"/>
+                  </a:ext>
+                </a:extLst>
+              </p:cNvPr>
+              <p:cNvSpPr/>
+              <p:nvPr/>
+            </p:nvSpPr>
+            <p:spPr>
+              <a:xfrm>
+                <a:off x="219075" y="590548"/>
+                <a:ext cx="486569" cy="3495677"/>
+              </a:xfrm>
+              <a:prstGeom prst="rect">
+                <a:avLst/>
+              </a:prstGeom>
+              <a:solidFill>
+                <a:schemeClr val="bg2">
+                  <a:lumMod val="75000"/>
+                </a:schemeClr>
+              </a:solidFill>
+              <a:ln>
+                <a:solidFill>
+                  <a:schemeClr val="tx1"/>
+                </a:solidFill>
+              </a:ln>
+            </p:spPr>
+            <p:style>
+              <a:lnRef idx="2">
+                <a:schemeClr val="accent1">
+                  <a:shade val="50000"/>
+                </a:schemeClr>
+              </a:lnRef>
+              <a:fillRef idx="1">
+                <a:schemeClr val="accent1"/>
+              </a:fillRef>
+              <a:effectRef idx="0">
+                <a:schemeClr val="accent1"/>
+              </a:effectRef>
+              <a:fontRef idx="minor">
+                <a:schemeClr val="lt1"/>
+              </a:fontRef>
+            </p:style>
+            <p:txBody>
+              <a:bodyPr rtlCol="0" anchor="ctr"/>
+              <a:lstStyle/>
+              <a:p>
+                <a:pPr algn="ctr"/>
+                <a:endParaRPr lang="pt-BR" dirty="0"/>
+              </a:p>
+            </p:txBody>
+          </p:sp>
+          <p:sp>
+            <p:nvSpPr>
+              <p:cNvPr id="126" name="CaixaDeTexto 125">
+                <a:extLst>
+                  <a:ext uri="{FF2B5EF4-FFF2-40B4-BE49-F238E27FC236}">
+                    <a16:creationId xmlns:a16="http://schemas.microsoft.com/office/drawing/2014/main" id="{BDCEB9EC-749A-4AA0-A035-90091D3C773F}"/>
+                  </a:ext>
+                </a:extLst>
+              </p:cNvPr>
+              <p:cNvSpPr txBox="1"/>
+              <p:nvPr/>
+            </p:nvSpPr>
+            <p:spPr>
+              <a:xfrm rot="16200000">
+                <a:off x="-1285478" y="2153720"/>
+                <a:ext cx="3495676" cy="369332"/>
+              </a:xfrm>
+              <a:prstGeom prst="rect">
+                <a:avLst/>
+              </a:prstGeom>
+              <a:noFill/>
+            </p:spPr>
+            <p:txBody>
+              <a:bodyPr wrap="square" rtlCol="0">
+                <a:spAutoFit/>
+              </a:bodyPr>
+              <a:lstStyle/>
+              <a:p>
+                <a:pPr algn="ctr"/>
+                <a:r>
+                  <a:rPr lang="pt-BR" dirty="0"/>
+                  <a:t>N3</a:t>
+                </a:r>
+              </a:p>
+            </p:txBody>
+          </p:sp>
+        </p:grpSp>
+      </p:grpSp>
+      <p:grpSp>
+        <p:nvGrpSpPr>
           <p:cNvPr id="22" name="Agrupar 21">
             <a:extLst>
               <a:ext uri="{FF2B5EF4-FFF2-40B4-BE49-F238E27FC236}">
@@ -2980,8 +3175,8 @@
         </p:nvGrpSpPr>
         <p:grpSpPr>
           <a:xfrm>
-            <a:off x="238127" y="3878607"/>
-            <a:ext cx="8464666" cy="4866931"/>
+            <a:off x="238127" y="4635533"/>
+            <a:ext cx="8464666" cy="2220030"/>
             <a:chOff x="238127" y="3878607"/>
             <a:chExt cx="8464666" cy="4866931"/>
           </a:xfrm>
@@ -3149,7 +3344,7 @@
                 <a:pPr algn="ctr"/>
                 <a:r>
                   <a:rPr lang="pt-BR" dirty="0"/>
-                  <a:t>Técnico</a:t>
+                  <a:t>N2</a:t>
                 </a:r>
               </a:p>
             </p:txBody>
@@ -3170,8 +3365,8 @@
         </p:nvGrpSpPr>
         <p:grpSpPr>
           <a:xfrm>
-            <a:off x="238127" y="1165223"/>
-            <a:ext cx="8464666" cy="2706701"/>
+            <a:off x="238127" y="1094633"/>
+            <a:ext cx="8464666" cy="3537294"/>
             <a:chOff x="238127" y="1165223"/>
             <a:chExt cx="8464666" cy="2706701"/>
           </a:xfrm>
@@ -3339,7 +3534,7 @@
                 <a:pPr algn="ctr"/>
                 <a:r>
                   <a:rPr lang="pt-BR" dirty="0"/>
-                  <a:t>Usuário</a:t>
+                  <a:t>N1</a:t>
                 </a:r>
               </a:p>
             </p:txBody>
@@ -3360,7 +3555,7 @@
         </p:nvSpPr>
         <p:spPr>
           <a:xfrm>
-            <a:off x="962025" y="1355726"/>
+            <a:off x="962025" y="1285137"/>
             <a:ext cx="1762124" cy="476251"/>
           </a:xfrm>
           <a:prstGeom prst="flowChartTerminator">
@@ -3426,7 +3621,7 @@
         </p:nvSpPr>
         <p:spPr>
           <a:xfrm>
-            <a:off x="1104900" y="2041525"/>
+            <a:off x="1104900" y="2686937"/>
             <a:ext cx="1476377" cy="723900"/>
           </a:xfrm>
           <a:prstGeom prst="flowChartDecision">
@@ -3490,14 +3685,14 @@
           <p:cNvCxnSpPr>
             <a:cxnSpLocks/>
             <a:stCxn id="16" idx="2"/>
-            <a:endCxn id="18" idx="0"/>
+            <a:endCxn id="68" idx="0"/>
           </p:cNvCxnSpPr>
           <p:nvPr/>
         </p:nvCxnSpPr>
         <p:spPr>
-          <a:xfrm>
-            <a:off x="1843087" y="1831975"/>
-            <a:ext cx="0" cy="209550"/>
+          <a:xfrm flipH="1">
+            <a:off x="1834874" y="1761388"/>
+            <a:ext cx="8213" cy="240047"/>
           </a:xfrm>
           <a:prstGeom prst="straightConnector1">
             <a:avLst/>
@@ -3535,7 +3730,7 @@
         </p:nvSpPr>
         <p:spPr>
           <a:xfrm>
-            <a:off x="1104900" y="2974975"/>
+            <a:off x="1104900" y="3620387"/>
             <a:ext cx="1476377" cy="723900"/>
           </a:xfrm>
           <a:prstGeom prst="flowChartDecision">
@@ -3582,7 +3777,7 @@
                   <a:schemeClr val="tx1"/>
                 </a:solidFill>
               </a:rPr>
-              <a:t>Sensor está enviando dados?</a:t>
+              <a:t>Problemas no cadastro?</a:t>
             </a:r>
           </a:p>
         </p:txBody>
@@ -3604,7 +3799,7 @@
         </p:nvCxnSpPr>
         <p:spPr>
           <a:xfrm>
-            <a:off x="1843087" y="2765425"/>
+            <a:off x="1843087" y="3410837"/>
             <a:ext cx="0" cy="209550"/>
           </a:xfrm>
           <a:prstGeom prst="straightConnector1">
@@ -3643,7 +3838,7 @@
         </p:nvSpPr>
         <p:spPr>
           <a:xfrm>
-            <a:off x="1850234" y="2739395"/>
+            <a:off x="1850234" y="3384807"/>
             <a:ext cx="732631" cy="261610"/>
           </a:xfrm>
           <a:prstGeom prst="rect">
@@ -3680,7 +3875,7 @@
         </p:nvCxnSpPr>
         <p:spPr>
           <a:xfrm>
-            <a:off x="2591594" y="2403475"/>
+            <a:off x="2591594" y="3048887"/>
             <a:ext cx="380204" cy="0"/>
           </a:xfrm>
           <a:prstGeom prst="straightConnector1">
@@ -3719,7 +3914,7 @@
         </p:nvSpPr>
         <p:spPr>
           <a:xfrm>
-            <a:off x="2547149" y="2154880"/>
+            <a:off x="2547149" y="2800292"/>
             <a:ext cx="732631" cy="261610"/>
           </a:xfrm>
           <a:prstGeom prst="rect">
@@ -3754,7 +3949,7 @@
         </p:nvSpPr>
         <p:spPr>
           <a:xfrm>
-            <a:off x="2971798" y="2154880"/>
+            <a:off x="2971798" y="2800292"/>
             <a:ext cx="1476376" cy="505770"/>
           </a:xfrm>
           <a:prstGeom prst="rect">
@@ -3801,7 +3996,7 @@
                   <a:schemeClr val="tx1"/>
                 </a:solidFill>
               </a:rPr>
-              <a:t>Verificar conexão com a internet</a:t>
+              <a:t>Verificar conexão com a internet e cabeamento</a:t>
             </a:r>
           </a:p>
         </p:txBody>
@@ -3820,7 +4015,7 @@
         </p:nvSpPr>
         <p:spPr>
           <a:xfrm>
-            <a:off x="1840707" y="3963607"/>
+            <a:off x="1782151" y="4370317"/>
             <a:ext cx="732631" cy="261610"/>
           </a:xfrm>
           <a:prstGeom prst="rect">
@@ -3841,12 +4036,53 @@
           </a:p>
         </p:txBody>
       </p:sp>
-      <p:sp>
-        <p:nvSpPr>
-          <p:cNvPr id="60" name="Retângulo 59">
+      <p:cxnSp>
+        <p:nvCxnSpPr>
+          <p:cNvPr id="69" name="Conector de Seta Reta 68">
             <a:extLst>
               <a:ext uri="{FF2B5EF4-FFF2-40B4-BE49-F238E27FC236}">
-                <a16:creationId xmlns:a16="http://schemas.microsoft.com/office/drawing/2014/main" id="{4C61DEC5-77E6-4507-9710-F1DA6F6DC39C}"/>
+                <a16:creationId xmlns:a16="http://schemas.microsoft.com/office/drawing/2014/main" id="{B0E43D43-6EE1-4A87-80B6-129F9AE865EC}"/>
+              </a:ext>
+            </a:extLst>
+          </p:cNvPr>
+          <p:cNvCxnSpPr>
+            <a:cxnSpLocks/>
+          </p:cNvCxnSpPr>
+          <p:nvPr/>
+        </p:nvCxnSpPr>
+        <p:spPr>
+          <a:xfrm>
+            <a:off x="2547149" y="8503266"/>
+            <a:ext cx="476247" cy="17"/>
+          </a:xfrm>
+          <a:prstGeom prst="straightConnector1">
+            <a:avLst/>
+          </a:prstGeom>
+          <a:ln>
+            <a:tailEnd type="triangle"/>
+          </a:ln>
+        </p:spPr>
+        <p:style>
+          <a:lnRef idx="1">
+            <a:schemeClr val="accent1"/>
+          </a:lnRef>
+          <a:fillRef idx="0">
+            <a:schemeClr val="accent1"/>
+          </a:fillRef>
+          <a:effectRef idx="0">
+            <a:schemeClr val="accent1"/>
+          </a:effectRef>
+          <a:fontRef idx="minor">
+            <a:schemeClr val="tx1"/>
+          </a:fontRef>
+        </p:style>
+      </p:cxnSp>
+      <p:sp>
+        <p:nvSpPr>
+          <p:cNvPr id="77" name="Fluxograma: Decisão 76">
+            <a:extLst>
+              <a:ext uri="{FF2B5EF4-FFF2-40B4-BE49-F238E27FC236}">
+                <a16:creationId xmlns:a16="http://schemas.microsoft.com/office/drawing/2014/main" id="{773DCD19-9830-4993-92E5-AEE17FDE0490}"/>
               </a:ext>
             </a:extLst>
           </p:cNvPr>
@@ -3855,73 +4091,7 @@
         </p:nvSpPr>
         <p:spPr>
           <a:xfrm>
-            <a:off x="1102520" y="4355154"/>
-            <a:ext cx="1476376" cy="505770"/>
-          </a:xfrm>
-          <a:prstGeom prst="rect">
-            <a:avLst/>
-          </a:prstGeom>
-          <a:solidFill>
-            <a:schemeClr val="accent1">
-              <a:lumMod val="40000"/>
-              <a:lumOff val="60000"/>
-            </a:schemeClr>
-          </a:solidFill>
-          <a:ln w="19050">
-            <a:solidFill>
-              <a:schemeClr val="accent1">
-                <a:lumMod val="75000"/>
-              </a:schemeClr>
-            </a:solidFill>
-          </a:ln>
-        </p:spPr>
-        <p:style>
-          <a:lnRef idx="2">
-            <a:schemeClr val="accent1">
-              <a:shade val="50000"/>
-            </a:schemeClr>
-          </a:lnRef>
-          <a:fillRef idx="1">
-            <a:schemeClr val="accent1"/>
-          </a:fillRef>
-          <a:effectRef idx="0">
-            <a:schemeClr val="accent1"/>
-          </a:effectRef>
-          <a:fontRef idx="minor">
-            <a:schemeClr val="lt1"/>
-          </a:fontRef>
-        </p:style>
-        <p:txBody>
-          <a:bodyPr rtlCol="0" anchor="ctr"/>
-          <a:lstStyle/>
-          <a:p>
-            <a:pPr algn="ctr"/>
-            <a:r>
-              <a:rPr lang="pt-BR" sz="900" dirty="0">
-                <a:solidFill>
-                  <a:schemeClr val="tx1"/>
-                </a:solidFill>
-              </a:rPr>
-              <a:t>Contatar Suporte</a:t>
-            </a:r>
-          </a:p>
-        </p:txBody>
-      </p:sp>
-      <p:sp>
-        <p:nvSpPr>
-          <p:cNvPr id="67" name="Fluxograma: Decisão 66">
-            <a:extLst>
-              <a:ext uri="{FF2B5EF4-FFF2-40B4-BE49-F238E27FC236}">
-                <a16:creationId xmlns:a16="http://schemas.microsoft.com/office/drawing/2014/main" id="{AC9CFC65-A8F0-4880-BE1C-319374A2A526}"/>
-              </a:ext>
-            </a:extLst>
-          </p:cNvPr>
-          <p:cNvSpPr/>
-          <p:nvPr/>
-        </p:nvSpPr>
-        <p:spPr>
-          <a:xfrm>
-            <a:off x="1104900" y="5339385"/>
+            <a:off x="4984717" y="3600669"/>
             <a:ext cx="1476377" cy="723900"/>
           </a:xfrm>
           <a:prstGeom prst="flowChartDecision">
@@ -3968,211 +4138,6 @@
                   <a:schemeClr val="tx1"/>
                 </a:solidFill>
               </a:rPr>
-              <a:t>Sensor danificado?</a:t>
-            </a:r>
-          </a:p>
-        </p:txBody>
-      </p:sp>
-      <p:cxnSp>
-        <p:nvCxnSpPr>
-          <p:cNvPr id="69" name="Conector de Seta Reta 68">
-            <a:extLst>
-              <a:ext uri="{FF2B5EF4-FFF2-40B4-BE49-F238E27FC236}">
-                <a16:creationId xmlns:a16="http://schemas.microsoft.com/office/drawing/2014/main" id="{B0E43D43-6EE1-4A87-80B6-129F9AE865EC}"/>
-              </a:ext>
-            </a:extLst>
-          </p:cNvPr>
-          <p:cNvCxnSpPr>
-            <a:cxnSpLocks/>
-            <a:stCxn id="67" idx="3"/>
-            <a:endCxn id="71" idx="1"/>
-          </p:cNvCxnSpPr>
-          <p:nvPr/>
-        </p:nvCxnSpPr>
-        <p:spPr>
-          <a:xfrm>
-            <a:off x="2581277" y="5701335"/>
-            <a:ext cx="476247" cy="17"/>
-          </a:xfrm>
-          <a:prstGeom prst="straightConnector1">
-            <a:avLst/>
-          </a:prstGeom>
-          <a:ln>
-            <a:tailEnd type="triangle"/>
-          </a:ln>
-        </p:spPr>
-        <p:style>
-          <a:lnRef idx="1">
-            <a:schemeClr val="accent1"/>
-          </a:lnRef>
-          <a:fillRef idx="0">
-            <a:schemeClr val="accent1"/>
-          </a:fillRef>
-          <a:effectRef idx="0">
-            <a:schemeClr val="accent1"/>
-          </a:effectRef>
-          <a:fontRef idx="minor">
-            <a:schemeClr val="tx1"/>
-          </a:fontRef>
-        </p:style>
-      </p:cxnSp>
-      <p:sp>
-        <p:nvSpPr>
-          <p:cNvPr id="70" name="CaixaDeTexto 69">
-            <a:extLst>
-              <a:ext uri="{FF2B5EF4-FFF2-40B4-BE49-F238E27FC236}">
-                <a16:creationId xmlns:a16="http://schemas.microsoft.com/office/drawing/2014/main" id="{227F8914-9A0F-465D-BDF6-B52A599514F4}"/>
-              </a:ext>
-            </a:extLst>
-          </p:cNvPr>
-          <p:cNvSpPr txBox="1"/>
-          <p:nvPr/>
-        </p:nvSpPr>
-        <p:spPr>
-          <a:xfrm>
-            <a:off x="2527391" y="5431486"/>
-            <a:ext cx="732631" cy="261610"/>
-          </a:xfrm>
-          <a:prstGeom prst="rect">
-            <a:avLst/>
-          </a:prstGeom>
-          <a:noFill/>
-        </p:spPr>
-        <p:txBody>
-          <a:bodyPr wrap="square" rtlCol="0">
-            <a:spAutoFit/>
-          </a:bodyPr>
-          <a:lstStyle/>
-          <a:p>
-            <a:r>
-              <a:rPr lang="pt-BR" sz="1100" b="1" dirty="0"/>
-              <a:t>Sim</a:t>
-            </a:r>
-          </a:p>
-        </p:txBody>
-      </p:sp>
-      <p:sp>
-        <p:nvSpPr>
-          <p:cNvPr id="71" name="Fluxograma: Processo Predefinido 70">
-            <a:extLst>
-              <a:ext uri="{FF2B5EF4-FFF2-40B4-BE49-F238E27FC236}">
-                <a16:creationId xmlns:a16="http://schemas.microsoft.com/office/drawing/2014/main" id="{DF6390B3-6981-439E-B711-3912015F47E2}"/>
-              </a:ext>
-            </a:extLst>
-          </p:cNvPr>
-          <p:cNvSpPr/>
-          <p:nvPr/>
-        </p:nvSpPr>
-        <p:spPr>
-          <a:xfrm>
-            <a:off x="3057524" y="5339402"/>
-            <a:ext cx="1343024" cy="723900"/>
-          </a:xfrm>
-          <a:prstGeom prst="flowChartPredefinedProcess">
-            <a:avLst/>
-          </a:prstGeom>
-          <a:solidFill>
-            <a:srgbClr val="B4C7E7"/>
-          </a:solidFill>
-          <a:ln w="19050">
-            <a:solidFill>
-              <a:srgbClr val="2F5597"/>
-            </a:solidFill>
-          </a:ln>
-        </p:spPr>
-        <p:style>
-          <a:lnRef idx="2">
-            <a:schemeClr val="accent1">
-              <a:shade val="50000"/>
-            </a:schemeClr>
-          </a:lnRef>
-          <a:fillRef idx="1">
-            <a:schemeClr val="accent1"/>
-          </a:fillRef>
-          <a:effectRef idx="0">
-            <a:schemeClr val="accent1"/>
-          </a:effectRef>
-          <a:fontRef idx="minor">
-            <a:schemeClr val="lt1"/>
-          </a:fontRef>
-        </p:style>
-        <p:txBody>
-          <a:bodyPr rtlCol="0" anchor="ctr"/>
-          <a:lstStyle/>
-          <a:p>
-            <a:pPr algn="ctr"/>
-            <a:r>
-              <a:rPr lang="pt-BR" sz="900" dirty="0">
-                <a:solidFill>
-                  <a:schemeClr val="tx1"/>
-                </a:solidFill>
-              </a:rPr>
-              <a:t>Trocar sensor</a:t>
-            </a:r>
-          </a:p>
-        </p:txBody>
-      </p:sp>
-      <p:sp>
-        <p:nvSpPr>
-          <p:cNvPr id="77" name="Fluxograma: Decisão 76">
-            <a:extLst>
-              <a:ext uri="{FF2B5EF4-FFF2-40B4-BE49-F238E27FC236}">
-                <a16:creationId xmlns:a16="http://schemas.microsoft.com/office/drawing/2014/main" id="{773DCD19-9830-4993-92E5-AEE17FDE0490}"/>
-              </a:ext>
-            </a:extLst>
-          </p:cNvPr>
-          <p:cNvSpPr/>
-          <p:nvPr/>
-        </p:nvSpPr>
-        <p:spPr>
-          <a:xfrm>
-            <a:off x="4999829" y="2972115"/>
-            <a:ext cx="1476377" cy="723900"/>
-          </a:xfrm>
-          <a:prstGeom prst="flowChartDecision">
-            <a:avLst/>
-          </a:prstGeom>
-          <a:solidFill>
-            <a:schemeClr val="accent1">
-              <a:lumMod val="40000"/>
-              <a:lumOff val="60000"/>
-            </a:schemeClr>
-          </a:solidFill>
-          <a:ln w="19050">
-            <a:solidFill>
-              <a:schemeClr val="accent1">
-                <a:lumMod val="75000"/>
-              </a:schemeClr>
-            </a:solidFill>
-          </a:ln>
-        </p:spPr>
-        <p:style>
-          <a:lnRef idx="2">
-            <a:schemeClr val="accent1">
-              <a:shade val="50000"/>
-            </a:schemeClr>
-          </a:lnRef>
-          <a:fillRef idx="1">
-            <a:schemeClr val="accent1"/>
-          </a:fillRef>
-          <a:effectRef idx="0">
-            <a:schemeClr val="accent1"/>
-          </a:effectRef>
-          <a:fontRef idx="minor">
-            <a:schemeClr val="lt1"/>
-          </a:fontRef>
-        </p:style>
-        <p:txBody>
-          <a:bodyPr rtlCol="0" anchor="ctr"/>
-          <a:lstStyle/>
-          <a:p>
-            <a:pPr algn="ctr"/>
-            <a:r>
-              <a:rPr lang="pt-BR" sz="900" dirty="0">
-                <a:solidFill>
-                  <a:schemeClr val="tx1"/>
-                </a:solidFill>
-              </a:rPr>
               <a:t>Funcionou</a:t>
             </a:r>
           </a:p>
@@ -4194,7 +4159,7 @@
         </p:nvCxnSpPr>
         <p:spPr>
           <a:xfrm>
-            <a:off x="6455537" y="3334306"/>
+            <a:off x="6455537" y="3956858"/>
             <a:ext cx="380204" cy="0"/>
           </a:xfrm>
           <a:prstGeom prst="straightConnector1">
@@ -4233,7 +4198,7 @@
         </p:nvSpPr>
         <p:spPr>
           <a:xfrm>
-            <a:off x="6413926" y="3085711"/>
+            <a:off x="6428067" y="3731597"/>
             <a:ext cx="732631" cy="261610"/>
           </a:xfrm>
           <a:prstGeom prst="rect">
@@ -4268,7 +4233,7 @@
         </p:nvSpPr>
         <p:spPr>
           <a:xfrm>
-            <a:off x="6829027" y="3104905"/>
+            <a:off x="6835741" y="3724493"/>
             <a:ext cx="1762124" cy="476251"/>
           </a:xfrm>
           <a:prstGeom prst="flowChartTerminator">
@@ -4335,9 +4300,9 @@
           <p:nvPr/>
         </p:nvCxnSpPr>
         <p:spPr>
-          <a:xfrm flipH="1">
-            <a:off x="4718791" y="2403475"/>
-            <a:ext cx="3236" cy="930707"/>
+          <a:xfrm>
+            <a:off x="4722027" y="3048887"/>
+            <a:ext cx="0" cy="917851"/>
           </a:xfrm>
           <a:prstGeom prst="line">
             <a:avLst/>
@@ -4375,54 +4340,12 @@
         </p:nvCxnSpPr>
         <p:spPr>
           <a:xfrm flipH="1">
-            <a:off x="4448174" y="2403474"/>
+            <a:off x="4448174" y="3048886"/>
             <a:ext cx="272235" cy="4291"/>
           </a:xfrm>
           <a:prstGeom prst="line">
             <a:avLst/>
           </a:prstGeom>
-        </p:spPr>
-        <p:style>
-          <a:lnRef idx="1">
-            <a:schemeClr val="accent1"/>
-          </a:lnRef>
-          <a:fillRef idx="0">
-            <a:schemeClr val="accent1"/>
-          </a:fillRef>
-          <a:effectRef idx="0">
-            <a:schemeClr val="accent1"/>
-          </a:effectRef>
-          <a:fontRef idx="minor">
-            <a:schemeClr val="tx1"/>
-          </a:fontRef>
-        </p:style>
-      </p:cxnSp>
-      <p:cxnSp>
-        <p:nvCxnSpPr>
-          <p:cNvPr id="141" name="Conector de Seta Reta 140">
-            <a:extLst>
-              <a:ext uri="{FF2B5EF4-FFF2-40B4-BE49-F238E27FC236}">
-                <a16:creationId xmlns:a16="http://schemas.microsoft.com/office/drawing/2014/main" id="{76FF279F-B6CA-4E8C-9D92-A24B960C1D42}"/>
-              </a:ext>
-            </a:extLst>
-          </p:cNvPr>
-          <p:cNvCxnSpPr>
-            <a:cxnSpLocks/>
-            <a:stCxn id="60" idx="2"/>
-          </p:cNvCxnSpPr>
-          <p:nvPr/>
-        </p:nvCxnSpPr>
-        <p:spPr>
-          <a:xfrm>
-            <a:off x="1840708" y="4860924"/>
-            <a:ext cx="0" cy="476546"/>
-          </a:xfrm>
-          <a:prstGeom prst="straightConnector1">
-            <a:avLst/>
-          </a:prstGeom>
-          <a:ln>
-            <a:tailEnd type="triangle"/>
-          </a:ln>
         </p:spPr>
         <p:style>
           <a:lnRef idx="1">
@@ -4449,15 +4372,16 @@
             </a:extLst>
           </p:cNvPr>
           <p:cNvCxnSpPr>
+            <a:cxnSpLocks/>
             <a:stCxn id="33" idx="2"/>
-            <a:endCxn id="60" idx="0"/>
+            <a:endCxn id="57" idx="0"/>
           </p:cNvCxnSpPr>
           <p:nvPr/>
         </p:nvCxnSpPr>
         <p:spPr>
-          <a:xfrm flipH="1">
-            <a:off x="1840708" y="3698875"/>
-            <a:ext cx="2381" cy="656279"/>
+          <a:xfrm>
+            <a:off x="1843089" y="4344287"/>
+            <a:ext cx="792" cy="551029"/>
           </a:xfrm>
           <a:prstGeom prst="straightConnector1">
             <a:avLst/>
@@ -4490,13 +4414,16 @@
               </a:ext>
             </a:extLst>
           </p:cNvPr>
-          <p:cNvCxnSpPr/>
+          <p:cNvCxnSpPr>
+            <a:cxnSpLocks/>
+            <a:stCxn id="90" idx="2"/>
+          </p:cNvCxnSpPr>
           <p:nvPr/>
         </p:nvCxnSpPr>
         <p:spPr>
-          <a:xfrm>
-            <a:off x="1837899" y="6061370"/>
-            <a:ext cx="0" cy="476546"/>
+          <a:xfrm flipH="1">
+            <a:off x="1821180" y="7798373"/>
+            <a:ext cx="26402" cy="438847"/>
           </a:xfrm>
           <a:prstGeom prst="straightConnector1">
             <a:avLst/>
@@ -4504,145 +4431,6 @@
           <a:ln>
             <a:tailEnd type="triangle"/>
           </a:ln>
-        </p:spPr>
-        <p:style>
-          <a:lnRef idx="1">
-            <a:schemeClr val="accent1"/>
-          </a:lnRef>
-          <a:fillRef idx="0">
-            <a:schemeClr val="accent1"/>
-          </a:fillRef>
-          <a:effectRef idx="0">
-            <a:schemeClr val="accent1"/>
-          </a:effectRef>
-          <a:fontRef idx="minor">
-            <a:schemeClr val="tx1"/>
-          </a:fontRef>
-        </p:style>
-      </p:cxnSp>
-      <p:sp>
-        <p:nvSpPr>
-          <p:cNvPr id="152" name="CaixaDeTexto 151">
-            <a:extLst>
-              <a:ext uri="{FF2B5EF4-FFF2-40B4-BE49-F238E27FC236}">
-                <a16:creationId xmlns:a16="http://schemas.microsoft.com/office/drawing/2014/main" id="{328E131A-2D7F-4226-9245-79E58D460280}"/>
-              </a:ext>
-            </a:extLst>
-          </p:cNvPr>
-          <p:cNvSpPr txBox="1"/>
-          <p:nvPr/>
-        </p:nvSpPr>
-        <p:spPr>
-          <a:xfrm>
-            <a:off x="1837899" y="6118363"/>
-            <a:ext cx="732631" cy="261610"/>
-          </a:xfrm>
-          <a:prstGeom prst="rect">
-            <a:avLst/>
-          </a:prstGeom>
-          <a:noFill/>
-        </p:spPr>
-        <p:txBody>
-          <a:bodyPr wrap="square" rtlCol="0">
-            <a:spAutoFit/>
-          </a:bodyPr>
-          <a:lstStyle/>
-          <a:p>
-            <a:r>
-              <a:rPr lang="pt-BR" sz="1100" b="1" dirty="0"/>
-              <a:t>Não</a:t>
-            </a:r>
-          </a:p>
-        </p:txBody>
-      </p:sp>
-      <p:sp>
-        <p:nvSpPr>
-          <p:cNvPr id="153" name="Retângulo 152">
-            <a:extLst>
-              <a:ext uri="{FF2B5EF4-FFF2-40B4-BE49-F238E27FC236}">
-                <a16:creationId xmlns:a16="http://schemas.microsoft.com/office/drawing/2014/main" id="{8F1FF129-271F-46FE-B20C-C6416A253612}"/>
-              </a:ext>
-            </a:extLst>
-          </p:cNvPr>
-          <p:cNvSpPr/>
-          <p:nvPr/>
-        </p:nvSpPr>
-        <p:spPr>
-          <a:xfrm>
-            <a:off x="2971798" y="3068441"/>
-            <a:ext cx="1476376" cy="505770"/>
-          </a:xfrm>
-          <a:prstGeom prst="rect">
-            <a:avLst/>
-          </a:prstGeom>
-          <a:solidFill>
-            <a:schemeClr val="accent1">
-              <a:lumMod val="40000"/>
-              <a:lumOff val="60000"/>
-            </a:schemeClr>
-          </a:solidFill>
-          <a:ln w="19050">
-            <a:solidFill>
-              <a:schemeClr val="accent1">
-                <a:lumMod val="75000"/>
-              </a:schemeClr>
-            </a:solidFill>
-          </a:ln>
-        </p:spPr>
-        <p:style>
-          <a:lnRef idx="2">
-            <a:schemeClr val="accent1">
-              <a:shade val="50000"/>
-            </a:schemeClr>
-          </a:lnRef>
-          <a:fillRef idx="1">
-            <a:schemeClr val="accent1"/>
-          </a:fillRef>
-          <a:effectRef idx="0">
-            <a:schemeClr val="accent1"/>
-          </a:effectRef>
-          <a:fontRef idx="minor">
-            <a:schemeClr val="lt1"/>
-          </a:fontRef>
-        </p:style>
-        <p:txBody>
-          <a:bodyPr rtlCol="0" anchor="ctr"/>
-          <a:lstStyle/>
-          <a:p>
-            <a:pPr algn="ctr"/>
-            <a:r>
-              <a:rPr lang="pt-BR" sz="900" dirty="0">
-                <a:solidFill>
-                  <a:schemeClr val="tx1"/>
-                </a:solidFill>
-              </a:rPr>
-              <a:t>Verificar cabeamento e atualizar página</a:t>
-            </a:r>
-          </a:p>
-        </p:txBody>
-      </p:sp>
-      <p:cxnSp>
-        <p:nvCxnSpPr>
-          <p:cNvPr id="163" name="Conector reto 162">
-            <a:extLst>
-              <a:ext uri="{FF2B5EF4-FFF2-40B4-BE49-F238E27FC236}">
-                <a16:creationId xmlns:a16="http://schemas.microsoft.com/office/drawing/2014/main" id="{2488AFC6-567C-498F-8DCC-1B0D87CC74EA}"/>
-              </a:ext>
-            </a:extLst>
-          </p:cNvPr>
-          <p:cNvCxnSpPr>
-            <a:cxnSpLocks/>
-          </p:cNvCxnSpPr>
-          <p:nvPr/>
-        </p:nvCxnSpPr>
-        <p:spPr>
-          <a:xfrm flipV="1">
-            <a:off x="2581277" y="3324540"/>
-            <a:ext cx="142872" cy="2860"/>
-          </a:xfrm>
-          <a:prstGeom prst="line">
-            <a:avLst/>
-          </a:prstGeom>
         </p:spPr>
         <p:style>
           <a:lnRef idx="1">
@@ -4670,14 +4458,15 @@
           </p:cNvPr>
           <p:cNvCxnSpPr>
             <a:cxnSpLocks/>
-            <a:endCxn id="153" idx="1"/>
+            <a:stCxn id="33" idx="3"/>
+            <a:endCxn id="71" idx="1"/>
           </p:cNvCxnSpPr>
           <p:nvPr/>
         </p:nvCxnSpPr>
         <p:spPr>
-          <a:xfrm>
-            <a:off x="2724149" y="3321326"/>
-            <a:ext cx="247649" cy="0"/>
+          <a:xfrm flipV="1">
+            <a:off x="2581277" y="3977859"/>
+            <a:ext cx="467119" cy="4478"/>
           </a:xfrm>
           <a:prstGeom prst="straightConnector1">
             <a:avLst/>
@@ -4715,7 +4504,7 @@
         </p:nvSpPr>
         <p:spPr>
           <a:xfrm>
-            <a:off x="2527392" y="3085711"/>
+            <a:off x="2527391" y="3701009"/>
             <a:ext cx="732631" cy="261610"/>
           </a:xfrm>
           <a:prstGeom prst="rect">
@@ -4747,14 +4536,13 @@
           </p:cNvPr>
           <p:cNvCxnSpPr>
             <a:cxnSpLocks/>
-            <a:stCxn id="153" idx="3"/>
           </p:cNvCxnSpPr>
           <p:nvPr/>
         </p:nvCxnSpPr>
         <p:spPr>
           <a:xfrm>
-            <a:off x="4448174" y="3321326"/>
-            <a:ext cx="551655" cy="0"/>
+            <a:off x="4400548" y="3966738"/>
+            <a:ext cx="599281" cy="0"/>
           </a:xfrm>
           <a:prstGeom prst="straightConnector1">
             <a:avLst/>
@@ -4793,9 +4581,9 @@
           <p:nvPr/>
         </p:nvCxnSpPr>
         <p:spPr>
-          <a:xfrm flipH="1" flipV="1">
-            <a:off x="5738017" y="1593852"/>
-            <a:ext cx="1" cy="1378263"/>
+          <a:xfrm flipV="1">
+            <a:off x="5722182" y="1523262"/>
+            <a:ext cx="5089" cy="2085708"/>
           </a:xfrm>
           <a:prstGeom prst="line">
             <a:avLst/>
@@ -4832,7 +4620,7 @@
         </p:nvCxnSpPr>
         <p:spPr>
           <a:xfrm flipH="1">
-            <a:off x="2724149" y="1593852"/>
+            <a:off x="2724149" y="1523263"/>
             <a:ext cx="3013868" cy="0"/>
           </a:xfrm>
           <a:prstGeom prst="straightConnector1">
@@ -4871,7 +4659,7 @@
         </p:nvSpPr>
         <p:spPr>
           <a:xfrm>
-            <a:off x="5722906" y="2737017"/>
+            <a:off x="5722906" y="3306062"/>
             <a:ext cx="732631" cy="261610"/>
           </a:xfrm>
           <a:prstGeom prst="rect">
@@ -4892,44 +4680,6 @@
           </a:p>
         </p:txBody>
       </p:sp>
-      <p:cxnSp>
-        <p:nvCxnSpPr>
-          <p:cNvPr id="7" name="Conector reto 6">
-            <a:extLst>
-              <a:ext uri="{FF2B5EF4-FFF2-40B4-BE49-F238E27FC236}">
-                <a16:creationId xmlns:a16="http://schemas.microsoft.com/office/drawing/2014/main" id="{1E43AC47-B719-4028-88B4-DCFE19BE2006}"/>
-              </a:ext>
-            </a:extLst>
-          </p:cNvPr>
-          <p:cNvCxnSpPr>
-            <a:stCxn id="71" idx="3"/>
-          </p:cNvCxnSpPr>
-          <p:nvPr/>
-        </p:nvCxnSpPr>
-        <p:spPr>
-          <a:xfrm flipV="1">
-            <a:off x="4400548" y="5693096"/>
-            <a:ext cx="1337469" cy="8256"/>
-          </a:xfrm>
-          <a:prstGeom prst="line">
-            <a:avLst/>
-          </a:prstGeom>
-        </p:spPr>
-        <p:style>
-          <a:lnRef idx="1">
-            <a:schemeClr val="accent1"/>
-          </a:lnRef>
-          <a:fillRef idx="0">
-            <a:schemeClr val="accent1"/>
-          </a:fillRef>
-          <a:effectRef idx="0">
-            <a:schemeClr val="accent1"/>
-          </a:effectRef>
-          <a:fontRef idx="minor">
-            <a:schemeClr val="tx1"/>
-          </a:fontRef>
-        </p:style>
-      </p:cxnSp>
       <p:cxnSp>
         <p:nvCxnSpPr>
           <p:cNvPr id="9" name="Conector de Seta Reta 8">
@@ -4946,9 +4696,9 @@
           <p:nvPr/>
         </p:nvCxnSpPr>
         <p:spPr>
-          <a:xfrm flipV="1">
-            <a:off x="5738017" y="3696015"/>
-            <a:ext cx="1" cy="2005320"/>
+          <a:xfrm flipH="1" flipV="1">
+            <a:off x="5722906" y="4324569"/>
+            <a:ext cx="20666" cy="4178697"/>
           </a:xfrm>
           <a:prstGeom prst="straightConnector1">
             <a:avLst/>
@@ -4986,7 +4736,7 @@
         </p:nvSpPr>
         <p:spPr>
           <a:xfrm>
-            <a:off x="1105692" y="6539489"/>
+            <a:off x="1105692" y="4895316"/>
             <a:ext cx="1476377" cy="723900"/>
           </a:xfrm>
           <a:prstGeom prst="flowChartDecision">
@@ -5033,7 +4783,7 @@
                   <a:schemeClr val="tx1"/>
                 </a:solidFill>
               </a:rPr>
-              <a:t>Problemas no cadastro?</a:t>
+              <a:t>Sensor está enviando dados?</a:t>
             </a:r>
           </a:p>
         </p:txBody>
@@ -5055,7 +4805,7 @@
         </p:nvCxnSpPr>
         <p:spPr>
           <a:xfrm>
-            <a:off x="2581277" y="6901422"/>
+            <a:off x="2581277" y="5247639"/>
             <a:ext cx="476247" cy="17"/>
           </a:xfrm>
           <a:prstGeom prst="straightConnector1">
@@ -5094,7 +4844,7 @@
         </p:nvSpPr>
         <p:spPr>
           <a:xfrm>
-            <a:off x="2527391" y="6631573"/>
+            <a:off x="2527391" y="4982630"/>
             <a:ext cx="732631" cy="261610"/>
           </a:xfrm>
           <a:prstGeom prst="rect">
@@ -5110,7 +4860,7 @@
           <a:p>
             <a:r>
               <a:rPr lang="pt-BR" sz="1100" b="1" dirty="0"/>
-              <a:t>Sim</a:t>
+              <a:t>Não</a:t>
             </a:r>
           </a:p>
         </p:txBody>
@@ -5129,7 +4879,7 @@
         </p:nvSpPr>
         <p:spPr>
           <a:xfrm>
-            <a:off x="3057524" y="6539489"/>
+            <a:off x="3057524" y="4885706"/>
             <a:ext cx="1343024" cy="723900"/>
           </a:xfrm>
           <a:prstGeom prst="flowChartPredefinedProcess">
@@ -5171,31 +4921,138 @@
                   <a:schemeClr val="tx1"/>
                 </a:solidFill>
               </a:rPr>
-              <a:t>Atualizar dados</a:t>
-            </a:r>
-          </a:p>
-        </p:txBody>
-      </p:sp>
-      <p:cxnSp>
-        <p:nvCxnSpPr>
-          <p:cNvPr id="72" name="Conector reto 71">
+              <a:t>Reiniciar aplicação</a:t>
+            </a:r>
+          </a:p>
+        </p:txBody>
+      </p:sp>
+      <p:sp>
+        <p:nvSpPr>
+          <p:cNvPr id="80" name="CaixaDeTexto 79">
             <a:extLst>
               <a:ext uri="{FF2B5EF4-FFF2-40B4-BE49-F238E27FC236}">
-                <a16:creationId xmlns:a16="http://schemas.microsoft.com/office/drawing/2014/main" id="{3EE57CFE-327E-45E5-8F82-A63DCF5F8F6E}"/>
+                <a16:creationId xmlns:a16="http://schemas.microsoft.com/office/drawing/2014/main" id="{24CA7EF3-27EC-4C76-AFD6-3569CC23B2D3}"/>
               </a:ext>
             </a:extLst>
           </p:cNvPr>
-          <p:cNvCxnSpPr/>
+          <p:cNvSpPr txBox="1"/>
+          <p:nvPr/>
+        </p:nvSpPr>
+        <p:spPr>
+          <a:xfrm>
+            <a:off x="1837899" y="5606189"/>
+            <a:ext cx="732631" cy="261610"/>
+          </a:xfrm>
+          <a:prstGeom prst="rect">
+            <a:avLst/>
+          </a:prstGeom>
+          <a:noFill/>
+        </p:spPr>
+        <p:txBody>
+          <a:bodyPr wrap="square" rtlCol="0">
+            <a:spAutoFit/>
+          </a:bodyPr>
+          <a:lstStyle/>
+          <a:p>
+            <a:r>
+              <a:rPr lang="pt-BR" sz="1100" b="1" dirty="0"/>
+              <a:t>Sim</a:t>
+            </a:r>
+          </a:p>
+        </p:txBody>
+      </p:sp>
+      <p:sp>
+        <p:nvSpPr>
+          <p:cNvPr id="68" name="Retângulo 67">
+            <a:extLst>
+              <a:ext uri="{FF2B5EF4-FFF2-40B4-BE49-F238E27FC236}">
+                <a16:creationId xmlns:a16="http://schemas.microsoft.com/office/drawing/2014/main" id="{5BB895FB-0C1C-4EB4-9294-4A3595CD059B}"/>
+              </a:ext>
+            </a:extLst>
+          </p:cNvPr>
+          <p:cNvSpPr/>
+          <p:nvPr/>
+        </p:nvSpPr>
+        <p:spPr>
+          <a:xfrm>
+            <a:off x="1096686" y="2001435"/>
+            <a:ext cx="1476376" cy="505770"/>
+          </a:xfrm>
+          <a:prstGeom prst="rect">
+            <a:avLst/>
+          </a:prstGeom>
+          <a:solidFill>
+            <a:schemeClr val="accent1">
+              <a:lumMod val="40000"/>
+              <a:lumOff val="60000"/>
+            </a:schemeClr>
+          </a:solidFill>
+          <a:ln w="19050">
+            <a:solidFill>
+              <a:schemeClr val="accent1">
+                <a:lumMod val="75000"/>
+              </a:schemeClr>
+            </a:solidFill>
+          </a:ln>
+        </p:spPr>
+        <p:style>
+          <a:lnRef idx="2">
+            <a:schemeClr val="accent1">
+              <a:shade val="50000"/>
+            </a:schemeClr>
+          </a:lnRef>
+          <a:fillRef idx="1">
+            <a:schemeClr val="accent1"/>
+          </a:fillRef>
+          <a:effectRef idx="0">
+            <a:schemeClr val="accent1"/>
+          </a:effectRef>
+          <a:fontRef idx="minor">
+            <a:schemeClr val="lt1"/>
+          </a:fontRef>
+        </p:style>
+        <p:txBody>
+          <a:bodyPr rtlCol="0" anchor="ctr"/>
+          <a:lstStyle/>
+          <a:p>
+            <a:pPr algn="ctr"/>
+            <a:r>
+              <a:rPr lang="pt-BR" sz="900" dirty="0">
+                <a:solidFill>
+                  <a:schemeClr val="tx1"/>
+                </a:solidFill>
+              </a:rPr>
+              <a:t>Registro e Documentação</a:t>
+            </a:r>
+          </a:p>
+        </p:txBody>
+      </p:sp>
+      <p:cxnSp>
+        <p:nvCxnSpPr>
+          <p:cNvPr id="75" name="Conector de Seta Reta 74">
+            <a:extLst>
+              <a:ext uri="{FF2B5EF4-FFF2-40B4-BE49-F238E27FC236}">
+                <a16:creationId xmlns:a16="http://schemas.microsoft.com/office/drawing/2014/main" id="{C7AABE9A-6B1D-4479-A9CC-0171F497E505}"/>
+              </a:ext>
+            </a:extLst>
+          </p:cNvPr>
+          <p:cNvCxnSpPr>
+            <a:cxnSpLocks/>
+            <a:stCxn id="68" idx="2"/>
+          </p:cNvCxnSpPr>
           <p:nvPr/>
         </p:nvCxnSpPr>
         <p:spPr>
-          <a:xfrm flipV="1">
-            <a:off x="4400548" y="6901422"/>
-            <a:ext cx="1337469" cy="8256"/>
-          </a:xfrm>
-          <a:prstGeom prst="line">
+          <a:xfrm>
+            <a:off x="1834874" y="2507205"/>
+            <a:ext cx="1" cy="187625"/>
+          </a:xfrm>
+          <a:prstGeom prst="straightConnector1">
             <a:avLst/>
           </a:prstGeom>
+          <a:ln>
+            <a:tailEnd type="triangle"/>
+          </a:ln>
         </p:spPr>
         <p:style>
           <a:lnRef idx="1">
@@ -5214,10 +5071,10 @@
       </p:cxnSp>
       <p:cxnSp>
         <p:nvCxnSpPr>
-          <p:cNvPr id="73" name="Conector reto 72">
+          <p:cNvPr id="82" name="Conector de Seta Reta 81">
             <a:extLst>
               <a:ext uri="{FF2B5EF4-FFF2-40B4-BE49-F238E27FC236}">
-                <a16:creationId xmlns:a16="http://schemas.microsoft.com/office/drawing/2014/main" id="{E6276163-86A4-4909-90D9-A264F4B8172C}"/>
+                <a16:creationId xmlns:a16="http://schemas.microsoft.com/office/drawing/2014/main" id="{B06E8CE1-8F6A-402C-9908-967406F9E774}"/>
               </a:ext>
             </a:extLst>
           </p:cNvPr>
@@ -5228,12 +5085,15 @@
         </p:nvCxnSpPr>
         <p:spPr>
           <a:xfrm>
-            <a:off x="5731746" y="5570908"/>
-            <a:ext cx="11828" cy="2538842"/>
-          </a:xfrm>
-          <a:prstGeom prst="line">
+            <a:off x="4400548" y="5257266"/>
+            <a:ext cx="1346200" cy="0"/>
+          </a:xfrm>
+          <a:prstGeom prst="straightConnector1">
             <a:avLst/>
           </a:prstGeom>
+          <a:ln>
+            <a:tailEnd type="triangle"/>
+          </a:ln>
         </p:spPr>
         <p:style>
           <a:lnRef idx="1">
@@ -5252,20 +5112,24 @@
       </p:cxnSp>
       <p:cxnSp>
         <p:nvCxnSpPr>
-          <p:cNvPr id="74" name="Conector de Seta Reta 73">
+          <p:cNvPr id="83" name="Conector de Seta Reta 82">
             <a:extLst>
               <a:ext uri="{FF2B5EF4-FFF2-40B4-BE49-F238E27FC236}">
-                <a16:creationId xmlns:a16="http://schemas.microsoft.com/office/drawing/2014/main" id="{DA8C4B2E-8790-4A81-AE21-C854B5FFB363}"/>
+                <a16:creationId xmlns:a16="http://schemas.microsoft.com/office/drawing/2014/main" id="{17A789DA-9252-46A0-BDE4-AA3B8DD3359D}"/>
               </a:ext>
             </a:extLst>
           </p:cNvPr>
-          <p:cNvCxnSpPr/>
+          <p:cNvCxnSpPr>
+            <a:cxnSpLocks/>
+            <a:stCxn id="81" idx="2"/>
+            <a:endCxn id="90" idx="0"/>
+          </p:cNvCxnSpPr>
           <p:nvPr/>
         </p:nvCxnSpPr>
         <p:spPr>
           <a:xfrm>
-            <a:off x="1837899" y="7266813"/>
-            <a:ext cx="0" cy="476546"/>
+            <a:off x="1843881" y="6573797"/>
+            <a:ext cx="3701" cy="500676"/>
           </a:xfrm>
           <a:prstGeom prst="straightConnector1">
             <a:avLst/>
@@ -5291,10 +5155,10 @@
       </p:cxnSp>
       <p:sp>
         <p:nvSpPr>
-          <p:cNvPr id="76" name="Fluxograma: Processo Predefinido 75">
+          <p:cNvPr id="90" name="Fluxograma: Decisão 89">
             <a:extLst>
               <a:ext uri="{FF2B5EF4-FFF2-40B4-BE49-F238E27FC236}">
-                <a16:creationId xmlns:a16="http://schemas.microsoft.com/office/drawing/2014/main" id="{56D6A018-A312-40C0-841D-76CDFAAC1AEF}"/>
+                <a16:creationId xmlns:a16="http://schemas.microsoft.com/office/drawing/2014/main" id="{D9F32F10-27D7-4A0B-A4B1-E68AD40DBEF1}"/>
               </a:ext>
             </a:extLst>
           </p:cNvPr>
@@ -5303,7 +5167,73 @@
         </p:nvSpPr>
         <p:spPr>
           <a:xfrm>
-            <a:off x="1166387" y="7753758"/>
+            <a:off x="1051082" y="7074473"/>
+            <a:ext cx="1592999" cy="723900"/>
+          </a:xfrm>
+          <a:prstGeom prst="flowChartDecision">
+            <a:avLst/>
+          </a:prstGeom>
+          <a:solidFill>
+            <a:schemeClr val="accent1">
+              <a:lumMod val="40000"/>
+              <a:lumOff val="60000"/>
+            </a:schemeClr>
+          </a:solidFill>
+          <a:ln w="19050">
+            <a:solidFill>
+              <a:schemeClr val="accent1">
+                <a:lumMod val="75000"/>
+              </a:schemeClr>
+            </a:solidFill>
+          </a:ln>
+        </p:spPr>
+        <p:style>
+          <a:lnRef idx="2">
+            <a:schemeClr val="accent1">
+              <a:shade val="50000"/>
+            </a:schemeClr>
+          </a:lnRef>
+          <a:fillRef idx="1">
+            <a:schemeClr val="accent1"/>
+          </a:fillRef>
+          <a:effectRef idx="0">
+            <a:schemeClr val="accent1"/>
+          </a:effectRef>
+          <a:fontRef idx="minor">
+            <a:schemeClr val="lt1"/>
+          </a:fontRef>
+        </p:style>
+        <p:txBody>
+          <a:bodyPr rtlCol="0" anchor="ctr"/>
+          <a:lstStyle/>
+          <a:p>
+            <a:pPr algn="ctr"/>
+            <a:r>
+              <a:rPr lang="pt-BR" sz="900" dirty="0">
+                <a:solidFill>
+                  <a:schemeClr val="tx1"/>
+                </a:solidFill>
+              </a:rPr>
+              <a:t>Periféricos danificados</a:t>
+            </a:r>
+          </a:p>
+        </p:txBody>
+      </p:sp>
+      <p:sp>
+        <p:nvSpPr>
+          <p:cNvPr id="92" name="Fluxograma: Processo Predefinido 91">
+            <a:extLst>
+              <a:ext uri="{FF2B5EF4-FFF2-40B4-BE49-F238E27FC236}">
+                <a16:creationId xmlns:a16="http://schemas.microsoft.com/office/drawing/2014/main" id="{A3F50D67-B81B-47B5-BCD5-2B7647E0487E}"/>
+              </a:ext>
+            </a:extLst>
+          </p:cNvPr>
+          <p:cNvSpPr/>
+          <p:nvPr/>
+        </p:nvSpPr>
+        <p:spPr>
+          <a:xfrm>
+            <a:off x="3023714" y="8145953"/>
             <a:ext cx="1343024" cy="723900"/>
           </a:xfrm>
           <a:prstGeom prst="flowChartPredefinedProcess">
@@ -5345,90 +5275,17 @@
                   <a:schemeClr val="tx1"/>
                 </a:solidFill>
               </a:rPr>
-              <a:t>Solicitar técnico no cliente</a:t>
-            </a:r>
-          </a:p>
-        </p:txBody>
-      </p:sp>
-      <p:sp>
-        <p:nvSpPr>
-          <p:cNvPr id="80" name="CaixaDeTexto 79">
+              <a:t>Trocar sensor e derivados</a:t>
+            </a:r>
+          </a:p>
+        </p:txBody>
+      </p:sp>
+      <p:sp>
+        <p:nvSpPr>
+          <p:cNvPr id="130" name="Retângulo 129">
             <a:extLst>
               <a:ext uri="{FF2B5EF4-FFF2-40B4-BE49-F238E27FC236}">
-                <a16:creationId xmlns:a16="http://schemas.microsoft.com/office/drawing/2014/main" id="{24CA7EF3-27EC-4C76-AFD6-3569CC23B2D3}"/>
-              </a:ext>
-            </a:extLst>
-          </p:cNvPr>
-          <p:cNvSpPr txBox="1"/>
-          <p:nvPr/>
-        </p:nvSpPr>
-        <p:spPr>
-          <a:xfrm>
-            <a:off x="1837899" y="7356945"/>
-            <a:ext cx="732631" cy="261610"/>
-          </a:xfrm>
-          <a:prstGeom prst="rect">
-            <a:avLst/>
-          </a:prstGeom>
-          <a:noFill/>
-        </p:spPr>
-        <p:txBody>
-          <a:bodyPr wrap="square" rtlCol="0">
-            <a:spAutoFit/>
-          </a:bodyPr>
-          <a:lstStyle/>
-          <a:p>
-            <a:r>
-              <a:rPr lang="pt-BR" sz="1100" b="1" dirty="0"/>
-              <a:t>Não</a:t>
-            </a:r>
-          </a:p>
-        </p:txBody>
-      </p:sp>
-      <p:cxnSp>
-        <p:nvCxnSpPr>
-          <p:cNvPr id="81" name="Conector reto 80">
-            <a:extLst>
-              <a:ext uri="{FF2B5EF4-FFF2-40B4-BE49-F238E27FC236}">
-                <a16:creationId xmlns:a16="http://schemas.microsoft.com/office/drawing/2014/main" id="{9EBD1979-A649-4129-BA70-9A7249FF3F91}"/>
-              </a:ext>
-            </a:extLst>
-          </p:cNvPr>
-          <p:cNvCxnSpPr>
-            <a:cxnSpLocks/>
-          </p:cNvCxnSpPr>
-          <p:nvPr/>
-        </p:nvCxnSpPr>
-        <p:spPr>
-          <a:xfrm flipV="1">
-            <a:off x="2483917" y="8101526"/>
-            <a:ext cx="3256085" cy="22438"/>
-          </a:xfrm>
-          <a:prstGeom prst="line">
-            <a:avLst/>
-          </a:prstGeom>
-        </p:spPr>
-        <p:style>
-          <a:lnRef idx="1">
-            <a:schemeClr val="accent1"/>
-          </a:lnRef>
-          <a:fillRef idx="0">
-            <a:schemeClr val="accent1"/>
-          </a:fillRef>
-          <a:effectRef idx="0">
-            <a:schemeClr val="accent1"/>
-          </a:effectRef>
-          <a:fontRef idx="minor">
-            <a:schemeClr val="tx1"/>
-          </a:fontRef>
-        </p:style>
-      </p:cxnSp>
-      <p:sp>
-        <p:nvSpPr>
-          <p:cNvPr id="19" name="Retângulo 18">
-            <a:extLst>
-              <a:ext uri="{FF2B5EF4-FFF2-40B4-BE49-F238E27FC236}">
-                <a16:creationId xmlns:a16="http://schemas.microsoft.com/office/drawing/2014/main" id="{EAECC83D-CB96-47F9-9631-C6B9E2C83F8C}"/>
+                <a16:creationId xmlns:a16="http://schemas.microsoft.com/office/drawing/2014/main" id="{695AD63B-456C-4FD5-B763-55BB6005A602}"/>
               </a:ext>
             </a:extLst>
           </p:cNvPr>
@@ -5471,10 +5328,497 @@
           </a:p>
         </p:txBody>
       </p:sp>
+      <p:sp>
+        <p:nvSpPr>
+          <p:cNvPr id="71" name="Fluxograma: Processo Predefinido 70">
+            <a:extLst>
+              <a:ext uri="{FF2B5EF4-FFF2-40B4-BE49-F238E27FC236}">
+                <a16:creationId xmlns:a16="http://schemas.microsoft.com/office/drawing/2014/main" id="{4D7346D6-A224-49DE-B5E7-B74245448F80}"/>
+              </a:ext>
+            </a:extLst>
+          </p:cNvPr>
+          <p:cNvSpPr/>
+          <p:nvPr/>
+        </p:nvSpPr>
+        <p:spPr>
+          <a:xfrm>
+            <a:off x="3048396" y="3615909"/>
+            <a:ext cx="1343024" cy="723900"/>
+          </a:xfrm>
+          <a:prstGeom prst="flowChartPredefinedProcess">
+            <a:avLst/>
+          </a:prstGeom>
+          <a:solidFill>
+            <a:srgbClr val="B4C7E7"/>
+          </a:solidFill>
+          <a:ln w="19050">
+            <a:solidFill>
+              <a:srgbClr val="2F5597"/>
+            </a:solidFill>
+          </a:ln>
+        </p:spPr>
+        <p:style>
+          <a:lnRef idx="2">
+            <a:schemeClr val="accent1">
+              <a:shade val="50000"/>
+            </a:schemeClr>
+          </a:lnRef>
+          <a:fillRef idx="1">
+            <a:schemeClr val="accent1"/>
+          </a:fillRef>
+          <a:effectRef idx="0">
+            <a:schemeClr val="accent1"/>
+          </a:effectRef>
+          <a:fontRef idx="minor">
+            <a:schemeClr val="lt1"/>
+          </a:fontRef>
+        </p:style>
+        <p:txBody>
+          <a:bodyPr rtlCol="0" anchor="ctr"/>
+          <a:lstStyle/>
+          <a:p>
+            <a:pPr algn="ctr"/>
+            <a:r>
+              <a:rPr lang="pt-BR" sz="900" dirty="0">
+                <a:solidFill>
+                  <a:schemeClr val="tx1"/>
+                </a:solidFill>
+              </a:rPr>
+              <a:t>Atualizar dados</a:t>
+            </a:r>
+          </a:p>
+        </p:txBody>
+      </p:sp>
+      <p:sp>
+        <p:nvSpPr>
+          <p:cNvPr id="73" name="Fluxograma: Processo Predefinido 72">
+            <a:extLst>
+              <a:ext uri="{FF2B5EF4-FFF2-40B4-BE49-F238E27FC236}">
+                <a16:creationId xmlns:a16="http://schemas.microsoft.com/office/drawing/2014/main" id="{76D44E85-BF67-4C2D-9656-F775D21B107D}"/>
+              </a:ext>
+            </a:extLst>
+          </p:cNvPr>
+          <p:cNvSpPr/>
+          <p:nvPr/>
+        </p:nvSpPr>
+        <p:spPr>
+          <a:xfrm>
+            <a:off x="3057524" y="5858857"/>
+            <a:ext cx="1343024" cy="723900"/>
+          </a:xfrm>
+          <a:prstGeom prst="flowChartPredefinedProcess">
+            <a:avLst/>
+          </a:prstGeom>
+          <a:solidFill>
+            <a:srgbClr val="B4C7E7"/>
+          </a:solidFill>
+          <a:ln w="19050">
+            <a:solidFill>
+              <a:srgbClr val="2F5597"/>
+            </a:solidFill>
+          </a:ln>
+        </p:spPr>
+        <p:style>
+          <a:lnRef idx="2">
+            <a:schemeClr val="accent1">
+              <a:shade val="50000"/>
+            </a:schemeClr>
+          </a:lnRef>
+          <a:fillRef idx="1">
+            <a:schemeClr val="accent1"/>
+          </a:fillRef>
+          <a:effectRef idx="0">
+            <a:schemeClr val="accent1"/>
+          </a:effectRef>
+          <a:fontRef idx="minor">
+            <a:schemeClr val="lt1"/>
+          </a:fontRef>
+        </p:style>
+        <p:txBody>
+          <a:bodyPr rtlCol="0" anchor="ctr"/>
+          <a:lstStyle/>
+          <a:p>
+            <a:pPr algn="ctr"/>
+            <a:r>
+              <a:rPr lang="pt-BR" sz="900" dirty="0">
+                <a:solidFill>
+                  <a:schemeClr val="tx1"/>
+                </a:solidFill>
+              </a:rPr>
+              <a:t>Atualizar a aplicação</a:t>
+            </a:r>
+          </a:p>
+        </p:txBody>
+      </p:sp>
+      <p:cxnSp>
+        <p:nvCxnSpPr>
+          <p:cNvPr id="12" name="Conector de Seta Reta 11">
+            <a:extLst>
+              <a:ext uri="{FF2B5EF4-FFF2-40B4-BE49-F238E27FC236}">
+                <a16:creationId xmlns:a16="http://schemas.microsoft.com/office/drawing/2014/main" id="{596A6938-CD63-4158-9A7B-A948E790CABB}"/>
+              </a:ext>
+            </a:extLst>
+          </p:cNvPr>
+          <p:cNvCxnSpPr>
+            <a:stCxn id="73" idx="0"/>
+            <a:endCxn id="66" idx="2"/>
+          </p:cNvCxnSpPr>
+          <p:nvPr/>
+        </p:nvCxnSpPr>
+        <p:spPr>
+          <a:xfrm flipV="1">
+            <a:off x="3729036" y="5609606"/>
+            <a:ext cx="0" cy="249251"/>
+          </a:xfrm>
+          <a:prstGeom prst="straightConnector1">
+            <a:avLst/>
+          </a:prstGeom>
+          <a:ln>
+            <a:tailEnd type="triangle"/>
+          </a:ln>
+        </p:spPr>
+        <p:style>
+          <a:lnRef idx="1">
+            <a:schemeClr val="accent1"/>
+          </a:lnRef>
+          <a:fillRef idx="0">
+            <a:schemeClr val="accent1"/>
+          </a:fillRef>
+          <a:effectRef idx="0">
+            <a:schemeClr val="accent1"/>
+          </a:effectRef>
+          <a:fontRef idx="minor">
+            <a:schemeClr val="tx1"/>
+          </a:fontRef>
+        </p:style>
+      </p:cxnSp>
+      <p:sp>
+        <p:nvSpPr>
+          <p:cNvPr id="81" name="Fluxograma: Decisão 80">
+            <a:extLst>
+              <a:ext uri="{FF2B5EF4-FFF2-40B4-BE49-F238E27FC236}">
+                <a16:creationId xmlns:a16="http://schemas.microsoft.com/office/drawing/2014/main" id="{23688BEE-37DF-415B-8D3E-C4AE3B2F785F}"/>
+              </a:ext>
+            </a:extLst>
+          </p:cNvPr>
+          <p:cNvSpPr/>
+          <p:nvPr/>
+        </p:nvSpPr>
+        <p:spPr>
+          <a:xfrm>
+            <a:off x="1105692" y="5849897"/>
+            <a:ext cx="1476377" cy="723900"/>
+          </a:xfrm>
+          <a:prstGeom prst="flowChartDecision">
+            <a:avLst/>
+          </a:prstGeom>
+          <a:solidFill>
+            <a:schemeClr val="accent1">
+              <a:lumMod val="40000"/>
+              <a:lumOff val="60000"/>
+            </a:schemeClr>
+          </a:solidFill>
+          <a:ln w="19050">
+            <a:solidFill>
+              <a:schemeClr val="accent1">
+                <a:lumMod val="75000"/>
+              </a:schemeClr>
+            </a:solidFill>
+          </a:ln>
+        </p:spPr>
+        <p:style>
+          <a:lnRef idx="2">
+            <a:schemeClr val="accent1">
+              <a:shade val="50000"/>
+            </a:schemeClr>
+          </a:lnRef>
+          <a:fillRef idx="1">
+            <a:schemeClr val="accent1"/>
+          </a:fillRef>
+          <a:effectRef idx="0">
+            <a:schemeClr val="accent1"/>
+          </a:effectRef>
+          <a:fontRef idx="minor">
+            <a:schemeClr val="lt1"/>
+          </a:fontRef>
+        </p:style>
+        <p:txBody>
+          <a:bodyPr rtlCol="0" anchor="ctr"/>
+          <a:lstStyle/>
+          <a:p>
+            <a:pPr algn="ctr"/>
+            <a:r>
+              <a:rPr lang="pt-BR" sz="900" dirty="0">
+                <a:solidFill>
+                  <a:schemeClr val="tx1"/>
+                </a:solidFill>
+              </a:rPr>
+              <a:t>Sensor está recebendo dados?</a:t>
+            </a:r>
+          </a:p>
+        </p:txBody>
+      </p:sp>
+      <p:cxnSp>
+        <p:nvCxnSpPr>
+          <p:cNvPr id="84" name="Conector de Seta Reta 83">
+            <a:extLst>
+              <a:ext uri="{FF2B5EF4-FFF2-40B4-BE49-F238E27FC236}">
+                <a16:creationId xmlns:a16="http://schemas.microsoft.com/office/drawing/2014/main" id="{64374F5D-A9E1-41B3-AF81-A30F02BC4C26}"/>
+              </a:ext>
+            </a:extLst>
+          </p:cNvPr>
+          <p:cNvCxnSpPr>
+            <a:cxnSpLocks/>
+            <a:endCxn id="81" idx="0"/>
+          </p:cNvCxnSpPr>
+          <p:nvPr/>
+        </p:nvCxnSpPr>
+        <p:spPr>
+          <a:xfrm>
+            <a:off x="1843881" y="5608013"/>
+            <a:ext cx="0" cy="241884"/>
+          </a:xfrm>
+          <a:prstGeom prst="straightConnector1">
+            <a:avLst/>
+          </a:prstGeom>
+          <a:ln>
+            <a:tailEnd type="triangle"/>
+          </a:ln>
+        </p:spPr>
+        <p:style>
+          <a:lnRef idx="1">
+            <a:schemeClr val="accent1"/>
+          </a:lnRef>
+          <a:fillRef idx="0">
+            <a:schemeClr val="accent1"/>
+          </a:fillRef>
+          <a:effectRef idx="0">
+            <a:schemeClr val="accent1"/>
+          </a:effectRef>
+          <a:fontRef idx="minor">
+            <a:schemeClr val="tx1"/>
+          </a:fontRef>
+        </p:style>
+      </p:cxnSp>
+      <p:cxnSp>
+        <p:nvCxnSpPr>
+          <p:cNvPr id="85" name="Conector de Seta Reta 84">
+            <a:extLst>
+              <a:ext uri="{FF2B5EF4-FFF2-40B4-BE49-F238E27FC236}">
+                <a16:creationId xmlns:a16="http://schemas.microsoft.com/office/drawing/2014/main" id="{524C41D2-9EBF-4A95-BD6C-E02119423C6E}"/>
+              </a:ext>
+            </a:extLst>
+          </p:cNvPr>
+          <p:cNvCxnSpPr>
+            <a:cxnSpLocks/>
+          </p:cNvCxnSpPr>
+          <p:nvPr/>
+        </p:nvCxnSpPr>
+        <p:spPr>
+          <a:xfrm>
+            <a:off x="2581277" y="6211830"/>
+            <a:ext cx="476247" cy="17"/>
+          </a:xfrm>
+          <a:prstGeom prst="straightConnector1">
+            <a:avLst/>
+          </a:prstGeom>
+          <a:ln>
+            <a:tailEnd type="triangle"/>
+          </a:ln>
+        </p:spPr>
+        <p:style>
+          <a:lnRef idx="1">
+            <a:schemeClr val="accent1"/>
+          </a:lnRef>
+          <a:fillRef idx="0">
+            <a:schemeClr val="accent1"/>
+          </a:fillRef>
+          <a:effectRef idx="0">
+            <a:schemeClr val="accent1"/>
+          </a:effectRef>
+          <a:fontRef idx="minor">
+            <a:schemeClr val="tx1"/>
+          </a:fontRef>
+        </p:style>
+      </p:cxnSp>
+      <p:sp>
+        <p:nvSpPr>
+          <p:cNvPr id="86" name="CaixaDeTexto 85">
+            <a:extLst>
+              <a:ext uri="{FF2B5EF4-FFF2-40B4-BE49-F238E27FC236}">
+                <a16:creationId xmlns:a16="http://schemas.microsoft.com/office/drawing/2014/main" id="{6E3E5447-F2F7-474F-8EAD-75C5FDCBF73D}"/>
+              </a:ext>
+            </a:extLst>
+          </p:cNvPr>
+          <p:cNvSpPr txBox="1"/>
+          <p:nvPr/>
+        </p:nvSpPr>
+        <p:spPr>
+          <a:xfrm>
+            <a:off x="2527391" y="5967675"/>
+            <a:ext cx="732631" cy="261610"/>
+          </a:xfrm>
+          <a:prstGeom prst="rect">
+            <a:avLst/>
+          </a:prstGeom>
+          <a:noFill/>
+        </p:spPr>
+        <p:txBody>
+          <a:bodyPr wrap="square" rtlCol="0">
+            <a:spAutoFit/>
+          </a:bodyPr>
+          <a:lstStyle/>
+          <a:p>
+            <a:r>
+              <a:rPr lang="pt-BR" sz="1100" b="1" dirty="0"/>
+              <a:t>Não</a:t>
+            </a:r>
+          </a:p>
+        </p:txBody>
+      </p:sp>
+      <p:sp>
+        <p:nvSpPr>
+          <p:cNvPr id="87" name="CaixaDeTexto 86">
+            <a:extLst>
+              <a:ext uri="{FF2B5EF4-FFF2-40B4-BE49-F238E27FC236}">
+                <a16:creationId xmlns:a16="http://schemas.microsoft.com/office/drawing/2014/main" id="{B68DB1AD-5764-45C4-B5AE-3F1329DF364F}"/>
+              </a:ext>
+            </a:extLst>
+          </p:cNvPr>
+          <p:cNvSpPr txBox="1"/>
+          <p:nvPr/>
+        </p:nvSpPr>
+        <p:spPr>
+          <a:xfrm>
+            <a:off x="1837899" y="6591234"/>
+            <a:ext cx="732631" cy="261610"/>
+          </a:xfrm>
+          <a:prstGeom prst="rect">
+            <a:avLst/>
+          </a:prstGeom>
+          <a:noFill/>
+        </p:spPr>
+        <p:txBody>
+          <a:bodyPr wrap="square" rtlCol="0">
+            <a:spAutoFit/>
+          </a:bodyPr>
+          <a:lstStyle/>
+          <a:p>
+            <a:r>
+              <a:rPr lang="pt-BR" sz="1100" b="1" dirty="0"/>
+              <a:t>Sim</a:t>
+            </a:r>
+          </a:p>
+        </p:txBody>
+      </p:sp>
+      <p:sp>
+        <p:nvSpPr>
+          <p:cNvPr id="89" name="Retângulo 88">
+            <a:extLst>
+              <a:ext uri="{FF2B5EF4-FFF2-40B4-BE49-F238E27FC236}">
+                <a16:creationId xmlns:a16="http://schemas.microsoft.com/office/drawing/2014/main" id="{522AD900-D3B8-406E-8C5C-757E4A7E0534}"/>
+              </a:ext>
+            </a:extLst>
+          </p:cNvPr>
+          <p:cNvSpPr/>
+          <p:nvPr/>
+        </p:nvSpPr>
+        <p:spPr>
+          <a:xfrm>
+            <a:off x="1109394" y="8260934"/>
+            <a:ext cx="1476376" cy="505770"/>
+          </a:xfrm>
+          <a:prstGeom prst="rect">
+            <a:avLst/>
+          </a:prstGeom>
+          <a:solidFill>
+            <a:schemeClr val="accent1">
+              <a:lumMod val="40000"/>
+              <a:lumOff val="60000"/>
+            </a:schemeClr>
+          </a:solidFill>
+          <a:ln w="19050">
+            <a:solidFill>
+              <a:schemeClr val="accent1">
+                <a:lumMod val="75000"/>
+              </a:schemeClr>
+            </a:solidFill>
+          </a:ln>
+        </p:spPr>
+        <p:style>
+          <a:lnRef idx="2">
+            <a:schemeClr val="accent1">
+              <a:shade val="50000"/>
+            </a:schemeClr>
+          </a:lnRef>
+          <a:fillRef idx="1">
+            <a:schemeClr val="accent1"/>
+          </a:fillRef>
+          <a:effectRef idx="0">
+            <a:schemeClr val="accent1"/>
+          </a:effectRef>
+          <a:fontRef idx="minor">
+            <a:schemeClr val="lt1"/>
+          </a:fontRef>
+        </p:style>
+        <p:txBody>
+          <a:bodyPr rtlCol="0" anchor="ctr"/>
+          <a:lstStyle/>
+          <a:p>
+            <a:pPr algn="ctr"/>
+            <a:r>
+              <a:rPr lang="pt-BR" sz="900" dirty="0">
+                <a:solidFill>
+                  <a:schemeClr val="tx1"/>
+                </a:solidFill>
+              </a:rPr>
+              <a:t>Técnico no Cliente</a:t>
+            </a:r>
+          </a:p>
+        </p:txBody>
+      </p:sp>
+      <p:cxnSp>
+        <p:nvCxnSpPr>
+          <p:cNvPr id="30" name="Conector reto 29">
+            <a:extLst>
+              <a:ext uri="{FF2B5EF4-FFF2-40B4-BE49-F238E27FC236}">
+                <a16:creationId xmlns:a16="http://schemas.microsoft.com/office/drawing/2014/main" id="{368E01C5-C9A3-4D3E-91A6-9A88CDA6CFA0}"/>
+              </a:ext>
+            </a:extLst>
+          </p:cNvPr>
+          <p:cNvCxnSpPr>
+            <a:stCxn id="92" idx="3"/>
+          </p:cNvCxnSpPr>
+          <p:nvPr/>
+        </p:nvCxnSpPr>
+        <p:spPr>
+          <a:xfrm flipV="1">
+            <a:off x="4366738" y="8503266"/>
+            <a:ext cx="1380010" cy="4637"/>
+          </a:xfrm>
+          <a:prstGeom prst="line">
+            <a:avLst/>
+          </a:prstGeom>
+        </p:spPr>
+        <p:style>
+          <a:lnRef idx="1">
+            <a:schemeClr val="accent1"/>
+          </a:lnRef>
+          <a:fillRef idx="0">
+            <a:schemeClr val="accent1"/>
+          </a:fillRef>
+          <a:effectRef idx="0">
+            <a:schemeClr val="accent1"/>
+          </a:effectRef>
+          <a:fontRef idx="minor">
+            <a:schemeClr val="tx1"/>
+          </a:fontRef>
+        </p:style>
+      </p:cxnSp>
     </p:spTree>
     <p:extLst>
       <p:ext uri="{BB962C8B-B14F-4D97-AF65-F5344CB8AC3E}">
-        <p14:creationId xmlns:p14="http://schemas.microsoft.com/office/powerpoint/2010/main" val="117826146"/>
+        <p14:creationId xmlns:p14="http://schemas.microsoft.com/office/powerpoint/2010/main" val="1983195181"/>
       </p:ext>
     </p:extLst>
   </p:cSld>

--- a/Agro Cane/Tecnologia da Informação/Fluxograma/Fluxograma.pptx
+++ b/Agro Cane/Tecnologia da Informação/Fluxograma/Fluxograma.pptx
@@ -6,6 +6,7 @@
   </p:sldMasterIdLst>
   <p:sldIdLst>
     <p:sldId id="262" r:id="rId2"/>
+    <p:sldId id="263" r:id="rId3"/>
   </p:sldIdLst>
   <p:sldSz cx="8999538" cy="9720263"/>
   <p:notesSz cx="6858000" cy="9144000"/>
@@ -112,6 +113,14 @@
 </p:presentation>
 </file>
 
+<file path=ppt/revisionInfo.xml><?xml version="1.0" encoding="utf-8"?>
+<p1510:revInfo xmlns:a="http://schemas.openxmlformats.org/drawingml/2006/main" xmlns:r="http://schemas.openxmlformats.org/officeDocument/2006/relationships" xmlns:p1510="http://schemas.microsoft.com/office/powerpoint/2015/10/main">
+  <p1510:revLst>
+    <p1510:client id="{1D5E257B-64C9-4EED-9810-485AB0EB8E60}" v="28" dt="2021-06-01T18:32:21.774"/>
+  </p1510:revLst>
+</p1510:revInfo>
+</file>
+
 <file path=ppt/slideLayouts/slideLayout1.xml><?xml version="1.0" encoding="utf-8"?>
 <p:sldLayout xmlns:a="http://schemas.openxmlformats.org/drawingml/2006/main" xmlns:r="http://schemas.openxmlformats.org/officeDocument/2006/relationships" xmlns:p="http://schemas.openxmlformats.org/presentationml/2006/main" type="title" preserve="1">
   <p:cSld name="Slide de Título">
@@ -243,7 +252,7 @@
           <a:p>
             <a:fld id="{A6BC64F7-5FB0-4183-AA12-A26509D9C920}" type="datetimeFigureOut">
               <a:rPr lang="pt-BR" smtClean="0"/>
-              <a:t>18/05/2021</a:t>
+              <a:t>01/06/2021</a:t>
             </a:fld>
             <a:endParaRPr lang="pt-BR"/>
           </a:p>
@@ -413,7 +422,7 @@
           <a:p>
             <a:fld id="{A6BC64F7-5FB0-4183-AA12-A26509D9C920}" type="datetimeFigureOut">
               <a:rPr lang="pt-BR" smtClean="0"/>
-              <a:t>18/05/2021</a:t>
+              <a:t>01/06/2021</a:t>
             </a:fld>
             <a:endParaRPr lang="pt-BR"/>
           </a:p>
@@ -593,7 +602,7 @@
           <a:p>
             <a:fld id="{A6BC64F7-5FB0-4183-AA12-A26509D9C920}" type="datetimeFigureOut">
               <a:rPr lang="pt-BR" smtClean="0"/>
-              <a:t>18/05/2021</a:t>
+              <a:t>01/06/2021</a:t>
             </a:fld>
             <a:endParaRPr lang="pt-BR"/>
           </a:p>
@@ -763,7 +772,7 @@
           <a:p>
             <a:fld id="{A6BC64F7-5FB0-4183-AA12-A26509D9C920}" type="datetimeFigureOut">
               <a:rPr lang="pt-BR" smtClean="0"/>
-              <a:t>18/05/2021</a:t>
+              <a:t>01/06/2021</a:t>
             </a:fld>
             <a:endParaRPr lang="pt-BR"/>
           </a:p>
@@ -1007,7 +1016,7 @@
           <a:p>
             <a:fld id="{A6BC64F7-5FB0-4183-AA12-A26509D9C920}" type="datetimeFigureOut">
               <a:rPr lang="pt-BR" smtClean="0"/>
-              <a:t>18/05/2021</a:t>
+              <a:t>01/06/2021</a:t>
             </a:fld>
             <a:endParaRPr lang="pt-BR"/>
           </a:p>
@@ -1239,7 +1248,7 @@
           <a:p>
             <a:fld id="{A6BC64F7-5FB0-4183-AA12-A26509D9C920}" type="datetimeFigureOut">
               <a:rPr lang="pt-BR" smtClean="0"/>
-              <a:t>18/05/2021</a:t>
+              <a:t>01/06/2021</a:t>
             </a:fld>
             <a:endParaRPr lang="pt-BR"/>
           </a:p>
@@ -1606,7 +1615,7 @@
           <a:p>
             <a:fld id="{A6BC64F7-5FB0-4183-AA12-A26509D9C920}" type="datetimeFigureOut">
               <a:rPr lang="pt-BR" smtClean="0"/>
-              <a:t>18/05/2021</a:t>
+              <a:t>01/06/2021</a:t>
             </a:fld>
             <a:endParaRPr lang="pt-BR"/>
           </a:p>
@@ -1724,7 +1733,7 @@
           <a:p>
             <a:fld id="{A6BC64F7-5FB0-4183-AA12-A26509D9C920}" type="datetimeFigureOut">
               <a:rPr lang="pt-BR" smtClean="0"/>
-              <a:t>18/05/2021</a:t>
+              <a:t>01/06/2021</a:t>
             </a:fld>
             <a:endParaRPr lang="pt-BR"/>
           </a:p>
@@ -1819,7 +1828,7 @@
           <a:p>
             <a:fld id="{A6BC64F7-5FB0-4183-AA12-A26509D9C920}" type="datetimeFigureOut">
               <a:rPr lang="pt-BR" smtClean="0"/>
-              <a:t>18/05/2021</a:t>
+              <a:t>01/06/2021</a:t>
             </a:fld>
             <a:endParaRPr lang="pt-BR"/>
           </a:p>
@@ -2096,7 +2105,7 @@
           <a:p>
             <a:fld id="{A6BC64F7-5FB0-4183-AA12-A26509D9C920}" type="datetimeFigureOut">
               <a:rPr lang="pt-BR" smtClean="0"/>
-              <a:t>18/05/2021</a:t>
+              <a:t>01/06/2021</a:t>
             </a:fld>
             <a:endParaRPr lang="pt-BR"/>
           </a:p>
@@ -2353,7 +2362,7 @@
           <a:p>
             <a:fld id="{A6BC64F7-5FB0-4183-AA12-A26509D9C920}" type="datetimeFigureOut">
               <a:rPr lang="pt-BR" smtClean="0"/>
-              <a:t>18/05/2021</a:t>
+              <a:t>01/06/2021</a:t>
             </a:fld>
             <a:endParaRPr lang="pt-BR"/>
           </a:p>
@@ -2566,7 +2575,7 @@
           <a:p>
             <a:fld id="{A6BC64F7-5FB0-4183-AA12-A26509D9C920}" type="datetimeFigureOut">
               <a:rPr lang="pt-BR" smtClean="0"/>
-              <a:t>18/05/2021</a:t>
+              <a:t>01/06/2021</a:t>
             </a:fld>
             <a:endParaRPr lang="pt-BR"/>
           </a:p>
@@ -2973,10 +2982,10 @@
       </p:grpSpPr>
       <p:grpSp>
         <p:nvGrpSpPr>
-          <p:cNvPr id="122" name="Agrupar 121">
-            <a:extLst>
-              <a:ext uri="{FF2B5EF4-FFF2-40B4-BE49-F238E27FC236}">
-                <a16:creationId xmlns:a16="http://schemas.microsoft.com/office/drawing/2014/main" id="{E7ADE3FF-8ACD-4DD4-8EFF-29B88CE9FE08}"/>
+          <p:cNvPr id="67" name="Agrupar 66">
+            <a:extLst>
+              <a:ext uri="{FF2B5EF4-FFF2-40B4-BE49-F238E27FC236}">
+                <a16:creationId xmlns:a16="http://schemas.microsoft.com/office/drawing/2014/main" id="{A398296B-3D0F-461C-B89F-3CF40EBD9E78}"/>
               </a:ext>
             </a:extLst>
           </p:cNvPr>
@@ -2985,8 +2994,198 @@
         </p:nvGrpSpPr>
         <p:grpSpPr>
           <a:xfrm>
-            <a:off x="238127" y="6855564"/>
-            <a:ext cx="8464666" cy="2296055"/>
+            <a:off x="238127" y="896984"/>
+            <a:ext cx="8464666" cy="969418"/>
+            <a:chOff x="238127" y="1165223"/>
+            <a:chExt cx="8464666" cy="2706701"/>
+          </a:xfrm>
+        </p:grpSpPr>
+        <p:sp>
+          <p:nvSpPr>
+            <p:cNvPr id="70" name="Retângulo 69">
+              <a:extLst>
+                <a:ext uri="{FF2B5EF4-FFF2-40B4-BE49-F238E27FC236}">
+                  <a16:creationId xmlns:a16="http://schemas.microsoft.com/office/drawing/2014/main" id="{2D11F689-FB3F-48C5-A26F-FA9B04912DC9}"/>
+                </a:ext>
+              </a:extLst>
+            </p:cNvPr>
+            <p:cNvSpPr/>
+            <p:nvPr/>
+          </p:nvSpPr>
+          <p:spPr>
+            <a:xfrm>
+              <a:off x="724696" y="1165223"/>
+              <a:ext cx="7978097" cy="2706700"/>
+            </a:xfrm>
+            <a:prstGeom prst="rect">
+              <a:avLst/>
+            </a:prstGeom>
+            <a:solidFill>
+              <a:schemeClr val="bg1">
+                <a:lumMod val="95000"/>
+              </a:schemeClr>
+            </a:solidFill>
+            <a:ln>
+              <a:solidFill>
+                <a:schemeClr val="tx1"/>
+              </a:solidFill>
+            </a:ln>
+          </p:spPr>
+          <p:style>
+            <a:lnRef idx="2">
+              <a:schemeClr val="accent1">
+                <a:shade val="50000"/>
+              </a:schemeClr>
+            </a:lnRef>
+            <a:fillRef idx="1">
+              <a:schemeClr val="accent1"/>
+            </a:fillRef>
+            <a:effectRef idx="0">
+              <a:schemeClr val="accent1"/>
+            </a:effectRef>
+            <a:fontRef idx="minor">
+              <a:schemeClr val="lt1"/>
+            </a:fontRef>
+          </p:style>
+          <p:txBody>
+            <a:bodyPr rtlCol="0" anchor="ctr"/>
+            <a:lstStyle/>
+            <a:p>
+              <a:pPr algn="ctr"/>
+              <a:endParaRPr lang="pt-BR" dirty="0"/>
+            </a:p>
+          </p:txBody>
+        </p:sp>
+        <p:grpSp>
+          <p:nvGrpSpPr>
+            <p:cNvPr id="72" name="Agrupar 71">
+              <a:extLst>
+                <a:ext uri="{FF2B5EF4-FFF2-40B4-BE49-F238E27FC236}">
+                  <a16:creationId xmlns:a16="http://schemas.microsoft.com/office/drawing/2014/main" id="{E175281E-62DF-43D2-A7BE-722278B8B405}"/>
+                </a:ext>
+              </a:extLst>
+            </p:cNvPr>
+            <p:cNvGrpSpPr/>
+            <p:nvPr/>
+          </p:nvGrpSpPr>
+          <p:grpSpPr>
+            <a:xfrm>
+              <a:off x="238127" y="1165223"/>
+              <a:ext cx="486569" cy="2706701"/>
+              <a:chOff x="219075" y="590548"/>
+              <a:chExt cx="486569" cy="3495677"/>
+            </a:xfrm>
+          </p:grpSpPr>
+          <p:sp>
+            <p:nvSpPr>
+              <p:cNvPr id="74" name="Retângulo 73">
+                <a:extLst>
+                  <a:ext uri="{FF2B5EF4-FFF2-40B4-BE49-F238E27FC236}">
+                    <a16:creationId xmlns:a16="http://schemas.microsoft.com/office/drawing/2014/main" id="{EF069A38-37C4-4BFC-BC6A-98C9BA471F21}"/>
+                  </a:ext>
+                </a:extLst>
+              </p:cNvPr>
+              <p:cNvSpPr/>
+              <p:nvPr/>
+            </p:nvSpPr>
+            <p:spPr>
+              <a:xfrm>
+                <a:off x="219075" y="590548"/>
+                <a:ext cx="486569" cy="3495677"/>
+              </a:xfrm>
+              <a:prstGeom prst="rect">
+                <a:avLst/>
+              </a:prstGeom>
+              <a:solidFill>
+                <a:schemeClr val="bg2">
+                  <a:lumMod val="75000"/>
+                </a:schemeClr>
+              </a:solidFill>
+              <a:ln>
+                <a:solidFill>
+                  <a:schemeClr val="tx1"/>
+                </a:solidFill>
+              </a:ln>
+            </p:spPr>
+            <p:style>
+              <a:lnRef idx="2">
+                <a:schemeClr val="accent1">
+                  <a:shade val="50000"/>
+                </a:schemeClr>
+              </a:lnRef>
+              <a:fillRef idx="1">
+                <a:schemeClr val="accent1"/>
+              </a:fillRef>
+              <a:effectRef idx="0">
+                <a:schemeClr val="accent1"/>
+              </a:effectRef>
+              <a:fontRef idx="minor">
+                <a:schemeClr val="lt1"/>
+              </a:fontRef>
+            </p:style>
+            <p:txBody>
+              <a:bodyPr rtlCol="0" anchor="ctr"/>
+              <a:lstStyle/>
+              <a:p>
+                <a:pPr algn="ctr"/>
+                <a:endParaRPr lang="pt-BR" dirty="0"/>
+              </a:p>
+            </p:txBody>
+          </p:sp>
+          <p:sp>
+            <p:nvSpPr>
+              <p:cNvPr id="76" name="CaixaDeTexto 75">
+                <a:extLst>
+                  <a:ext uri="{FF2B5EF4-FFF2-40B4-BE49-F238E27FC236}">
+                    <a16:creationId xmlns:a16="http://schemas.microsoft.com/office/drawing/2014/main" id="{8E1F6C36-1145-42F3-98A8-FAD8806A1656}"/>
+                  </a:ext>
+                </a:extLst>
+              </p:cNvPr>
+              <p:cNvSpPr txBox="1"/>
+              <p:nvPr/>
+            </p:nvSpPr>
+            <p:spPr>
+              <a:xfrm rot="16200000">
+                <a:off x="-1285478" y="2153720"/>
+                <a:ext cx="3495676" cy="369332"/>
+              </a:xfrm>
+              <a:prstGeom prst="rect">
+                <a:avLst/>
+              </a:prstGeom>
+              <a:noFill/>
+            </p:spPr>
+            <p:txBody>
+              <a:bodyPr wrap="square" rtlCol="0">
+                <a:spAutoFit/>
+              </a:bodyPr>
+              <a:lstStyle/>
+              <a:p>
+                <a:pPr algn="ctr"/>
+                <a:r>
+                  <a:rPr lang="pt-BR" dirty="0"/>
+                  <a:t>Usuário</a:t>
+                </a:r>
+              </a:p>
+            </p:txBody>
+          </p:sp>
+        </p:grpSp>
+      </p:grpSp>
+      <p:grpSp>
+        <p:nvGrpSpPr>
+          <p:cNvPr id="122" name="Agrupar 121">
+            <a:extLst>
+              <a:ext uri="{FF2B5EF4-FFF2-40B4-BE49-F238E27FC236}">
+                <a16:creationId xmlns:a16="http://schemas.microsoft.com/office/drawing/2014/main" id="{E7ADE3FF-8ACD-4DD4-8EFF-29B88CE9FE08}"/>
+              </a:ext>
+            </a:extLst>
+          </p:cNvPr>
+          <p:cNvGrpSpPr/>
+          <p:nvPr/>
+        </p:nvGrpSpPr>
+        <p:grpSpPr>
+          <a:xfrm>
+            <a:off x="238127" y="7453868"/>
+            <a:ext cx="8464666" cy="2532343"/>
             <a:chOff x="238127" y="3878607"/>
             <a:chExt cx="8464666" cy="4866931"/>
           </a:xfrm>
@@ -3043,7 +3242,7 @@
             <a:lstStyle/>
             <a:p>
               <a:pPr algn="ctr"/>
-              <a:endParaRPr lang="pt-BR"/>
+              <a:endParaRPr lang="pt-BR" dirty="0"/>
             </a:p>
           </p:txBody>
         </p:sp>
@@ -3175,8 +3374,8 @@
         </p:nvGrpSpPr>
         <p:grpSpPr>
           <a:xfrm>
-            <a:off x="238127" y="4635533"/>
-            <a:ext cx="8464666" cy="2220030"/>
+            <a:off x="238127" y="4635532"/>
+            <a:ext cx="8464666" cy="2818155"/>
             <a:chOff x="238127" y="3878607"/>
             <a:chExt cx="8464666" cy="4866931"/>
           </a:xfrm>
@@ -3365,8 +3564,8 @@
         </p:nvGrpSpPr>
         <p:grpSpPr>
           <a:xfrm>
-            <a:off x="238127" y="1094633"/>
-            <a:ext cx="8464666" cy="3537294"/>
+            <a:off x="238127" y="1848701"/>
+            <a:ext cx="8464666" cy="2783225"/>
             <a:chOff x="238127" y="1165223"/>
             <a:chExt cx="8464666" cy="2706701"/>
           </a:xfrm>
@@ -4031,7 +4230,7 @@
           <a:p>
             <a:r>
               <a:rPr lang="pt-BR" sz="1100" b="1" dirty="0"/>
-              <a:t>Sim</a:t>
+              <a:t>Não</a:t>
             </a:r>
           </a:p>
         </p:txBody>
@@ -4052,7 +4251,7 @@
         </p:nvCxnSpPr>
         <p:spPr>
           <a:xfrm>
-            <a:off x="2547149" y="8503266"/>
+            <a:off x="2547467" y="8994929"/>
             <a:ext cx="476247" cy="17"/>
           </a:xfrm>
           <a:prstGeom prst="straightConnector1">
@@ -4374,14 +4573,13 @@
           <p:cNvCxnSpPr>
             <a:cxnSpLocks/>
             <a:stCxn id="33" idx="2"/>
-            <a:endCxn id="57" idx="0"/>
           </p:cNvCxnSpPr>
           <p:nvPr/>
         </p:nvCxnSpPr>
         <p:spPr>
-          <a:xfrm>
-            <a:off x="1843089" y="4344287"/>
-            <a:ext cx="792" cy="551029"/>
+          <a:xfrm flipH="1">
+            <a:off x="1838980" y="4344287"/>
+            <a:ext cx="4109" cy="370247"/>
           </a:xfrm>
           <a:prstGeom prst="straightConnector1">
             <a:avLst/>
@@ -4416,14 +4614,13 @@
           </p:cNvPr>
           <p:cNvCxnSpPr>
             <a:cxnSpLocks/>
-            <a:stCxn id="90" idx="2"/>
           </p:cNvCxnSpPr>
           <p:nvPr/>
         </p:nvCxnSpPr>
         <p:spPr>
           <a:xfrm flipH="1">
-            <a:off x="1821180" y="7798373"/>
-            <a:ext cx="26402" cy="438847"/>
+            <a:off x="1844813" y="8403050"/>
+            <a:ext cx="10842" cy="348651"/>
           </a:xfrm>
           <a:prstGeom prst="straightConnector1">
             <a:avLst/>
@@ -4520,7 +4717,7 @@
           <a:p>
             <a:r>
               <a:rPr lang="pt-BR" sz="1100" b="1" dirty="0"/>
-              <a:t>Não</a:t>
+              <a:t>Sim</a:t>
             </a:r>
           </a:p>
         </p:txBody>
@@ -4698,7 +4895,7 @@
         <p:spPr>
           <a:xfrm flipH="1" flipV="1">
             <a:off x="5722906" y="4324569"/>
-            <a:ext cx="20666" cy="4178697"/>
+            <a:ext cx="34328" cy="4727460"/>
           </a:xfrm>
           <a:prstGeom prst="straightConnector1">
             <a:avLst/>
@@ -4736,7 +4933,7 @@
         </p:nvSpPr>
         <p:spPr>
           <a:xfrm>
-            <a:off x="1105692" y="4895316"/>
+            <a:off x="1106600" y="5630065"/>
             <a:ext cx="1476377" cy="723900"/>
           </a:xfrm>
           <a:prstGeom prst="flowChartDecision">
@@ -4799,13 +4996,12 @@
           </p:cNvPr>
           <p:cNvCxnSpPr>
             <a:cxnSpLocks/>
-            <a:endCxn id="66" idx="1"/>
           </p:cNvCxnSpPr>
           <p:nvPr/>
         </p:nvCxnSpPr>
         <p:spPr>
           <a:xfrm>
-            <a:off x="2581277" y="5247639"/>
+            <a:off x="2581277" y="5987475"/>
             <a:ext cx="476247" cy="17"/>
           </a:xfrm>
           <a:prstGeom prst="straightConnector1">
@@ -4844,7 +5040,7 @@
         </p:nvSpPr>
         <p:spPr>
           <a:xfrm>
-            <a:off x="2527391" y="4982630"/>
+            <a:off x="2527390" y="5727994"/>
             <a:ext cx="732631" cy="261610"/>
           </a:xfrm>
           <a:prstGeom prst="rect">
@@ -4879,7 +5075,7 @@
         </p:nvSpPr>
         <p:spPr>
           <a:xfrm>
-            <a:off x="3057524" y="4885706"/>
+            <a:off x="3067841" y="5605251"/>
             <a:ext cx="1343024" cy="723900"/>
           </a:xfrm>
           <a:prstGeom prst="flowChartPredefinedProcess">
@@ -4940,7 +5136,7 @@
         </p:nvSpPr>
         <p:spPr>
           <a:xfrm>
-            <a:off x="1837899" y="5606189"/>
+            <a:off x="1814518" y="6331998"/>
             <a:ext cx="732631" cy="261610"/>
           </a:xfrm>
           <a:prstGeom prst="rect">
@@ -5085,7 +5281,7 @@
         </p:nvCxnSpPr>
         <p:spPr>
           <a:xfrm>
-            <a:off x="4400548" y="5257266"/>
+            <a:off x="4390367" y="5966667"/>
             <a:ext cx="1346200" cy="0"/>
           </a:xfrm>
           <a:prstGeom prst="straightConnector1">
@@ -5121,15 +5317,14 @@
           </p:cNvPr>
           <p:cNvCxnSpPr>
             <a:cxnSpLocks/>
-            <a:stCxn id="81" idx="2"/>
             <a:endCxn id="90" idx="0"/>
           </p:cNvCxnSpPr>
           <p:nvPr/>
         </p:nvCxnSpPr>
         <p:spPr>
           <a:xfrm>
-            <a:off x="1843881" y="6573797"/>
-            <a:ext cx="3701" cy="500676"/>
+            <a:off x="1842477" y="7312201"/>
+            <a:ext cx="3533" cy="375360"/>
           </a:xfrm>
           <a:prstGeom prst="straightConnector1">
             <a:avLst/>
@@ -5167,7 +5362,7 @@
         </p:nvSpPr>
         <p:spPr>
           <a:xfrm>
-            <a:off x="1051082" y="7074473"/>
+            <a:off x="1049510" y="7687561"/>
             <a:ext cx="1592999" cy="723900"/>
           </a:xfrm>
           <a:prstGeom prst="flowChartDecision">
@@ -5233,7 +5428,7 @@
         </p:nvSpPr>
         <p:spPr>
           <a:xfrm>
-            <a:off x="3023714" y="8145953"/>
+            <a:off x="3023714" y="8674899"/>
             <a:ext cx="1343024" cy="723900"/>
           </a:xfrm>
           <a:prstGeom prst="flowChartPredefinedProcess">
@@ -5294,7 +5489,7 @@
         </p:nvSpPr>
         <p:spPr>
           <a:xfrm>
-            <a:off x="3081617" y="258724"/>
+            <a:off x="3079059" y="224015"/>
             <a:ext cx="2841419" cy="769441"/>
           </a:xfrm>
           <a:prstGeom prst="rect">
@@ -5403,7 +5598,7 @@
         </p:nvSpPr>
         <p:spPr>
           <a:xfrm>
-            <a:off x="3057524" y="5858857"/>
+            <a:off x="3057524" y="6690343"/>
             <a:ext cx="1343024" cy="723900"/>
           </a:xfrm>
           <a:prstGeom prst="flowChartPredefinedProcess">
@@ -5460,15 +5655,15 @@
             </a:extLst>
           </p:cNvPr>
           <p:cNvCxnSpPr>
+            <a:cxnSpLocks/>
             <a:stCxn id="73" idx="0"/>
-            <a:endCxn id="66" idx="2"/>
           </p:cNvCxnSpPr>
           <p:nvPr/>
         </p:nvCxnSpPr>
         <p:spPr>
           <a:xfrm flipV="1">
-            <a:off x="3729036" y="5609606"/>
-            <a:ext cx="0" cy="249251"/>
+            <a:off x="3729036" y="6330954"/>
+            <a:ext cx="0" cy="359389"/>
           </a:xfrm>
           <a:prstGeom prst="straightConnector1">
             <a:avLst/>
@@ -5506,7 +5701,7 @@
         </p:nvSpPr>
         <p:spPr>
           <a:xfrm>
-            <a:off x="1105692" y="5849897"/>
+            <a:off x="1104288" y="6590003"/>
             <a:ext cx="1476377" cy="723900"/>
           </a:xfrm>
           <a:prstGeom prst="flowChartDecision">
@@ -5575,7 +5770,7 @@
         </p:nvCxnSpPr>
         <p:spPr>
           <a:xfrm>
-            <a:off x="1843881" y="5608013"/>
+            <a:off x="1842477" y="6348119"/>
             <a:ext cx="0" cy="241884"/>
           </a:xfrm>
           <a:prstGeom prst="straightConnector1">
@@ -5616,7 +5811,7 @@
         </p:nvCxnSpPr>
         <p:spPr>
           <a:xfrm>
-            <a:off x="2581277" y="6211830"/>
+            <a:off x="2591594" y="6950742"/>
             <a:ext cx="476247" cy="17"/>
           </a:xfrm>
           <a:prstGeom prst="straightConnector1">
@@ -5655,7 +5850,7 @@
         </p:nvSpPr>
         <p:spPr>
           <a:xfrm>
-            <a:off x="2527391" y="5967675"/>
+            <a:off x="2468611" y="6717317"/>
             <a:ext cx="732631" cy="261610"/>
           </a:xfrm>
           <a:prstGeom prst="rect">
@@ -5690,7 +5885,7 @@
         </p:nvSpPr>
         <p:spPr>
           <a:xfrm>
-            <a:off x="1837899" y="6591234"/>
+            <a:off x="1838376" y="7212815"/>
             <a:ext cx="732631" cy="261610"/>
           </a:xfrm>
           <a:prstGeom prst="rect">
@@ -5725,7 +5920,7 @@
         </p:nvSpPr>
         <p:spPr>
           <a:xfrm>
-            <a:off x="1109394" y="8260934"/>
+            <a:off x="1107638" y="8747629"/>
             <a:ext cx="1476376" cy="505770"/>
           </a:xfrm>
           <a:prstGeom prst="rect">
@@ -5793,12 +5988,120 @@
         </p:nvCxnSpPr>
         <p:spPr>
           <a:xfrm flipV="1">
-            <a:off x="4366738" y="8503266"/>
+            <a:off x="4366738" y="9032212"/>
             <a:ext cx="1380010" cy="4637"/>
           </a:xfrm>
           <a:prstGeom prst="line">
             <a:avLst/>
           </a:prstGeom>
+        </p:spPr>
+        <p:style>
+          <a:lnRef idx="1">
+            <a:schemeClr val="accent1"/>
+          </a:lnRef>
+          <a:fillRef idx="0">
+            <a:schemeClr val="accent1"/>
+          </a:fillRef>
+          <a:effectRef idx="0">
+            <a:schemeClr val="accent1"/>
+          </a:effectRef>
+          <a:fontRef idx="minor">
+            <a:schemeClr val="tx1"/>
+          </a:fontRef>
+        </p:style>
+      </p:cxnSp>
+      <p:sp>
+        <p:nvSpPr>
+          <p:cNvPr id="88" name="Fluxograma: Decisão 87">
+            <a:extLst>
+              <a:ext uri="{FF2B5EF4-FFF2-40B4-BE49-F238E27FC236}">
+                <a16:creationId xmlns:a16="http://schemas.microsoft.com/office/drawing/2014/main" id="{6603A97E-CBD1-41E5-855D-2E8D5E0F5D92}"/>
+              </a:ext>
+            </a:extLst>
+          </p:cNvPr>
+          <p:cNvSpPr/>
+          <p:nvPr/>
+        </p:nvSpPr>
+        <p:spPr>
+          <a:xfrm>
+            <a:off x="1108192" y="4725981"/>
+            <a:ext cx="1476377" cy="723900"/>
+          </a:xfrm>
+          <a:prstGeom prst="flowChartDecision">
+            <a:avLst/>
+          </a:prstGeom>
+          <a:solidFill>
+            <a:schemeClr val="accent1">
+              <a:lumMod val="40000"/>
+              <a:lumOff val="60000"/>
+            </a:schemeClr>
+          </a:solidFill>
+          <a:ln w="19050">
+            <a:solidFill>
+              <a:schemeClr val="accent1">
+                <a:lumMod val="75000"/>
+              </a:schemeClr>
+            </a:solidFill>
+          </a:ln>
+        </p:spPr>
+        <p:style>
+          <a:lnRef idx="2">
+            <a:schemeClr val="accent1">
+              <a:shade val="50000"/>
+            </a:schemeClr>
+          </a:lnRef>
+          <a:fillRef idx="1">
+            <a:schemeClr val="accent1"/>
+          </a:fillRef>
+          <a:effectRef idx="0">
+            <a:schemeClr val="accent1"/>
+          </a:effectRef>
+          <a:fontRef idx="minor">
+            <a:schemeClr val="lt1"/>
+          </a:fontRef>
+        </p:style>
+        <p:txBody>
+          <a:bodyPr rtlCol="0" anchor="ctr"/>
+          <a:lstStyle/>
+          <a:p>
+            <a:pPr algn="ctr"/>
+            <a:r>
+              <a:rPr lang="pt-BR" sz="900" dirty="0">
+                <a:solidFill>
+                  <a:schemeClr val="tx1"/>
+                </a:solidFill>
+              </a:rPr>
+              <a:t>Sensor está enviando dados?</a:t>
+            </a:r>
+          </a:p>
+        </p:txBody>
+      </p:sp>
+      <p:cxnSp>
+        <p:nvCxnSpPr>
+          <p:cNvPr id="91" name="Conector de Seta Reta 90">
+            <a:extLst>
+              <a:ext uri="{FF2B5EF4-FFF2-40B4-BE49-F238E27FC236}">
+                <a16:creationId xmlns:a16="http://schemas.microsoft.com/office/drawing/2014/main" id="{48459D76-8F2F-4497-82ED-70BE2B1EC502}"/>
+              </a:ext>
+            </a:extLst>
+          </p:cNvPr>
+          <p:cNvCxnSpPr>
+            <a:cxnSpLocks/>
+            <a:endCxn id="57" idx="0"/>
+          </p:cNvCxnSpPr>
+          <p:nvPr/>
+        </p:nvCxnSpPr>
+        <p:spPr>
+          <a:xfrm>
+            <a:off x="1837124" y="5426768"/>
+            <a:ext cx="7665" cy="203297"/>
+          </a:xfrm>
+          <a:prstGeom prst="straightConnector1">
+            <a:avLst/>
+          </a:prstGeom>
+          <a:ln>
+            <a:tailEnd type="triangle"/>
+          </a:ln>
         </p:spPr>
         <p:style>
           <a:lnRef idx="1">
@@ -5819,6 +6122,3531 @@
     <p:extLst>
       <p:ext uri="{BB962C8B-B14F-4D97-AF65-F5344CB8AC3E}">
         <p14:creationId xmlns:p14="http://schemas.microsoft.com/office/powerpoint/2010/main" val="1983195181"/>
+      </p:ext>
+    </p:extLst>
+  </p:cSld>
+  <p:clrMapOvr>
+    <a:masterClrMapping/>
+  </p:clrMapOvr>
+</p:sld>
+</file>
+
+<file path=ppt/slides/slide2.xml><?xml version="1.0" encoding="utf-8"?>
+<p:sld xmlns:a="http://schemas.openxmlformats.org/drawingml/2006/main" xmlns:r="http://schemas.openxmlformats.org/officeDocument/2006/relationships" xmlns:p="http://schemas.openxmlformats.org/presentationml/2006/main">
+  <p:cSld>
+    <p:spTree>
+      <p:nvGrpSpPr>
+        <p:cNvPr id="1" name=""/>
+        <p:cNvGrpSpPr/>
+        <p:nvPr/>
+      </p:nvGrpSpPr>
+      <p:grpSpPr>
+        <a:xfrm>
+          <a:off x="0" y="0"/>
+          <a:ext cx="0" cy="0"/>
+          <a:chOff x="0" y="0"/>
+          <a:chExt cx="0" cy="0"/>
+        </a:xfrm>
+      </p:grpSpPr>
+      <p:grpSp>
+        <p:nvGrpSpPr>
+          <p:cNvPr id="67" name="Agrupar 66">
+            <a:extLst>
+              <a:ext uri="{FF2B5EF4-FFF2-40B4-BE49-F238E27FC236}">
+                <a16:creationId xmlns:a16="http://schemas.microsoft.com/office/drawing/2014/main" id="{A398296B-3D0F-461C-B89F-3CF40EBD9E78}"/>
+              </a:ext>
+            </a:extLst>
+          </p:cNvPr>
+          <p:cNvGrpSpPr/>
+          <p:nvPr/>
+        </p:nvGrpSpPr>
+        <p:grpSpPr>
+          <a:xfrm>
+            <a:off x="238127" y="896984"/>
+            <a:ext cx="8464666" cy="969418"/>
+            <a:chOff x="238127" y="1165223"/>
+            <a:chExt cx="8464666" cy="2706701"/>
+          </a:xfrm>
+        </p:grpSpPr>
+        <p:sp>
+          <p:nvSpPr>
+            <p:cNvPr id="70" name="Retângulo 69">
+              <a:extLst>
+                <a:ext uri="{FF2B5EF4-FFF2-40B4-BE49-F238E27FC236}">
+                  <a16:creationId xmlns:a16="http://schemas.microsoft.com/office/drawing/2014/main" id="{2D11F689-FB3F-48C5-A26F-FA9B04912DC9}"/>
+                </a:ext>
+              </a:extLst>
+            </p:cNvPr>
+            <p:cNvSpPr/>
+            <p:nvPr/>
+          </p:nvSpPr>
+          <p:spPr>
+            <a:xfrm>
+              <a:off x="724696" y="1165223"/>
+              <a:ext cx="7978097" cy="2706700"/>
+            </a:xfrm>
+            <a:prstGeom prst="rect">
+              <a:avLst/>
+            </a:prstGeom>
+            <a:solidFill>
+              <a:schemeClr val="bg1">
+                <a:lumMod val="95000"/>
+              </a:schemeClr>
+            </a:solidFill>
+            <a:ln>
+              <a:solidFill>
+                <a:schemeClr val="tx1"/>
+              </a:solidFill>
+            </a:ln>
+          </p:spPr>
+          <p:style>
+            <a:lnRef idx="2">
+              <a:schemeClr val="accent1">
+                <a:shade val="50000"/>
+              </a:schemeClr>
+            </a:lnRef>
+            <a:fillRef idx="1">
+              <a:schemeClr val="accent1"/>
+            </a:fillRef>
+            <a:effectRef idx="0">
+              <a:schemeClr val="accent1"/>
+            </a:effectRef>
+            <a:fontRef idx="minor">
+              <a:schemeClr val="lt1"/>
+            </a:fontRef>
+          </p:style>
+          <p:txBody>
+            <a:bodyPr rtlCol="0" anchor="ctr"/>
+            <a:lstStyle/>
+            <a:p>
+              <a:pPr algn="ctr"/>
+              <a:endParaRPr lang="pt-BR" dirty="0"/>
+            </a:p>
+          </p:txBody>
+        </p:sp>
+        <p:grpSp>
+          <p:nvGrpSpPr>
+            <p:cNvPr id="72" name="Agrupar 71">
+              <a:extLst>
+                <a:ext uri="{FF2B5EF4-FFF2-40B4-BE49-F238E27FC236}">
+                  <a16:creationId xmlns:a16="http://schemas.microsoft.com/office/drawing/2014/main" id="{E175281E-62DF-43D2-A7BE-722278B8B405}"/>
+                </a:ext>
+              </a:extLst>
+            </p:cNvPr>
+            <p:cNvGrpSpPr/>
+            <p:nvPr/>
+          </p:nvGrpSpPr>
+          <p:grpSpPr>
+            <a:xfrm>
+              <a:off x="238127" y="1165223"/>
+              <a:ext cx="486569" cy="2706701"/>
+              <a:chOff x="219075" y="590548"/>
+              <a:chExt cx="486569" cy="3495677"/>
+            </a:xfrm>
+          </p:grpSpPr>
+          <p:sp>
+            <p:nvSpPr>
+              <p:cNvPr id="74" name="Retângulo 73">
+                <a:extLst>
+                  <a:ext uri="{FF2B5EF4-FFF2-40B4-BE49-F238E27FC236}">
+                    <a16:creationId xmlns:a16="http://schemas.microsoft.com/office/drawing/2014/main" id="{EF069A38-37C4-4BFC-BC6A-98C9BA471F21}"/>
+                  </a:ext>
+                </a:extLst>
+              </p:cNvPr>
+              <p:cNvSpPr/>
+              <p:nvPr/>
+            </p:nvSpPr>
+            <p:spPr>
+              <a:xfrm>
+                <a:off x="219075" y="590548"/>
+                <a:ext cx="486569" cy="3495677"/>
+              </a:xfrm>
+              <a:prstGeom prst="rect">
+                <a:avLst/>
+              </a:prstGeom>
+              <a:solidFill>
+                <a:schemeClr val="bg2">
+                  <a:lumMod val="75000"/>
+                </a:schemeClr>
+              </a:solidFill>
+              <a:ln>
+                <a:solidFill>
+                  <a:schemeClr val="tx1"/>
+                </a:solidFill>
+              </a:ln>
+            </p:spPr>
+            <p:style>
+              <a:lnRef idx="2">
+                <a:schemeClr val="accent1">
+                  <a:shade val="50000"/>
+                </a:schemeClr>
+              </a:lnRef>
+              <a:fillRef idx="1">
+                <a:schemeClr val="accent1"/>
+              </a:fillRef>
+              <a:effectRef idx="0">
+                <a:schemeClr val="accent1"/>
+              </a:effectRef>
+              <a:fontRef idx="minor">
+                <a:schemeClr val="lt1"/>
+              </a:fontRef>
+            </p:style>
+            <p:txBody>
+              <a:bodyPr rtlCol="0" anchor="ctr"/>
+              <a:lstStyle/>
+              <a:p>
+                <a:pPr algn="ctr"/>
+                <a:endParaRPr lang="pt-BR" dirty="0"/>
+              </a:p>
+            </p:txBody>
+          </p:sp>
+          <p:sp>
+            <p:nvSpPr>
+              <p:cNvPr id="76" name="CaixaDeTexto 75">
+                <a:extLst>
+                  <a:ext uri="{FF2B5EF4-FFF2-40B4-BE49-F238E27FC236}">
+                    <a16:creationId xmlns:a16="http://schemas.microsoft.com/office/drawing/2014/main" id="{8E1F6C36-1145-42F3-98A8-FAD8806A1656}"/>
+                  </a:ext>
+                </a:extLst>
+              </p:cNvPr>
+              <p:cNvSpPr txBox="1"/>
+              <p:nvPr/>
+            </p:nvSpPr>
+            <p:spPr>
+              <a:xfrm rot="16200000">
+                <a:off x="-1285478" y="2153720"/>
+                <a:ext cx="3495676" cy="369332"/>
+              </a:xfrm>
+              <a:prstGeom prst="rect">
+                <a:avLst/>
+              </a:prstGeom>
+              <a:noFill/>
+            </p:spPr>
+            <p:txBody>
+              <a:bodyPr wrap="square" rtlCol="0">
+                <a:spAutoFit/>
+              </a:bodyPr>
+              <a:lstStyle/>
+              <a:p>
+                <a:pPr algn="ctr"/>
+                <a:r>
+                  <a:rPr lang="pt-BR" dirty="0"/>
+                  <a:t>Usuário</a:t>
+                </a:r>
+              </a:p>
+            </p:txBody>
+          </p:sp>
+        </p:grpSp>
+      </p:grpSp>
+      <p:grpSp>
+        <p:nvGrpSpPr>
+          <p:cNvPr id="122" name="Agrupar 121">
+            <a:extLst>
+              <a:ext uri="{FF2B5EF4-FFF2-40B4-BE49-F238E27FC236}">
+                <a16:creationId xmlns:a16="http://schemas.microsoft.com/office/drawing/2014/main" id="{E7ADE3FF-8ACD-4DD4-8EFF-29B88CE9FE08}"/>
+              </a:ext>
+            </a:extLst>
+          </p:cNvPr>
+          <p:cNvGrpSpPr/>
+          <p:nvPr/>
+        </p:nvGrpSpPr>
+        <p:grpSpPr>
+          <a:xfrm>
+            <a:off x="238127" y="7453867"/>
+            <a:ext cx="8464666" cy="3240679"/>
+            <a:chOff x="238127" y="3878607"/>
+            <a:chExt cx="8464666" cy="4866931"/>
+          </a:xfrm>
+        </p:grpSpPr>
+        <p:sp>
+          <p:nvSpPr>
+            <p:cNvPr id="123" name="Retângulo 122">
+              <a:extLst>
+                <a:ext uri="{FF2B5EF4-FFF2-40B4-BE49-F238E27FC236}">
+                  <a16:creationId xmlns:a16="http://schemas.microsoft.com/office/drawing/2014/main" id="{EE8443BF-2673-4E3E-9F00-15D3862AD93A}"/>
+                </a:ext>
+              </a:extLst>
+            </p:cNvPr>
+            <p:cNvSpPr/>
+            <p:nvPr/>
+          </p:nvSpPr>
+          <p:spPr>
+            <a:xfrm>
+              <a:off x="724696" y="3878607"/>
+              <a:ext cx="7978097" cy="4866931"/>
+            </a:xfrm>
+            <a:prstGeom prst="rect">
+              <a:avLst/>
+            </a:prstGeom>
+            <a:solidFill>
+              <a:schemeClr val="bg1">
+                <a:lumMod val="95000"/>
+              </a:schemeClr>
+            </a:solidFill>
+            <a:ln>
+              <a:solidFill>
+                <a:schemeClr val="tx1"/>
+              </a:solidFill>
+            </a:ln>
+          </p:spPr>
+          <p:style>
+            <a:lnRef idx="2">
+              <a:schemeClr val="accent1">
+                <a:shade val="50000"/>
+              </a:schemeClr>
+            </a:lnRef>
+            <a:fillRef idx="1">
+              <a:schemeClr val="accent1"/>
+            </a:fillRef>
+            <a:effectRef idx="0">
+              <a:schemeClr val="accent1"/>
+            </a:effectRef>
+            <a:fontRef idx="minor">
+              <a:schemeClr val="lt1"/>
+            </a:fontRef>
+          </p:style>
+          <p:txBody>
+            <a:bodyPr rtlCol="0" anchor="ctr"/>
+            <a:lstStyle/>
+            <a:p>
+              <a:pPr algn="ctr"/>
+              <a:endParaRPr lang="pt-BR" dirty="0"/>
+            </a:p>
+          </p:txBody>
+        </p:sp>
+        <p:grpSp>
+          <p:nvGrpSpPr>
+            <p:cNvPr id="124" name="Agrupar 123">
+              <a:extLst>
+                <a:ext uri="{FF2B5EF4-FFF2-40B4-BE49-F238E27FC236}">
+                  <a16:creationId xmlns:a16="http://schemas.microsoft.com/office/drawing/2014/main" id="{2F09A8C5-E5A3-4DCD-98B5-05CF60CD7140}"/>
+                </a:ext>
+              </a:extLst>
+            </p:cNvPr>
+            <p:cNvGrpSpPr/>
+            <p:nvPr/>
+          </p:nvGrpSpPr>
+          <p:grpSpPr>
+            <a:xfrm>
+              <a:off x="238127" y="3878607"/>
+              <a:ext cx="486569" cy="4866931"/>
+              <a:chOff x="219075" y="590548"/>
+              <a:chExt cx="486569" cy="3495677"/>
+            </a:xfrm>
+          </p:grpSpPr>
+          <p:sp>
+            <p:nvSpPr>
+              <p:cNvPr id="125" name="Retângulo 124">
+                <a:extLst>
+                  <a:ext uri="{FF2B5EF4-FFF2-40B4-BE49-F238E27FC236}">
+                    <a16:creationId xmlns:a16="http://schemas.microsoft.com/office/drawing/2014/main" id="{2BFD3264-D3B7-4372-8A25-ADD9B1E48D38}"/>
+                  </a:ext>
+                </a:extLst>
+              </p:cNvPr>
+              <p:cNvSpPr/>
+              <p:nvPr/>
+            </p:nvSpPr>
+            <p:spPr>
+              <a:xfrm>
+                <a:off x="219075" y="590548"/>
+                <a:ext cx="486569" cy="3495677"/>
+              </a:xfrm>
+              <a:prstGeom prst="rect">
+                <a:avLst/>
+              </a:prstGeom>
+              <a:solidFill>
+                <a:schemeClr val="bg2">
+                  <a:lumMod val="75000"/>
+                </a:schemeClr>
+              </a:solidFill>
+              <a:ln>
+                <a:solidFill>
+                  <a:schemeClr val="tx1"/>
+                </a:solidFill>
+              </a:ln>
+            </p:spPr>
+            <p:style>
+              <a:lnRef idx="2">
+                <a:schemeClr val="accent1">
+                  <a:shade val="50000"/>
+                </a:schemeClr>
+              </a:lnRef>
+              <a:fillRef idx="1">
+                <a:schemeClr val="accent1"/>
+              </a:fillRef>
+              <a:effectRef idx="0">
+                <a:schemeClr val="accent1"/>
+              </a:effectRef>
+              <a:fontRef idx="minor">
+                <a:schemeClr val="lt1"/>
+              </a:fontRef>
+            </p:style>
+            <p:txBody>
+              <a:bodyPr rtlCol="0" anchor="ctr"/>
+              <a:lstStyle/>
+              <a:p>
+                <a:pPr algn="ctr"/>
+                <a:endParaRPr lang="pt-BR" dirty="0"/>
+              </a:p>
+            </p:txBody>
+          </p:sp>
+          <p:sp>
+            <p:nvSpPr>
+              <p:cNvPr id="126" name="CaixaDeTexto 125">
+                <a:extLst>
+                  <a:ext uri="{FF2B5EF4-FFF2-40B4-BE49-F238E27FC236}">
+                    <a16:creationId xmlns:a16="http://schemas.microsoft.com/office/drawing/2014/main" id="{BDCEB9EC-749A-4AA0-A035-90091D3C773F}"/>
+                  </a:ext>
+                </a:extLst>
+              </p:cNvPr>
+              <p:cNvSpPr txBox="1"/>
+              <p:nvPr/>
+            </p:nvSpPr>
+            <p:spPr>
+              <a:xfrm rot="16200000">
+                <a:off x="-1285478" y="2153720"/>
+                <a:ext cx="3495676" cy="369332"/>
+              </a:xfrm>
+              <a:prstGeom prst="rect">
+                <a:avLst/>
+              </a:prstGeom>
+              <a:noFill/>
+            </p:spPr>
+            <p:txBody>
+              <a:bodyPr wrap="square" rtlCol="0">
+                <a:spAutoFit/>
+              </a:bodyPr>
+              <a:lstStyle/>
+              <a:p>
+                <a:pPr algn="ctr"/>
+                <a:r>
+                  <a:rPr lang="pt-BR" dirty="0"/>
+                  <a:t>N3</a:t>
+                </a:r>
+              </a:p>
+            </p:txBody>
+          </p:sp>
+        </p:grpSp>
+      </p:grpSp>
+      <p:grpSp>
+        <p:nvGrpSpPr>
+          <p:cNvPr id="22" name="Agrupar 21">
+            <a:extLst>
+              <a:ext uri="{FF2B5EF4-FFF2-40B4-BE49-F238E27FC236}">
+                <a16:creationId xmlns:a16="http://schemas.microsoft.com/office/drawing/2014/main" id="{365F1B8C-A084-4835-9ABA-2AA826E2411E}"/>
+              </a:ext>
+            </a:extLst>
+          </p:cNvPr>
+          <p:cNvGrpSpPr/>
+          <p:nvPr/>
+        </p:nvGrpSpPr>
+        <p:grpSpPr>
+          <a:xfrm>
+            <a:off x="238127" y="4635532"/>
+            <a:ext cx="8464666" cy="2818155"/>
+            <a:chOff x="238127" y="3878607"/>
+            <a:chExt cx="8464666" cy="4866931"/>
+          </a:xfrm>
+        </p:grpSpPr>
+        <p:sp>
+          <p:nvSpPr>
+            <p:cNvPr id="61" name="Retângulo 60">
+              <a:extLst>
+                <a:ext uri="{FF2B5EF4-FFF2-40B4-BE49-F238E27FC236}">
+                  <a16:creationId xmlns:a16="http://schemas.microsoft.com/office/drawing/2014/main" id="{016A0859-9297-4A99-9B74-2460BE75A7F6}"/>
+                </a:ext>
+              </a:extLst>
+            </p:cNvPr>
+            <p:cNvSpPr/>
+            <p:nvPr/>
+          </p:nvSpPr>
+          <p:spPr>
+            <a:xfrm>
+              <a:off x="724696" y="3878607"/>
+              <a:ext cx="7978097" cy="4866931"/>
+            </a:xfrm>
+            <a:prstGeom prst="rect">
+              <a:avLst/>
+            </a:prstGeom>
+            <a:solidFill>
+              <a:schemeClr val="bg1">
+                <a:lumMod val="95000"/>
+              </a:schemeClr>
+            </a:solidFill>
+            <a:ln>
+              <a:solidFill>
+                <a:schemeClr val="tx1"/>
+              </a:solidFill>
+            </a:ln>
+          </p:spPr>
+          <p:style>
+            <a:lnRef idx="2">
+              <a:schemeClr val="accent1">
+                <a:shade val="50000"/>
+              </a:schemeClr>
+            </a:lnRef>
+            <a:fillRef idx="1">
+              <a:schemeClr val="accent1"/>
+            </a:fillRef>
+            <a:effectRef idx="0">
+              <a:schemeClr val="accent1"/>
+            </a:effectRef>
+            <a:fontRef idx="minor">
+              <a:schemeClr val="lt1"/>
+            </a:fontRef>
+          </p:style>
+          <p:txBody>
+            <a:bodyPr rtlCol="0" anchor="ctr"/>
+            <a:lstStyle/>
+            <a:p>
+              <a:pPr algn="ctr"/>
+              <a:endParaRPr lang="pt-BR"/>
+            </a:p>
+          </p:txBody>
+        </p:sp>
+        <p:grpSp>
+          <p:nvGrpSpPr>
+            <p:cNvPr id="62" name="Agrupar 61">
+              <a:extLst>
+                <a:ext uri="{FF2B5EF4-FFF2-40B4-BE49-F238E27FC236}">
+                  <a16:creationId xmlns:a16="http://schemas.microsoft.com/office/drawing/2014/main" id="{F7D7952F-3768-4BC0-A832-14FC74CA41A2}"/>
+                </a:ext>
+              </a:extLst>
+            </p:cNvPr>
+            <p:cNvGrpSpPr/>
+            <p:nvPr/>
+          </p:nvGrpSpPr>
+          <p:grpSpPr>
+            <a:xfrm>
+              <a:off x="238127" y="3878607"/>
+              <a:ext cx="486569" cy="4866931"/>
+              <a:chOff x="219075" y="590548"/>
+              <a:chExt cx="486569" cy="3495677"/>
+            </a:xfrm>
+          </p:grpSpPr>
+          <p:sp>
+            <p:nvSpPr>
+              <p:cNvPr id="63" name="Retângulo 62">
+                <a:extLst>
+                  <a:ext uri="{FF2B5EF4-FFF2-40B4-BE49-F238E27FC236}">
+                    <a16:creationId xmlns:a16="http://schemas.microsoft.com/office/drawing/2014/main" id="{EF73E068-47AA-4269-95F9-0F60A5F170C4}"/>
+                  </a:ext>
+                </a:extLst>
+              </p:cNvPr>
+              <p:cNvSpPr/>
+              <p:nvPr/>
+            </p:nvSpPr>
+            <p:spPr>
+              <a:xfrm>
+                <a:off x="219075" y="590548"/>
+                <a:ext cx="486569" cy="3495677"/>
+              </a:xfrm>
+              <a:prstGeom prst="rect">
+                <a:avLst/>
+              </a:prstGeom>
+              <a:solidFill>
+                <a:schemeClr val="bg2">
+                  <a:lumMod val="75000"/>
+                </a:schemeClr>
+              </a:solidFill>
+              <a:ln>
+                <a:solidFill>
+                  <a:schemeClr val="tx1"/>
+                </a:solidFill>
+              </a:ln>
+            </p:spPr>
+            <p:style>
+              <a:lnRef idx="2">
+                <a:schemeClr val="accent1">
+                  <a:shade val="50000"/>
+                </a:schemeClr>
+              </a:lnRef>
+              <a:fillRef idx="1">
+                <a:schemeClr val="accent1"/>
+              </a:fillRef>
+              <a:effectRef idx="0">
+                <a:schemeClr val="accent1"/>
+              </a:effectRef>
+              <a:fontRef idx="minor">
+                <a:schemeClr val="lt1"/>
+              </a:fontRef>
+            </p:style>
+            <p:txBody>
+              <a:bodyPr rtlCol="0" anchor="ctr"/>
+              <a:lstStyle/>
+              <a:p>
+                <a:pPr algn="ctr"/>
+                <a:endParaRPr lang="pt-BR" dirty="0"/>
+              </a:p>
+            </p:txBody>
+          </p:sp>
+          <p:sp>
+            <p:nvSpPr>
+              <p:cNvPr id="64" name="CaixaDeTexto 63">
+                <a:extLst>
+                  <a:ext uri="{FF2B5EF4-FFF2-40B4-BE49-F238E27FC236}">
+                    <a16:creationId xmlns:a16="http://schemas.microsoft.com/office/drawing/2014/main" id="{512E50D3-AF82-430A-9D37-F9A28392D932}"/>
+                  </a:ext>
+                </a:extLst>
+              </p:cNvPr>
+              <p:cNvSpPr txBox="1"/>
+              <p:nvPr/>
+            </p:nvSpPr>
+            <p:spPr>
+              <a:xfrm rot="16200000">
+                <a:off x="-1285478" y="2153720"/>
+                <a:ext cx="3495676" cy="369332"/>
+              </a:xfrm>
+              <a:prstGeom prst="rect">
+                <a:avLst/>
+              </a:prstGeom>
+              <a:noFill/>
+            </p:spPr>
+            <p:txBody>
+              <a:bodyPr wrap="square" rtlCol="0">
+                <a:spAutoFit/>
+              </a:bodyPr>
+              <a:lstStyle/>
+              <a:p>
+                <a:pPr algn="ctr"/>
+                <a:r>
+                  <a:rPr lang="pt-BR" dirty="0"/>
+                  <a:t>N2</a:t>
+                </a:r>
+              </a:p>
+            </p:txBody>
+          </p:sp>
+        </p:grpSp>
+      </p:grpSp>
+      <p:grpSp>
+        <p:nvGrpSpPr>
+          <p:cNvPr id="21" name="Agrupar 20">
+            <a:extLst>
+              <a:ext uri="{FF2B5EF4-FFF2-40B4-BE49-F238E27FC236}">
+                <a16:creationId xmlns:a16="http://schemas.microsoft.com/office/drawing/2014/main" id="{8641C0D8-2A1E-4ED4-B806-052BA1A282B1}"/>
+              </a:ext>
+            </a:extLst>
+          </p:cNvPr>
+          <p:cNvGrpSpPr/>
+          <p:nvPr/>
+        </p:nvGrpSpPr>
+        <p:grpSpPr>
+          <a:xfrm>
+            <a:off x="238127" y="1848701"/>
+            <a:ext cx="8464666" cy="2783225"/>
+            <a:chOff x="238127" y="1165223"/>
+            <a:chExt cx="8464666" cy="2706701"/>
+          </a:xfrm>
+        </p:grpSpPr>
+        <p:sp>
+          <p:nvSpPr>
+            <p:cNvPr id="55" name="Retângulo 54">
+              <a:extLst>
+                <a:ext uri="{FF2B5EF4-FFF2-40B4-BE49-F238E27FC236}">
+                  <a16:creationId xmlns:a16="http://schemas.microsoft.com/office/drawing/2014/main" id="{C402B3B4-79C6-4544-BE1A-2D12A314455E}"/>
+                </a:ext>
+              </a:extLst>
+            </p:cNvPr>
+            <p:cNvSpPr/>
+            <p:nvPr/>
+          </p:nvSpPr>
+          <p:spPr>
+            <a:xfrm>
+              <a:off x="724696" y="1165223"/>
+              <a:ext cx="7978097" cy="2706700"/>
+            </a:xfrm>
+            <a:prstGeom prst="rect">
+              <a:avLst/>
+            </a:prstGeom>
+            <a:solidFill>
+              <a:schemeClr val="bg1">
+                <a:lumMod val="95000"/>
+              </a:schemeClr>
+            </a:solidFill>
+            <a:ln>
+              <a:solidFill>
+                <a:schemeClr val="tx1"/>
+              </a:solidFill>
+            </a:ln>
+          </p:spPr>
+          <p:style>
+            <a:lnRef idx="2">
+              <a:schemeClr val="accent1">
+                <a:shade val="50000"/>
+              </a:schemeClr>
+            </a:lnRef>
+            <a:fillRef idx="1">
+              <a:schemeClr val="accent1"/>
+            </a:fillRef>
+            <a:effectRef idx="0">
+              <a:schemeClr val="accent1"/>
+            </a:effectRef>
+            <a:fontRef idx="minor">
+              <a:schemeClr val="lt1"/>
+            </a:fontRef>
+          </p:style>
+          <p:txBody>
+            <a:bodyPr rtlCol="0" anchor="ctr"/>
+            <a:lstStyle/>
+            <a:p>
+              <a:pPr algn="ctr"/>
+              <a:endParaRPr lang="pt-BR" dirty="0"/>
+            </a:p>
+          </p:txBody>
+        </p:sp>
+        <p:grpSp>
+          <p:nvGrpSpPr>
+            <p:cNvPr id="17" name="Agrupar 16">
+              <a:extLst>
+                <a:ext uri="{FF2B5EF4-FFF2-40B4-BE49-F238E27FC236}">
+                  <a16:creationId xmlns:a16="http://schemas.microsoft.com/office/drawing/2014/main" id="{224AFE60-3069-40D6-ADE2-B1CF3D94243F}"/>
+                </a:ext>
+              </a:extLst>
+            </p:cNvPr>
+            <p:cNvGrpSpPr/>
+            <p:nvPr/>
+          </p:nvGrpSpPr>
+          <p:grpSpPr>
+            <a:xfrm>
+              <a:off x="238127" y="1165223"/>
+              <a:ext cx="486569" cy="2706701"/>
+              <a:chOff x="219075" y="590548"/>
+              <a:chExt cx="486569" cy="3495677"/>
+            </a:xfrm>
+          </p:grpSpPr>
+          <p:sp>
+            <p:nvSpPr>
+              <p:cNvPr id="10" name="Retângulo 9">
+                <a:extLst>
+                  <a:ext uri="{FF2B5EF4-FFF2-40B4-BE49-F238E27FC236}">
+                    <a16:creationId xmlns:a16="http://schemas.microsoft.com/office/drawing/2014/main" id="{4D8C0A77-2692-47E3-9716-0408E549B053}"/>
+                  </a:ext>
+                </a:extLst>
+              </p:cNvPr>
+              <p:cNvSpPr/>
+              <p:nvPr/>
+            </p:nvSpPr>
+            <p:spPr>
+              <a:xfrm>
+                <a:off x="219075" y="590548"/>
+                <a:ext cx="486569" cy="3495677"/>
+              </a:xfrm>
+              <a:prstGeom prst="rect">
+                <a:avLst/>
+              </a:prstGeom>
+              <a:solidFill>
+                <a:schemeClr val="bg2">
+                  <a:lumMod val="75000"/>
+                </a:schemeClr>
+              </a:solidFill>
+              <a:ln>
+                <a:solidFill>
+                  <a:schemeClr val="tx1"/>
+                </a:solidFill>
+              </a:ln>
+            </p:spPr>
+            <p:style>
+              <a:lnRef idx="2">
+                <a:schemeClr val="accent1">
+                  <a:shade val="50000"/>
+                </a:schemeClr>
+              </a:lnRef>
+              <a:fillRef idx="1">
+                <a:schemeClr val="accent1"/>
+              </a:fillRef>
+              <a:effectRef idx="0">
+                <a:schemeClr val="accent1"/>
+              </a:effectRef>
+              <a:fontRef idx="minor">
+                <a:schemeClr val="lt1"/>
+              </a:fontRef>
+            </p:style>
+            <p:txBody>
+              <a:bodyPr rtlCol="0" anchor="ctr"/>
+              <a:lstStyle/>
+              <a:p>
+                <a:pPr algn="ctr"/>
+                <a:endParaRPr lang="pt-BR" dirty="0"/>
+              </a:p>
+            </p:txBody>
+          </p:sp>
+          <p:sp>
+            <p:nvSpPr>
+              <p:cNvPr id="14" name="CaixaDeTexto 13">
+                <a:extLst>
+                  <a:ext uri="{FF2B5EF4-FFF2-40B4-BE49-F238E27FC236}">
+                    <a16:creationId xmlns:a16="http://schemas.microsoft.com/office/drawing/2014/main" id="{63936EA8-9621-497B-BB6A-FBA45EFFD887}"/>
+                  </a:ext>
+                </a:extLst>
+              </p:cNvPr>
+              <p:cNvSpPr txBox="1"/>
+              <p:nvPr/>
+            </p:nvSpPr>
+            <p:spPr>
+              <a:xfrm rot="16200000">
+                <a:off x="-1285478" y="2153720"/>
+                <a:ext cx="3495676" cy="369332"/>
+              </a:xfrm>
+              <a:prstGeom prst="rect">
+                <a:avLst/>
+              </a:prstGeom>
+              <a:noFill/>
+            </p:spPr>
+            <p:txBody>
+              <a:bodyPr wrap="square" rtlCol="0">
+                <a:spAutoFit/>
+              </a:bodyPr>
+              <a:lstStyle/>
+              <a:p>
+                <a:pPr algn="ctr"/>
+                <a:r>
+                  <a:rPr lang="pt-BR" dirty="0"/>
+                  <a:t>N1</a:t>
+                </a:r>
+              </a:p>
+            </p:txBody>
+          </p:sp>
+        </p:grpSp>
+      </p:grpSp>
+      <p:sp>
+        <p:nvSpPr>
+          <p:cNvPr id="16" name="Fluxograma: Terminação 15">
+            <a:extLst>
+              <a:ext uri="{FF2B5EF4-FFF2-40B4-BE49-F238E27FC236}">
+                <a16:creationId xmlns:a16="http://schemas.microsoft.com/office/drawing/2014/main" id="{73A96290-D8D3-4F60-9ECC-E524D3233D4A}"/>
+              </a:ext>
+            </a:extLst>
+          </p:cNvPr>
+          <p:cNvSpPr/>
+          <p:nvPr/>
+        </p:nvSpPr>
+        <p:spPr>
+          <a:xfrm>
+            <a:off x="951279" y="1077647"/>
+            <a:ext cx="1762124" cy="476251"/>
+          </a:xfrm>
+          <a:prstGeom prst="flowChartTerminator">
+            <a:avLst/>
+          </a:prstGeom>
+          <a:solidFill>
+            <a:schemeClr val="accent1">
+              <a:lumMod val="40000"/>
+              <a:lumOff val="60000"/>
+            </a:schemeClr>
+          </a:solidFill>
+          <a:ln w="19050">
+            <a:solidFill>
+              <a:schemeClr val="accent1">
+                <a:lumMod val="75000"/>
+              </a:schemeClr>
+            </a:solidFill>
+          </a:ln>
+        </p:spPr>
+        <p:style>
+          <a:lnRef idx="2">
+            <a:schemeClr val="accent1">
+              <a:shade val="50000"/>
+            </a:schemeClr>
+          </a:lnRef>
+          <a:fillRef idx="1">
+            <a:schemeClr val="accent1"/>
+          </a:fillRef>
+          <a:effectRef idx="0">
+            <a:schemeClr val="accent1"/>
+          </a:effectRef>
+          <a:fontRef idx="minor">
+            <a:schemeClr val="lt1"/>
+          </a:fontRef>
+        </p:style>
+        <p:txBody>
+          <a:bodyPr rtlCol="0" anchor="ctr"/>
+          <a:lstStyle/>
+          <a:p>
+            <a:pPr algn="ctr"/>
+            <a:r>
+              <a:rPr lang="pt-BR" sz="900" dirty="0">
+                <a:solidFill>
+                  <a:schemeClr val="tx1"/>
+                </a:solidFill>
+              </a:rPr>
+              <a:t>Sistema apresenta problemas no funcionamento</a:t>
+            </a:r>
+          </a:p>
+        </p:txBody>
+      </p:sp>
+      <p:sp>
+        <p:nvSpPr>
+          <p:cNvPr id="18" name="Fluxograma: Decisão 17">
+            <a:extLst>
+              <a:ext uri="{FF2B5EF4-FFF2-40B4-BE49-F238E27FC236}">
+                <a16:creationId xmlns:a16="http://schemas.microsoft.com/office/drawing/2014/main" id="{CF4B7412-EFB8-4109-B914-E33A787CBA58}"/>
+              </a:ext>
+            </a:extLst>
+          </p:cNvPr>
+          <p:cNvSpPr/>
+          <p:nvPr/>
+        </p:nvSpPr>
+        <p:spPr>
+          <a:xfrm>
+            <a:off x="1104900" y="2686937"/>
+            <a:ext cx="1476377" cy="723900"/>
+          </a:xfrm>
+          <a:prstGeom prst="flowChartDecision">
+            <a:avLst/>
+          </a:prstGeom>
+          <a:solidFill>
+            <a:schemeClr val="accent1">
+              <a:lumMod val="40000"/>
+              <a:lumOff val="60000"/>
+            </a:schemeClr>
+          </a:solidFill>
+          <a:ln w="19050">
+            <a:solidFill>
+              <a:schemeClr val="accent1">
+                <a:lumMod val="75000"/>
+              </a:schemeClr>
+            </a:solidFill>
+          </a:ln>
+        </p:spPr>
+        <p:style>
+          <a:lnRef idx="2">
+            <a:schemeClr val="accent1">
+              <a:shade val="50000"/>
+            </a:schemeClr>
+          </a:lnRef>
+          <a:fillRef idx="1">
+            <a:schemeClr val="accent1"/>
+          </a:fillRef>
+          <a:effectRef idx="0">
+            <a:schemeClr val="accent1"/>
+          </a:effectRef>
+          <a:fontRef idx="minor">
+            <a:schemeClr val="lt1"/>
+          </a:fontRef>
+        </p:style>
+        <p:txBody>
+          <a:bodyPr rtlCol="0" anchor="ctr"/>
+          <a:lstStyle/>
+          <a:p>
+            <a:pPr algn="ctr"/>
+            <a:r>
+              <a:rPr lang="pt-BR" sz="900" dirty="0">
+                <a:solidFill>
+                  <a:schemeClr val="tx1"/>
+                </a:solidFill>
+              </a:rPr>
+              <a:t>Sensor conectado?</a:t>
+            </a:r>
+          </a:p>
+        </p:txBody>
+      </p:sp>
+      <p:cxnSp>
+        <p:nvCxnSpPr>
+          <p:cNvPr id="20" name="Conector de Seta Reta 19">
+            <a:extLst>
+              <a:ext uri="{FF2B5EF4-FFF2-40B4-BE49-F238E27FC236}">
+                <a16:creationId xmlns:a16="http://schemas.microsoft.com/office/drawing/2014/main" id="{42EAA348-66F2-4FD6-9D55-B02252CE0B27}"/>
+              </a:ext>
+            </a:extLst>
+          </p:cNvPr>
+          <p:cNvCxnSpPr>
+            <a:cxnSpLocks/>
+            <a:stCxn id="16" idx="2"/>
+            <a:endCxn id="68" idx="0"/>
+          </p:cNvCxnSpPr>
+          <p:nvPr/>
+        </p:nvCxnSpPr>
+        <p:spPr>
+          <a:xfrm>
+            <a:off x="1832341" y="1553898"/>
+            <a:ext cx="2533" cy="447537"/>
+          </a:xfrm>
+          <a:prstGeom prst="straightConnector1">
+            <a:avLst/>
+          </a:prstGeom>
+          <a:ln>
+            <a:tailEnd type="triangle"/>
+          </a:ln>
+        </p:spPr>
+        <p:style>
+          <a:lnRef idx="1">
+            <a:schemeClr val="accent1"/>
+          </a:lnRef>
+          <a:fillRef idx="0">
+            <a:schemeClr val="accent1"/>
+          </a:fillRef>
+          <a:effectRef idx="0">
+            <a:schemeClr val="accent1"/>
+          </a:effectRef>
+          <a:fontRef idx="minor">
+            <a:schemeClr val="tx1"/>
+          </a:fontRef>
+        </p:style>
+      </p:cxnSp>
+      <p:sp>
+        <p:nvSpPr>
+          <p:cNvPr id="33" name="Fluxograma: Decisão 32">
+            <a:extLst>
+              <a:ext uri="{FF2B5EF4-FFF2-40B4-BE49-F238E27FC236}">
+                <a16:creationId xmlns:a16="http://schemas.microsoft.com/office/drawing/2014/main" id="{A43F6530-9E7B-43D0-839E-4A65E301B089}"/>
+              </a:ext>
+            </a:extLst>
+          </p:cNvPr>
+          <p:cNvSpPr/>
+          <p:nvPr/>
+        </p:nvSpPr>
+        <p:spPr>
+          <a:xfrm>
+            <a:off x="1104900" y="3620387"/>
+            <a:ext cx="1476377" cy="723900"/>
+          </a:xfrm>
+          <a:prstGeom prst="flowChartDecision">
+            <a:avLst/>
+          </a:prstGeom>
+          <a:solidFill>
+            <a:schemeClr val="accent1">
+              <a:lumMod val="40000"/>
+              <a:lumOff val="60000"/>
+            </a:schemeClr>
+          </a:solidFill>
+          <a:ln w="19050">
+            <a:solidFill>
+              <a:schemeClr val="accent1">
+                <a:lumMod val="75000"/>
+              </a:schemeClr>
+            </a:solidFill>
+          </a:ln>
+        </p:spPr>
+        <p:style>
+          <a:lnRef idx="2">
+            <a:schemeClr val="accent1">
+              <a:shade val="50000"/>
+            </a:schemeClr>
+          </a:lnRef>
+          <a:fillRef idx="1">
+            <a:schemeClr val="accent1"/>
+          </a:fillRef>
+          <a:effectRef idx="0">
+            <a:schemeClr val="accent1"/>
+          </a:effectRef>
+          <a:fontRef idx="minor">
+            <a:schemeClr val="lt1"/>
+          </a:fontRef>
+        </p:style>
+        <p:txBody>
+          <a:bodyPr rtlCol="0" anchor="ctr"/>
+          <a:lstStyle/>
+          <a:p>
+            <a:pPr algn="ctr"/>
+            <a:r>
+              <a:rPr lang="pt-BR" sz="900" dirty="0">
+                <a:solidFill>
+                  <a:schemeClr val="tx1"/>
+                </a:solidFill>
+              </a:rPr>
+              <a:t>Problemas no cadastro?</a:t>
+            </a:r>
+          </a:p>
+        </p:txBody>
+      </p:sp>
+      <p:cxnSp>
+        <p:nvCxnSpPr>
+          <p:cNvPr id="34" name="Conector de Seta Reta 33">
+            <a:extLst>
+              <a:ext uri="{FF2B5EF4-FFF2-40B4-BE49-F238E27FC236}">
+                <a16:creationId xmlns:a16="http://schemas.microsoft.com/office/drawing/2014/main" id="{2CDB558E-34F8-4A95-886E-B052B51B7370}"/>
+              </a:ext>
+            </a:extLst>
+          </p:cNvPr>
+          <p:cNvCxnSpPr>
+            <a:cxnSpLocks/>
+            <a:endCxn id="33" idx="0"/>
+          </p:cNvCxnSpPr>
+          <p:nvPr/>
+        </p:nvCxnSpPr>
+        <p:spPr>
+          <a:xfrm>
+            <a:off x="1843087" y="3410837"/>
+            <a:ext cx="0" cy="209550"/>
+          </a:xfrm>
+          <a:prstGeom prst="straightConnector1">
+            <a:avLst/>
+          </a:prstGeom>
+          <a:ln>
+            <a:tailEnd type="triangle"/>
+          </a:ln>
+        </p:spPr>
+        <p:style>
+          <a:lnRef idx="1">
+            <a:schemeClr val="accent1"/>
+          </a:lnRef>
+          <a:fillRef idx="0">
+            <a:schemeClr val="accent1"/>
+          </a:fillRef>
+          <a:effectRef idx="0">
+            <a:schemeClr val="accent1"/>
+          </a:effectRef>
+          <a:fontRef idx="minor">
+            <a:schemeClr val="tx1"/>
+          </a:fontRef>
+        </p:style>
+      </p:cxnSp>
+      <p:sp>
+        <p:nvSpPr>
+          <p:cNvPr id="35" name="CaixaDeTexto 34">
+            <a:extLst>
+              <a:ext uri="{FF2B5EF4-FFF2-40B4-BE49-F238E27FC236}">
+                <a16:creationId xmlns:a16="http://schemas.microsoft.com/office/drawing/2014/main" id="{9DB3EEFA-FF05-449A-A9B1-85D551D6A793}"/>
+              </a:ext>
+            </a:extLst>
+          </p:cNvPr>
+          <p:cNvSpPr txBox="1"/>
+          <p:nvPr/>
+        </p:nvSpPr>
+        <p:spPr>
+          <a:xfrm>
+            <a:off x="1850234" y="3384807"/>
+            <a:ext cx="732631" cy="261610"/>
+          </a:xfrm>
+          <a:prstGeom prst="rect">
+            <a:avLst/>
+          </a:prstGeom>
+          <a:noFill/>
+        </p:spPr>
+        <p:txBody>
+          <a:bodyPr wrap="square" rtlCol="0">
+            <a:spAutoFit/>
+          </a:bodyPr>
+          <a:lstStyle/>
+          <a:p>
+            <a:r>
+              <a:rPr lang="pt-BR" sz="1100" b="1" dirty="0"/>
+              <a:t>Sim</a:t>
+            </a:r>
+          </a:p>
+        </p:txBody>
+      </p:sp>
+      <p:cxnSp>
+        <p:nvCxnSpPr>
+          <p:cNvPr id="38" name="Conector de Seta Reta 37">
+            <a:extLst>
+              <a:ext uri="{FF2B5EF4-FFF2-40B4-BE49-F238E27FC236}">
+                <a16:creationId xmlns:a16="http://schemas.microsoft.com/office/drawing/2014/main" id="{455F60E6-030E-4951-A78E-9BA7C101256B}"/>
+              </a:ext>
+            </a:extLst>
+          </p:cNvPr>
+          <p:cNvCxnSpPr>
+            <a:cxnSpLocks/>
+          </p:cNvCxnSpPr>
+          <p:nvPr/>
+        </p:nvCxnSpPr>
+        <p:spPr>
+          <a:xfrm>
+            <a:off x="2591594" y="3048887"/>
+            <a:ext cx="380204" cy="0"/>
+          </a:xfrm>
+          <a:prstGeom prst="straightConnector1">
+            <a:avLst/>
+          </a:prstGeom>
+          <a:ln>
+            <a:tailEnd type="triangle"/>
+          </a:ln>
+        </p:spPr>
+        <p:style>
+          <a:lnRef idx="1">
+            <a:schemeClr val="accent1"/>
+          </a:lnRef>
+          <a:fillRef idx="0">
+            <a:schemeClr val="accent1"/>
+          </a:fillRef>
+          <a:effectRef idx="0">
+            <a:schemeClr val="accent1"/>
+          </a:effectRef>
+          <a:fontRef idx="minor">
+            <a:schemeClr val="tx1"/>
+          </a:fontRef>
+        </p:style>
+      </p:cxnSp>
+      <p:sp>
+        <p:nvSpPr>
+          <p:cNvPr id="39" name="CaixaDeTexto 38">
+            <a:extLst>
+              <a:ext uri="{FF2B5EF4-FFF2-40B4-BE49-F238E27FC236}">
+                <a16:creationId xmlns:a16="http://schemas.microsoft.com/office/drawing/2014/main" id="{C0BEE038-F39A-4918-A2EA-D66C1E87A0DA}"/>
+              </a:ext>
+            </a:extLst>
+          </p:cNvPr>
+          <p:cNvSpPr txBox="1"/>
+          <p:nvPr/>
+        </p:nvSpPr>
+        <p:spPr>
+          <a:xfrm>
+            <a:off x="2547149" y="2800292"/>
+            <a:ext cx="732631" cy="261610"/>
+          </a:xfrm>
+          <a:prstGeom prst="rect">
+            <a:avLst/>
+          </a:prstGeom>
+          <a:noFill/>
+        </p:spPr>
+        <p:txBody>
+          <a:bodyPr wrap="square" rtlCol="0">
+            <a:spAutoFit/>
+          </a:bodyPr>
+          <a:lstStyle/>
+          <a:p>
+            <a:r>
+              <a:rPr lang="pt-BR" sz="1100" b="1" dirty="0"/>
+              <a:t>Não</a:t>
+            </a:r>
+          </a:p>
+        </p:txBody>
+      </p:sp>
+      <p:sp>
+        <p:nvSpPr>
+          <p:cNvPr id="45" name="Retângulo 44">
+            <a:extLst>
+              <a:ext uri="{FF2B5EF4-FFF2-40B4-BE49-F238E27FC236}">
+                <a16:creationId xmlns:a16="http://schemas.microsoft.com/office/drawing/2014/main" id="{BEFDE7EE-7935-48F9-A3D6-BF48645EC828}"/>
+              </a:ext>
+            </a:extLst>
+          </p:cNvPr>
+          <p:cNvSpPr/>
+          <p:nvPr/>
+        </p:nvSpPr>
+        <p:spPr>
+          <a:xfrm>
+            <a:off x="2971798" y="2800292"/>
+            <a:ext cx="1476376" cy="505770"/>
+          </a:xfrm>
+          <a:prstGeom prst="rect">
+            <a:avLst/>
+          </a:prstGeom>
+          <a:solidFill>
+            <a:schemeClr val="accent1">
+              <a:lumMod val="40000"/>
+              <a:lumOff val="60000"/>
+            </a:schemeClr>
+          </a:solidFill>
+          <a:ln w="19050">
+            <a:solidFill>
+              <a:schemeClr val="accent1">
+                <a:lumMod val="75000"/>
+              </a:schemeClr>
+            </a:solidFill>
+          </a:ln>
+        </p:spPr>
+        <p:style>
+          <a:lnRef idx="2">
+            <a:schemeClr val="accent1">
+              <a:shade val="50000"/>
+            </a:schemeClr>
+          </a:lnRef>
+          <a:fillRef idx="1">
+            <a:schemeClr val="accent1"/>
+          </a:fillRef>
+          <a:effectRef idx="0">
+            <a:schemeClr val="accent1"/>
+          </a:effectRef>
+          <a:fontRef idx="minor">
+            <a:schemeClr val="lt1"/>
+          </a:fontRef>
+        </p:style>
+        <p:txBody>
+          <a:bodyPr rtlCol="0" anchor="ctr"/>
+          <a:lstStyle/>
+          <a:p>
+            <a:pPr algn="ctr"/>
+            <a:r>
+              <a:rPr lang="pt-BR" sz="900" dirty="0">
+                <a:solidFill>
+                  <a:schemeClr val="tx1"/>
+                </a:solidFill>
+              </a:rPr>
+              <a:t>Verificar conexão com a internet e cabeamento</a:t>
+            </a:r>
+          </a:p>
+        </p:txBody>
+      </p:sp>
+      <p:sp>
+        <p:nvSpPr>
+          <p:cNvPr id="59" name="CaixaDeTexto 58">
+            <a:extLst>
+              <a:ext uri="{FF2B5EF4-FFF2-40B4-BE49-F238E27FC236}">
+                <a16:creationId xmlns:a16="http://schemas.microsoft.com/office/drawing/2014/main" id="{8CAD188C-D1EA-45D5-BF44-A845F67CC827}"/>
+              </a:ext>
+            </a:extLst>
+          </p:cNvPr>
+          <p:cNvSpPr txBox="1"/>
+          <p:nvPr/>
+        </p:nvSpPr>
+        <p:spPr>
+          <a:xfrm>
+            <a:off x="1782151" y="4370317"/>
+            <a:ext cx="732631" cy="261610"/>
+          </a:xfrm>
+          <a:prstGeom prst="rect">
+            <a:avLst/>
+          </a:prstGeom>
+          <a:noFill/>
+        </p:spPr>
+        <p:txBody>
+          <a:bodyPr wrap="square" rtlCol="0">
+            <a:spAutoFit/>
+          </a:bodyPr>
+          <a:lstStyle/>
+          <a:p>
+            <a:r>
+              <a:rPr lang="pt-BR" sz="1100" b="1" dirty="0"/>
+              <a:t>Não</a:t>
+            </a:r>
+          </a:p>
+        </p:txBody>
+      </p:sp>
+      <p:cxnSp>
+        <p:nvCxnSpPr>
+          <p:cNvPr id="69" name="Conector de Seta Reta 68">
+            <a:extLst>
+              <a:ext uri="{FF2B5EF4-FFF2-40B4-BE49-F238E27FC236}">
+                <a16:creationId xmlns:a16="http://schemas.microsoft.com/office/drawing/2014/main" id="{B0E43D43-6EE1-4A87-80B6-129F9AE865EC}"/>
+              </a:ext>
+            </a:extLst>
+          </p:cNvPr>
+          <p:cNvCxnSpPr>
+            <a:cxnSpLocks/>
+          </p:cNvCxnSpPr>
+          <p:nvPr/>
+        </p:nvCxnSpPr>
+        <p:spPr>
+          <a:xfrm>
+            <a:off x="2527391" y="10179191"/>
+            <a:ext cx="476247" cy="17"/>
+          </a:xfrm>
+          <a:prstGeom prst="straightConnector1">
+            <a:avLst/>
+          </a:prstGeom>
+          <a:ln>
+            <a:tailEnd type="triangle"/>
+          </a:ln>
+        </p:spPr>
+        <p:style>
+          <a:lnRef idx="1">
+            <a:schemeClr val="accent1"/>
+          </a:lnRef>
+          <a:fillRef idx="0">
+            <a:schemeClr val="accent1"/>
+          </a:fillRef>
+          <a:effectRef idx="0">
+            <a:schemeClr val="accent1"/>
+          </a:effectRef>
+          <a:fontRef idx="minor">
+            <a:schemeClr val="tx1"/>
+          </a:fontRef>
+        </p:style>
+      </p:cxnSp>
+      <p:sp>
+        <p:nvSpPr>
+          <p:cNvPr id="77" name="Fluxograma: Decisão 76">
+            <a:extLst>
+              <a:ext uri="{FF2B5EF4-FFF2-40B4-BE49-F238E27FC236}">
+                <a16:creationId xmlns:a16="http://schemas.microsoft.com/office/drawing/2014/main" id="{773DCD19-9830-4993-92E5-AEE17FDE0490}"/>
+              </a:ext>
+            </a:extLst>
+          </p:cNvPr>
+          <p:cNvSpPr/>
+          <p:nvPr/>
+        </p:nvSpPr>
+        <p:spPr>
+          <a:xfrm>
+            <a:off x="4984717" y="3600669"/>
+            <a:ext cx="1476377" cy="723900"/>
+          </a:xfrm>
+          <a:prstGeom prst="flowChartDecision">
+            <a:avLst/>
+          </a:prstGeom>
+          <a:solidFill>
+            <a:schemeClr val="accent1">
+              <a:lumMod val="40000"/>
+              <a:lumOff val="60000"/>
+            </a:schemeClr>
+          </a:solidFill>
+          <a:ln w="19050">
+            <a:solidFill>
+              <a:schemeClr val="accent1">
+                <a:lumMod val="75000"/>
+              </a:schemeClr>
+            </a:solidFill>
+          </a:ln>
+        </p:spPr>
+        <p:style>
+          <a:lnRef idx="2">
+            <a:schemeClr val="accent1">
+              <a:shade val="50000"/>
+            </a:schemeClr>
+          </a:lnRef>
+          <a:fillRef idx="1">
+            <a:schemeClr val="accent1"/>
+          </a:fillRef>
+          <a:effectRef idx="0">
+            <a:schemeClr val="accent1"/>
+          </a:effectRef>
+          <a:fontRef idx="minor">
+            <a:schemeClr val="lt1"/>
+          </a:fontRef>
+        </p:style>
+        <p:txBody>
+          <a:bodyPr rtlCol="0" anchor="ctr"/>
+          <a:lstStyle/>
+          <a:p>
+            <a:pPr algn="ctr"/>
+            <a:r>
+              <a:rPr lang="pt-BR" sz="900" dirty="0">
+                <a:solidFill>
+                  <a:schemeClr val="tx1"/>
+                </a:solidFill>
+              </a:rPr>
+              <a:t>Funcionou</a:t>
+            </a:r>
+          </a:p>
+        </p:txBody>
+      </p:sp>
+      <p:cxnSp>
+        <p:nvCxnSpPr>
+          <p:cNvPr id="78" name="Conector de Seta Reta 77">
+            <a:extLst>
+              <a:ext uri="{FF2B5EF4-FFF2-40B4-BE49-F238E27FC236}">
+                <a16:creationId xmlns:a16="http://schemas.microsoft.com/office/drawing/2014/main" id="{F16F4538-A080-4BD9-80EE-CF418DCC7CBE}"/>
+              </a:ext>
+            </a:extLst>
+          </p:cNvPr>
+          <p:cNvCxnSpPr>
+            <a:cxnSpLocks/>
+          </p:cNvCxnSpPr>
+          <p:nvPr/>
+        </p:nvCxnSpPr>
+        <p:spPr>
+          <a:xfrm>
+            <a:off x="6455537" y="3956858"/>
+            <a:ext cx="380204" cy="0"/>
+          </a:xfrm>
+          <a:prstGeom prst="straightConnector1">
+            <a:avLst/>
+          </a:prstGeom>
+          <a:ln>
+            <a:tailEnd type="triangle"/>
+          </a:ln>
+        </p:spPr>
+        <p:style>
+          <a:lnRef idx="1">
+            <a:schemeClr val="accent1"/>
+          </a:lnRef>
+          <a:fillRef idx="0">
+            <a:schemeClr val="accent1"/>
+          </a:fillRef>
+          <a:effectRef idx="0">
+            <a:schemeClr val="accent1"/>
+          </a:effectRef>
+          <a:fontRef idx="minor">
+            <a:schemeClr val="tx1"/>
+          </a:fontRef>
+        </p:style>
+      </p:cxnSp>
+      <p:sp>
+        <p:nvSpPr>
+          <p:cNvPr id="79" name="CaixaDeTexto 78">
+            <a:extLst>
+              <a:ext uri="{FF2B5EF4-FFF2-40B4-BE49-F238E27FC236}">
+                <a16:creationId xmlns:a16="http://schemas.microsoft.com/office/drawing/2014/main" id="{93328C0C-333B-4219-8CC1-C837AFABB895}"/>
+              </a:ext>
+            </a:extLst>
+          </p:cNvPr>
+          <p:cNvSpPr txBox="1"/>
+          <p:nvPr/>
+        </p:nvSpPr>
+        <p:spPr>
+          <a:xfrm>
+            <a:off x="6428067" y="3731597"/>
+            <a:ext cx="732631" cy="261610"/>
+          </a:xfrm>
+          <a:prstGeom prst="rect">
+            <a:avLst/>
+          </a:prstGeom>
+          <a:noFill/>
+        </p:spPr>
+        <p:txBody>
+          <a:bodyPr wrap="square" rtlCol="0">
+            <a:spAutoFit/>
+          </a:bodyPr>
+          <a:lstStyle/>
+          <a:p>
+            <a:r>
+              <a:rPr lang="pt-BR" sz="1100" b="1" dirty="0"/>
+              <a:t>Sim</a:t>
+            </a:r>
+          </a:p>
+        </p:txBody>
+      </p:sp>
+      <p:sp>
+        <p:nvSpPr>
+          <p:cNvPr id="110" name="Fluxograma: Terminação 109">
+            <a:extLst>
+              <a:ext uri="{FF2B5EF4-FFF2-40B4-BE49-F238E27FC236}">
+                <a16:creationId xmlns:a16="http://schemas.microsoft.com/office/drawing/2014/main" id="{FF146A18-0ABB-4F37-9C54-585E941B3040}"/>
+              </a:ext>
+            </a:extLst>
+          </p:cNvPr>
+          <p:cNvSpPr/>
+          <p:nvPr/>
+        </p:nvSpPr>
+        <p:spPr>
+          <a:xfrm>
+            <a:off x="6835741" y="3724493"/>
+            <a:ext cx="1762124" cy="476251"/>
+          </a:xfrm>
+          <a:prstGeom prst="flowChartTerminator">
+            <a:avLst/>
+          </a:prstGeom>
+          <a:solidFill>
+            <a:schemeClr val="accent1">
+              <a:lumMod val="40000"/>
+              <a:lumOff val="60000"/>
+            </a:schemeClr>
+          </a:solidFill>
+          <a:ln w="19050">
+            <a:solidFill>
+              <a:schemeClr val="accent1">
+                <a:lumMod val="75000"/>
+              </a:schemeClr>
+            </a:solidFill>
+          </a:ln>
+        </p:spPr>
+        <p:style>
+          <a:lnRef idx="2">
+            <a:schemeClr val="accent1">
+              <a:shade val="50000"/>
+            </a:schemeClr>
+          </a:lnRef>
+          <a:fillRef idx="1">
+            <a:schemeClr val="accent1"/>
+          </a:fillRef>
+          <a:effectRef idx="0">
+            <a:schemeClr val="accent1"/>
+          </a:effectRef>
+          <a:fontRef idx="minor">
+            <a:schemeClr val="lt1"/>
+          </a:fontRef>
+        </p:style>
+        <p:txBody>
+          <a:bodyPr rtlCol="0" anchor="ctr"/>
+          <a:lstStyle/>
+          <a:p>
+            <a:pPr algn="ctr"/>
+            <a:r>
+              <a:rPr lang="pt-BR" sz="900" dirty="0">
+                <a:solidFill>
+                  <a:schemeClr val="tx1"/>
+                </a:solidFill>
+              </a:rPr>
+              <a:t>Fim.</a:t>
+            </a:r>
+          </a:p>
+        </p:txBody>
+      </p:sp>
+      <p:cxnSp>
+        <p:nvCxnSpPr>
+          <p:cNvPr id="117" name="Conector reto 116">
+            <a:extLst>
+              <a:ext uri="{FF2B5EF4-FFF2-40B4-BE49-F238E27FC236}">
+                <a16:creationId xmlns:a16="http://schemas.microsoft.com/office/drawing/2014/main" id="{1F2C88A5-DA13-4927-96AB-DA28DDB795DE}"/>
+              </a:ext>
+            </a:extLst>
+          </p:cNvPr>
+          <p:cNvCxnSpPr>
+            <a:cxnSpLocks/>
+          </p:cNvCxnSpPr>
+          <p:nvPr/>
+        </p:nvCxnSpPr>
+        <p:spPr>
+          <a:xfrm>
+            <a:off x="4722027" y="3048887"/>
+            <a:ext cx="0" cy="917851"/>
+          </a:xfrm>
+          <a:prstGeom prst="line">
+            <a:avLst/>
+          </a:prstGeom>
+        </p:spPr>
+        <p:style>
+          <a:lnRef idx="1">
+            <a:schemeClr val="accent1"/>
+          </a:lnRef>
+          <a:fillRef idx="0">
+            <a:schemeClr val="accent1"/>
+          </a:fillRef>
+          <a:effectRef idx="0">
+            <a:schemeClr val="accent1"/>
+          </a:effectRef>
+          <a:fontRef idx="minor">
+            <a:schemeClr val="tx1"/>
+          </a:fontRef>
+        </p:style>
+      </p:cxnSp>
+      <p:cxnSp>
+        <p:nvCxnSpPr>
+          <p:cNvPr id="134" name="Conector reto 133">
+            <a:extLst>
+              <a:ext uri="{FF2B5EF4-FFF2-40B4-BE49-F238E27FC236}">
+                <a16:creationId xmlns:a16="http://schemas.microsoft.com/office/drawing/2014/main" id="{D28047F3-E902-47B4-B414-C98C7CF0EB8C}"/>
+              </a:ext>
+            </a:extLst>
+          </p:cNvPr>
+          <p:cNvCxnSpPr>
+            <a:cxnSpLocks/>
+            <a:endCxn id="45" idx="3"/>
+          </p:cNvCxnSpPr>
+          <p:nvPr/>
+        </p:nvCxnSpPr>
+        <p:spPr>
+          <a:xfrm flipH="1">
+            <a:off x="4448174" y="3048886"/>
+            <a:ext cx="272235" cy="4291"/>
+          </a:xfrm>
+          <a:prstGeom prst="line">
+            <a:avLst/>
+          </a:prstGeom>
+        </p:spPr>
+        <p:style>
+          <a:lnRef idx="1">
+            <a:schemeClr val="accent1"/>
+          </a:lnRef>
+          <a:fillRef idx="0">
+            <a:schemeClr val="accent1"/>
+          </a:fillRef>
+          <a:effectRef idx="0">
+            <a:schemeClr val="accent1"/>
+          </a:effectRef>
+          <a:fontRef idx="minor">
+            <a:schemeClr val="tx1"/>
+          </a:fontRef>
+        </p:style>
+      </p:cxnSp>
+      <p:cxnSp>
+        <p:nvCxnSpPr>
+          <p:cNvPr id="144" name="Conector de Seta Reta 143">
+            <a:extLst>
+              <a:ext uri="{FF2B5EF4-FFF2-40B4-BE49-F238E27FC236}">
+                <a16:creationId xmlns:a16="http://schemas.microsoft.com/office/drawing/2014/main" id="{228FA545-2E20-4E7A-955E-21D99F410B51}"/>
+              </a:ext>
+            </a:extLst>
+          </p:cNvPr>
+          <p:cNvCxnSpPr>
+            <a:cxnSpLocks/>
+            <a:stCxn id="33" idx="2"/>
+          </p:cNvCxnSpPr>
+          <p:nvPr/>
+        </p:nvCxnSpPr>
+        <p:spPr>
+          <a:xfrm flipH="1">
+            <a:off x="1838980" y="4344287"/>
+            <a:ext cx="4109" cy="370247"/>
+          </a:xfrm>
+          <a:prstGeom prst="straightConnector1">
+            <a:avLst/>
+          </a:prstGeom>
+          <a:ln>
+            <a:tailEnd type="triangle"/>
+          </a:ln>
+        </p:spPr>
+        <p:style>
+          <a:lnRef idx="1">
+            <a:schemeClr val="accent1"/>
+          </a:lnRef>
+          <a:fillRef idx="0">
+            <a:schemeClr val="accent1"/>
+          </a:fillRef>
+          <a:effectRef idx="0">
+            <a:schemeClr val="accent1"/>
+          </a:effectRef>
+          <a:fontRef idx="minor">
+            <a:schemeClr val="tx1"/>
+          </a:fontRef>
+        </p:style>
+      </p:cxnSp>
+      <p:cxnSp>
+        <p:nvCxnSpPr>
+          <p:cNvPr id="150" name="Conector de Seta Reta 149">
+            <a:extLst>
+              <a:ext uri="{FF2B5EF4-FFF2-40B4-BE49-F238E27FC236}">
+                <a16:creationId xmlns:a16="http://schemas.microsoft.com/office/drawing/2014/main" id="{5E211848-596C-4588-AFAD-E87A6C840C2F}"/>
+              </a:ext>
+            </a:extLst>
+          </p:cNvPr>
+          <p:cNvCxnSpPr>
+            <a:cxnSpLocks/>
+          </p:cNvCxnSpPr>
+          <p:nvPr/>
+        </p:nvCxnSpPr>
+        <p:spPr>
+          <a:xfrm>
+            <a:off x="1873580" y="9529576"/>
+            <a:ext cx="0" cy="384855"/>
+          </a:xfrm>
+          <a:prstGeom prst="straightConnector1">
+            <a:avLst/>
+          </a:prstGeom>
+          <a:ln>
+            <a:tailEnd type="triangle"/>
+          </a:ln>
+        </p:spPr>
+        <p:style>
+          <a:lnRef idx="1">
+            <a:schemeClr val="accent1"/>
+          </a:lnRef>
+          <a:fillRef idx="0">
+            <a:schemeClr val="accent1"/>
+          </a:fillRef>
+          <a:effectRef idx="0">
+            <a:schemeClr val="accent1"/>
+          </a:effectRef>
+          <a:fontRef idx="minor">
+            <a:schemeClr val="tx1"/>
+          </a:fontRef>
+        </p:style>
+      </p:cxnSp>
+      <p:cxnSp>
+        <p:nvCxnSpPr>
+          <p:cNvPr id="167" name="Conector de Seta Reta 166">
+            <a:extLst>
+              <a:ext uri="{FF2B5EF4-FFF2-40B4-BE49-F238E27FC236}">
+                <a16:creationId xmlns:a16="http://schemas.microsoft.com/office/drawing/2014/main" id="{6E821551-F505-42A1-878D-1F1ED4E07B7D}"/>
+              </a:ext>
+            </a:extLst>
+          </p:cNvPr>
+          <p:cNvCxnSpPr>
+            <a:cxnSpLocks/>
+            <a:stCxn id="33" idx="3"/>
+            <a:endCxn id="71" idx="1"/>
+          </p:cNvCxnSpPr>
+          <p:nvPr/>
+        </p:nvCxnSpPr>
+        <p:spPr>
+          <a:xfrm flipV="1">
+            <a:off x="2581277" y="3977859"/>
+            <a:ext cx="467119" cy="4478"/>
+          </a:xfrm>
+          <a:prstGeom prst="straightConnector1">
+            <a:avLst/>
+          </a:prstGeom>
+          <a:ln>
+            <a:tailEnd type="triangle"/>
+          </a:ln>
+        </p:spPr>
+        <p:style>
+          <a:lnRef idx="1">
+            <a:schemeClr val="accent1"/>
+          </a:lnRef>
+          <a:fillRef idx="0">
+            <a:schemeClr val="accent1"/>
+          </a:fillRef>
+          <a:effectRef idx="0">
+            <a:schemeClr val="accent1"/>
+          </a:effectRef>
+          <a:fontRef idx="minor">
+            <a:schemeClr val="tx1"/>
+          </a:fontRef>
+        </p:style>
+      </p:cxnSp>
+      <p:sp>
+        <p:nvSpPr>
+          <p:cNvPr id="168" name="CaixaDeTexto 167">
+            <a:extLst>
+              <a:ext uri="{FF2B5EF4-FFF2-40B4-BE49-F238E27FC236}">
+                <a16:creationId xmlns:a16="http://schemas.microsoft.com/office/drawing/2014/main" id="{BF8CDE1C-D3A6-4261-A3E8-A6F838D5EB68}"/>
+              </a:ext>
+            </a:extLst>
+          </p:cNvPr>
+          <p:cNvSpPr txBox="1"/>
+          <p:nvPr/>
+        </p:nvSpPr>
+        <p:spPr>
+          <a:xfrm>
+            <a:off x="2527391" y="3701009"/>
+            <a:ext cx="732631" cy="261610"/>
+          </a:xfrm>
+          <a:prstGeom prst="rect">
+            <a:avLst/>
+          </a:prstGeom>
+          <a:noFill/>
+        </p:spPr>
+        <p:txBody>
+          <a:bodyPr wrap="square" rtlCol="0">
+            <a:spAutoFit/>
+          </a:bodyPr>
+          <a:lstStyle/>
+          <a:p>
+            <a:r>
+              <a:rPr lang="pt-BR" sz="1100" b="1" dirty="0"/>
+              <a:t>Sim</a:t>
+            </a:r>
+          </a:p>
+        </p:txBody>
+      </p:sp>
+      <p:cxnSp>
+        <p:nvCxnSpPr>
+          <p:cNvPr id="178" name="Conector de Seta Reta 177">
+            <a:extLst>
+              <a:ext uri="{FF2B5EF4-FFF2-40B4-BE49-F238E27FC236}">
+                <a16:creationId xmlns:a16="http://schemas.microsoft.com/office/drawing/2014/main" id="{13CCC61D-1077-4B2C-BEE3-D6A85944626C}"/>
+              </a:ext>
+            </a:extLst>
+          </p:cNvPr>
+          <p:cNvCxnSpPr>
+            <a:cxnSpLocks/>
+          </p:cNvCxnSpPr>
+          <p:nvPr/>
+        </p:nvCxnSpPr>
+        <p:spPr>
+          <a:xfrm>
+            <a:off x="4400548" y="3966738"/>
+            <a:ext cx="599281" cy="0"/>
+          </a:xfrm>
+          <a:prstGeom prst="straightConnector1">
+            <a:avLst/>
+          </a:prstGeom>
+          <a:ln>
+            <a:tailEnd type="triangle"/>
+          </a:ln>
+        </p:spPr>
+        <p:style>
+          <a:lnRef idx="1">
+            <a:schemeClr val="accent1"/>
+          </a:lnRef>
+          <a:fillRef idx="0">
+            <a:schemeClr val="accent1"/>
+          </a:fillRef>
+          <a:effectRef idx="0">
+            <a:schemeClr val="accent1"/>
+          </a:effectRef>
+          <a:fontRef idx="minor">
+            <a:schemeClr val="tx1"/>
+          </a:fontRef>
+        </p:style>
+      </p:cxnSp>
+      <p:cxnSp>
+        <p:nvCxnSpPr>
+          <p:cNvPr id="48" name="Conector reto 47">
+            <a:extLst>
+              <a:ext uri="{FF2B5EF4-FFF2-40B4-BE49-F238E27FC236}">
+                <a16:creationId xmlns:a16="http://schemas.microsoft.com/office/drawing/2014/main" id="{CD41A53F-70C6-48E0-A68A-2737FDF986E4}"/>
+              </a:ext>
+            </a:extLst>
+          </p:cNvPr>
+          <p:cNvCxnSpPr>
+            <a:cxnSpLocks/>
+          </p:cNvCxnSpPr>
+          <p:nvPr/>
+        </p:nvCxnSpPr>
+        <p:spPr>
+          <a:xfrm flipV="1">
+            <a:off x="5722182" y="1319378"/>
+            <a:ext cx="0" cy="2289592"/>
+          </a:xfrm>
+          <a:prstGeom prst="line">
+            <a:avLst/>
+          </a:prstGeom>
+        </p:spPr>
+        <p:style>
+          <a:lnRef idx="1">
+            <a:schemeClr val="accent1"/>
+          </a:lnRef>
+          <a:fillRef idx="0">
+            <a:schemeClr val="accent1"/>
+          </a:fillRef>
+          <a:effectRef idx="0">
+            <a:schemeClr val="accent1"/>
+          </a:effectRef>
+          <a:fontRef idx="minor">
+            <a:schemeClr val="tx1"/>
+          </a:fontRef>
+        </p:style>
+      </p:cxnSp>
+      <p:cxnSp>
+        <p:nvCxnSpPr>
+          <p:cNvPr id="49" name="Conector de Seta Reta 48">
+            <a:extLst>
+              <a:ext uri="{FF2B5EF4-FFF2-40B4-BE49-F238E27FC236}">
+                <a16:creationId xmlns:a16="http://schemas.microsoft.com/office/drawing/2014/main" id="{0C1A1A1B-4771-4AEC-BAB4-E2A5EDEB5D6B}"/>
+              </a:ext>
+            </a:extLst>
+          </p:cNvPr>
+          <p:cNvCxnSpPr>
+            <a:cxnSpLocks/>
+          </p:cNvCxnSpPr>
+          <p:nvPr/>
+        </p:nvCxnSpPr>
+        <p:spPr>
+          <a:xfrm flipH="1">
+            <a:off x="2720906" y="1315772"/>
+            <a:ext cx="3013868" cy="0"/>
+          </a:xfrm>
+          <a:prstGeom prst="straightConnector1">
+            <a:avLst/>
+          </a:prstGeom>
+          <a:ln>
+            <a:tailEnd type="triangle"/>
+          </a:ln>
+        </p:spPr>
+        <p:style>
+          <a:lnRef idx="1">
+            <a:schemeClr val="accent1"/>
+          </a:lnRef>
+          <a:fillRef idx="0">
+            <a:schemeClr val="accent1"/>
+          </a:fillRef>
+          <a:effectRef idx="0">
+            <a:schemeClr val="accent1"/>
+          </a:effectRef>
+          <a:fontRef idx="minor">
+            <a:schemeClr val="tx1"/>
+          </a:fontRef>
+        </p:style>
+      </p:cxnSp>
+      <p:sp>
+        <p:nvSpPr>
+          <p:cNvPr id="50" name="CaixaDeTexto 49">
+            <a:extLst>
+              <a:ext uri="{FF2B5EF4-FFF2-40B4-BE49-F238E27FC236}">
+                <a16:creationId xmlns:a16="http://schemas.microsoft.com/office/drawing/2014/main" id="{FA6421A6-A066-4BA4-8024-AECACC871BB4}"/>
+              </a:ext>
+            </a:extLst>
+          </p:cNvPr>
+          <p:cNvSpPr txBox="1"/>
+          <p:nvPr/>
+        </p:nvSpPr>
+        <p:spPr>
+          <a:xfrm>
+            <a:off x="5722906" y="3306062"/>
+            <a:ext cx="732631" cy="261610"/>
+          </a:xfrm>
+          <a:prstGeom prst="rect">
+            <a:avLst/>
+          </a:prstGeom>
+          <a:noFill/>
+        </p:spPr>
+        <p:txBody>
+          <a:bodyPr wrap="square" rtlCol="0">
+            <a:spAutoFit/>
+          </a:bodyPr>
+          <a:lstStyle/>
+          <a:p>
+            <a:r>
+              <a:rPr lang="pt-BR" sz="1100" b="1" dirty="0"/>
+              <a:t>Não</a:t>
+            </a:r>
+          </a:p>
+        </p:txBody>
+      </p:sp>
+      <p:cxnSp>
+        <p:nvCxnSpPr>
+          <p:cNvPr id="9" name="Conector de Seta Reta 8">
+            <a:extLst>
+              <a:ext uri="{FF2B5EF4-FFF2-40B4-BE49-F238E27FC236}">
+                <a16:creationId xmlns:a16="http://schemas.microsoft.com/office/drawing/2014/main" id="{405B00F6-4A27-421A-8AAF-B36B534CFE10}"/>
+              </a:ext>
+            </a:extLst>
+          </p:cNvPr>
+          <p:cNvCxnSpPr>
+            <a:cxnSpLocks/>
+            <a:endCxn id="77" idx="2"/>
+          </p:cNvCxnSpPr>
+          <p:nvPr/>
+        </p:nvCxnSpPr>
+        <p:spPr>
+          <a:xfrm flipV="1">
+            <a:off x="5699126" y="4324569"/>
+            <a:ext cx="23780" cy="5858957"/>
+          </a:xfrm>
+          <a:prstGeom prst="straightConnector1">
+            <a:avLst/>
+          </a:prstGeom>
+          <a:ln>
+            <a:tailEnd type="triangle"/>
+          </a:ln>
+        </p:spPr>
+        <p:style>
+          <a:lnRef idx="1">
+            <a:schemeClr val="accent1"/>
+          </a:lnRef>
+          <a:fillRef idx="0">
+            <a:schemeClr val="accent1"/>
+          </a:fillRef>
+          <a:effectRef idx="0">
+            <a:schemeClr val="accent1"/>
+          </a:effectRef>
+          <a:fontRef idx="minor">
+            <a:schemeClr val="tx1"/>
+          </a:fontRef>
+        </p:style>
+      </p:cxnSp>
+      <p:sp>
+        <p:nvSpPr>
+          <p:cNvPr id="57" name="Fluxograma: Decisão 56">
+            <a:extLst>
+              <a:ext uri="{FF2B5EF4-FFF2-40B4-BE49-F238E27FC236}">
+                <a16:creationId xmlns:a16="http://schemas.microsoft.com/office/drawing/2014/main" id="{F4418B24-864A-4419-8352-F8E43C61E7C4}"/>
+              </a:ext>
+            </a:extLst>
+          </p:cNvPr>
+          <p:cNvSpPr/>
+          <p:nvPr/>
+        </p:nvSpPr>
+        <p:spPr>
+          <a:xfrm>
+            <a:off x="1106600" y="5605137"/>
+            <a:ext cx="1476377" cy="723900"/>
+          </a:xfrm>
+          <a:prstGeom prst="flowChartDecision">
+            <a:avLst/>
+          </a:prstGeom>
+          <a:solidFill>
+            <a:schemeClr val="accent1">
+              <a:lumMod val="40000"/>
+              <a:lumOff val="60000"/>
+            </a:schemeClr>
+          </a:solidFill>
+          <a:ln w="19050">
+            <a:solidFill>
+              <a:schemeClr val="accent1">
+                <a:lumMod val="75000"/>
+              </a:schemeClr>
+            </a:solidFill>
+          </a:ln>
+        </p:spPr>
+        <p:style>
+          <a:lnRef idx="2">
+            <a:schemeClr val="accent1">
+              <a:shade val="50000"/>
+            </a:schemeClr>
+          </a:lnRef>
+          <a:fillRef idx="1">
+            <a:schemeClr val="accent1"/>
+          </a:fillRef>
+          <a:effectRef idx="0">
+            <a:schemeClr val="accent1"/>
+          </a:effectRef>
+          <a:fontRef idx="minor">
+            <a:schemeClr val="lt1"/>
+          </a:fontRef>
+        </p:style>
+        <p:txBody>
+          <a:bodyPr rtlCol="0" anchor="ctr"/>
+          <a:lstStyle/>
+          <a:p>
+            <a:pPr algn="ctr"/>
+            <a:r>
+              <a:rPr lang="pt-BR" sz="900" dirty="0">
+                <a:solidFill>
+                  <a:schemeClr val="tx1"/>
+                </a:solidFill>
+              </a:rPr>
+              <a:t>Sensor está enviando dados?</a:t>
+            </a:r>
+          </a:p>
+        </p:txBody>
+      </p:sp>
+      <p:cxnSp>
+        <p:nvCxnSpPr>
+          <p:cNvPr id="58" name="Conector de Seta Reta 57">
+            <a:extLst>
+              <a:ext uri="{FF2B5EF4-FFF2-40B4-BE49-F238E27FC236}">
+                <a16:creationId xmlns:a16="http://schemas.microsoft.com/office/drawing/2014/main" id="{28FB3A79-E7BB-4B4E-9408-9318EEAE4D27}"/>
+              </a:ext>
+            </a:extLst>
+          </p:cNvPr>
+          <p:cNvCxnSpPr>
+            <a:cxnSpLocks/>
+          </p:cNvCxnSpPr>
+          <p:nvPr/>
+        </p:nvCxnSpPr>
+        <p:spPr>
+          <a:xfrm>
+            <a:off x="2536142" y="5966650"/>
+            <a:ext cx="476247" cy="17"/>
+          </a:xfrm>
+          <a:prstGeom prst="straightConnector1">
+            <a:avLst/>
+          </a:prstGeom>
+          <a:ln>
+            <a:tailEnd type="triangle"/>
+          </a:ln>
+        </p:spPr>
+        <p:style>
+          <a:lnRef idx="1">
+            <a:schemeClr val="accent1"/>
+          </a:lnRef>
+          <a:fillRef idx="0">
+            <a:schemeClr val="accent1"/>
+          </a:fillRef>
+          <a:effectRef idx="0">
+            <a:schemeClr val="accent1"/>
+          </a:effectRef>
+          <a:fontRef idx="minor">
+            <a:schemeClr val="tx1"/>
+          </a:fontRef>
+        </p:style>
+      </p:cxnSp>
+      <p:sp>
+        <p:nvSpPr>
+          <p:cNvPr id="65" name="CaixaDeTexto 64">
+            <a:extLst>
+              <a:ext uri="{FF2B5EF4-FFF2-40B4-BE49-F238E27FC236}">
+                <a16:creationId xmlns:a16="http://schemas.microsoft.com/office/drawing/2014/main" id="{8657C3C7-1E0B-41C9-863F-768514F7293E}"/>
+              </a:ext>
+            </a:extLst>
+          </p:cNvPr>
+          <p:cNvSpPr txBox="1"/>
+          <p:nvPr/>
+        </p:nvSpPr>
+        <p:spPr>
+          <a:xfrm>
+            <a:off x="2487714" y="5738700"/>
+            <a:ext cx="732631" cy="261610"/>
+          </a:xfrm>
+          <a:prstGeom prst="rect">
+            <a:avLst/>
+          </a:prstGeom>
+          <a:noFill/>
+        </p:spPr>
+        <p:txBody>
+          <a:bodyPr wrap="square" rtlCol="0">
+            <a:spAutoFit/>
+          </a:bodyPr>
+          <a:lstStyle/>
+          <a:p>
+            <a:r>
+              <a:rPr lang="pt-BR" sz="1100" b="1" dirty="0"/>
+              <a:t>Não</a:t>
+            </a:r>
+          </a:p>
+        </p:txBody>
+      </p:sp>
+      <p:sp>
+        <p:nvSpPr>
+          <p:cNvPr id="66" name="Fluxograma: Processo Predefinido 65">
+            <a:extLst>
+              <a:ext uri="{FF2B5EF4-FFF2-40B4-BE49-F238E27FC236}">
+                <a16:creationId xmlns:a16="http://schemas.microsoft.com/office/drawing/2014/main" id="{536977DB-5730-456F-A486-0121B1E4E894}"/>
+              </a:ext>
+            </a:extLst>
+          </p:cNvPr>
+          <p:cNvSpPr/>
+          <p:nvPr/>
+        </p:nvSpPr>
+        <p:spPr>
+          <a:xfrm>
+            <a:off x="3044810" y="5605137"/>
+            <a:ext cx="1343024" cy="723900"/>
+          </a:xfrm>
+          <a:prstGeom prst="flowChartPredefinedProcess">
+            <a:avLst/>
+          </a:prstGeom>
+          <a:solidFill>
+            <a:srgbClr val="B4C7E7"/>
+          </a:solidFill>
+          <a:ln w="19050">
+            <a:solidFill>
+              <a:srgbClr val="2F5597"/>
+            </a:solidFill>
+          </a:ln>
+        </p:spPr>
+        <p:style>
+          <a:lnRef idx="2">
+            <a:schemeClr val="accent1">
+              <a:shade val="50000"/>
+            </a:schemeClr>
+          </a:lnRef>
+          <a:fillRef idx="1">
+            <a:schemeClr val="accent1"/>
+          </a:fillRef>
+          <a:effectRef idx="0">
+            <a:schemeClr val="accent1"/>
+          </a:effectRef>
+          <a:fontRef idx="minor">
+            <a:schemeClr val="lt1"/>
+          </a:fontRef>
+        </p:style>
+        <p:txBody>
+          <a:bodyPr rtlCol="0" anchor="ctr"/>
+          <a:lstStyle/>
+          <a:p>
+            <a:pPr algn="ctr"/>
+            <a:r>
+              <a:rPr lang="pt-BR" sz="900" dirty="0">
+                <a:solidFill>
+                  <a:schemeClr val="tx1"/>
+                </a:solidFill>
+              </a:rPr>
+              <a:t>Reiniciar aplicação</a:t>
+            </a:r>
+          </a:p>
+        </p:txBody>
+      </p:sp>
+      <p:sp>
+        <p:nvSpPr>
+          <p:cNvPr id="80" name="CaixaDeTexto 79">
+            <a:extLst>
+              <a:ext uri="{FF2B5EF4-FFF2-40B4-BE49-F238E27FC236}">
+                <a16:creationId xmlns:a16="http://schemas.microsoft.com/office/drawing/2014/main" id="{24CA7EF3-27EC-4C76-AFD6-3569CC23B2D3}"/>
+              </a:ext>
+            </a:extLst>
+          </p:cNvPr>
+          <p:cNvSpPr txBox="1"/>
+          <p:nvPr/>
+        </p:nvSpPr>
+        <p:spPr>
+          <a:xfrm>
+            <a:off x="1814518" y="6331998"/>
+            <a:ext cx="732631" cy="261610"/>
+          </a:xfrm>
+          <a:prstGeom prst="rect">
+            <a:avLst/>
+          </a:prstGeom>
+          <a:noFill/>
+        </p:spPr>
+        <p:txBody>
+          <a:bodyPr wrap="square" rtlCol="0">
+            <a:spAutoFit/>
+          </a:bodyPr>
+          <a:lstStyle/>
+          <a:p>
+            <a:r>
+              <a:rPr lang="pt-BR" sz="1100" b="1" dirty="0"/>
+              <a:t>Sim</a:t>
+            </a:r>
+          </a:p>
+        </p:txBody>
+      </p:sp>
+      <p:sp>
+        <p:nvSpPr>
+          <p:cNvPr id="68" name="Retângulo 67">
+            <a:extLst>
+              <a:ext uri="{FF2B5EF4-FFF2-40B4-BE49-F238E27FC236}">
+                <a16:creationId xmlns:a16="http://schemas.microsoft.com/office/drawing/2014/main" id="{5BB895FB-0C1C-4EB4-9294-4A3595CD059B}"/>
+              </a:ext>
+            </a:extLst>
+          </p:cNvPr>
+          <p:cNvSpPr/>
+          <p:nvPr/>
+        </p:nvSpPr>
+        <p:spPr>
+          <a:xfrm>
+            <a:off x="1096686" y="2001435"/>
+            <a:ext cx="1476376" cy="505770"/>
+          </a:xfrm>
+          <a:prstGeom prst="rect">
+            <a:avLst/>
+          </a:prstGeom>
+          <a:solidFill>
+            <a:schemeClr val="accent1">
+              <a:lumMod val="40000"/>
+              <a:lumOff val="60000"/>
+            </a:schemeClr>
+          </a:solidFill>
+          <a:ln w="19050">
+            <a:solidFill>
+              <a:schemeClr val="accent1">
+                <a:lumMod val="75000"/>
+              </a:schemeClr>
+            </a:solidFill>
+          </a:ln>
+        </p:spPr>
+        <p:style>
+          <a:lnRef idx="2">
+            <a:schemeClr val="accent1">
+              <a:shade val="50000"/>
+            </a:schemeClr>
+          </a:lnRef>
+          <a:fillRef idx="1">
+            <a:schemeClr val="accent1"/>
+          </a:fillRef>
+          <a:effectRef idx="0">
+            <a:schemeClr val="accent1"/>
+          </a:effectRef>
+          <a:fontRef idx="minor">
+            <a:schemeClr val="lt1"/>
+          </a:fontRef>
+        </p:style>
+        <p:txBody>
+          <a:bodyPr rtlCol="0" anchor="ctr"/>
+          <a:lstStyle/>
+          <a:p>
+            <a:pPr algn="ctr"/>
+            <a:r>
+              <a:rPr lang="pt-BR" sz="900" dirty="0">
+                <a:solidFill>
+                  <a:schemeClr val="tx1"/>
+                </a:solidFill>
+              </a:rPr>
+              <a:t>Registro e Documentação</a:t>
+            </a:r>
+          </a:p>
+        </p:txBody>
+      </p:sp>
+      <p:cxnSp>
+        <p:nvCxnSpPr>
+          <p:cNvPr id="75" name="Conector de Seta Reta 74">
+            <a:extLst>
+              <a:ext uri="{FF2B5EF4-FFF2-40B4-BE49-F238E27FC236}">
+                <a16:creationId xmlns:a16="http://schemas.microsoft.com/office/drawing/2014/main" id="{C7AABE9A-6B1D-4479-A9CC-0171F497E505}"/>
+              </a:ext>
+            </a:extLst>
+          </p:cNvPr>
+          <p:cNvCxnSpPr>
+            <a:cxnSpLocks/>
+            <a:stCxn id="68" idx="2"/>
+          </p:cNvCxnSpPr>
+          <p:nvPr/>
+        </p:nvCxnSpPr>
+        <p:spPr>
+          <a:xfrm>
+            <a:off x="1834874" y="2507205"/>
+            <a:ext cx="1" cy="187625"/>
+          </a:xfrm>
+          <a:prstGeom prst="straightConnector1">
+            <a:avLst/>
+          </a:prstGeom>
+          <a:ln>
+            <a:tailEnd type="triangle"/>
+          </a:ln>
+        </p:spPr>
+        <p:style>
+          <a:lnRef idx="1">
+            <a:schemeClr val="accent1"/>
+          </a:lnRef>
+          <a:fillRef idx="0">
+            <a:schemeClr val="accent1"/>
+          </a:fillRef>
+          <a:effectRef idx="0">
+            <a:schemeClr val="accent1"/>
+          </a:effectRef>
+          <a:fontRef idx="minor">
+            <a:schemeClr val="tx1"/>
+          </a:fontRef>
+        </p:style>
+      </p:cxnSp>
+      <p:cxnSp>
+        <p:nvCxnSpPr>
+          <p:cNvPr id="82" name="Conector de Seta Reta 81">
+            <a:extLst>
+              <a:ext uri="{FF2B5EF4-FFF2-40B4-BE49-F238E27FC236}">
+                <a16:creationId xmlns:a16="http://schemas.microsoft.com/office/drawing/2014/main" id="{B06E8CE1-8F6A-402C-9908-967406F9E774}"/>
+              </a:ext>
+            </a:extLst>
+          </p:cNvPr>
+          <p:cNvCxnSpPr>
+            <a:cxnSpLocks/>
+          </p:cNvCxnSpPr>
+          <p:nvPr/>
+        </p:nvCxnSpPr>
+        <p:spPr>
+          <a:xfrm>
+            <a:off x="4390367" y="5966667"/>
+            <a:ext cx="1346200" cy="0"/>
+          </a:xfrm>
+          <a:prstGeom prst="straightConnector1">
+            <a:avLst/>
+          </a:prstGeom>
+          <a:ln>
+            <a:tailEnd type="triangle"/>
+          </a:ln>
+        </p:spPr>
+        <p:style>
+          <a:lnRef idx="1">
+            <a:schemeClr val="accent1"/>
+          </a:lnRef>
+          <a:fillRef idx="0">
+            <a:schemeClr val="accent1"/>
+          </a:fillRef>
+          <a:effectRef idx="0">
+            <a:schemeClr val="accent1"/>
+          </a:effectRef>
+          <a:fontRef idx="minor">
+            <a:schemeClr val="tx1"/>
+          </a:fontRef>
+        </p:style>
+      </p:cxnSp>
+      <p:cxnSp>
+        <p:nvCxnSpPr>
+          <p:cNvPr id="83" name="Conector de Seta Reta 82">
+            <a:extLst>
+              <a:ext uri="{FF2B5EF4-FFF2-40B4-BE49-F238E27FC236}">
+                <a16:creationId xmlns:a16="http://schemas.microsoft.com/office/drawing/2014/main" id="{17A789DA-9252-46A0-BDE4-AA3B8DD3359D}"/>
+              </a:ext>
+            </a:extLst>
+          </p:cNvPr>
+          <p:cNvCxnSpPr>
+            <a:cxnSpLocks/>
+            <a:endCxn id="90" idx="0"/>
+          </p:cNvCxnSpPr>
+          <p:nvPr/>
+        </p:nvCxnSpPr>
+        <p:spPr>
+          <a:xfrm>
+            <a:off x="1874152" y="8423292"/>
+            <a:ext cx="0" cy="361961"/>
+          </a:xfrm>
+          <a:prstGeom prst="straightConnector1">
+            <a:avLst/>
+          </a:prstGeom>
+          <a:ln>
+            <a:tailEnd type="triangle"/>
+          </a:ln>
+        </p:spPr>
+        <p:style>
+          <a:lnRef idx="1">
+            <a:schemeClr val="accent1"/>
+          </a:lnRef>
+          <a:fillRef idx="0">
+            <a:schemeClr val="accent1"/>
+          </a:fillRef>
+          <a:effectRef idx="0">
+            <a:schemeClr val="accent1"/>
+          </a:effectRef>
+          <a:fontRef idx="minor">
+            <a:schemeClr val="tx1"/>
+          </a:fontRef>
+        </p:style>
+      </p:cxnSp>
+      <p:sp>
+        <p:nvSpPr>
+          <p:cNvPr id="90" name="Fluxograma: Decisão 89">
+            <a:extLst>
+              <a:ext uri="{FF2B5EF4-FFF2-40B4-BE49-F238E27FC236}">
+                <a16:creationId xmlns:a16="http://schemas.microsoft.com/office/drawing/2014/main" id="{D9F32F10-27D7-4A0B-A4B1-E68AD40DBEF1}"/>
+              </a:ext>
+            </a:extLst>
+          </p:cNvPr>
+          <p:cNvSpPr/>
+          <p:nvPr/>
+        </p:nvSpPr>
+        <p:spPr>
+          <a:xfrm>
+            <a:off x="1077652" y="8785253"/>
+            <a:ext cx="1592999" cy="723900"/>
+          </a:xfrm>
+          <a:prstGeom prst="flowChartDecision">
+            <a:avLst/>
+          </a:prstGeom>
+          <a:solidFill>
+            <a:schemeClr val="accent1">
+              <a:lumMod val="40000"/>
+              <a:lumOff val="60000"/>
+            </a:schemeClr>
+          </a:solidFill>
+          <a:ln w="19050">
+            <a:solidFill>
+              <a:schemeClr val="accent1">
+                <a:lumMod val="75000"/>
+              </a:schemeClr>
+            </a:solidFill>
+          </a:ln>
+        </p:spPr>
+        <p:style>
+          <a:lnRef idx="2">
+            <a:schemeClr val="accent1">
+              <a:shade val="50000"/>
+            </a:schemeClr>
+          </a:lnRef>
+          <a:fillRef idx="1">
+            <a:schemeClr val="accent1"/>
+          </a:fillRef>
+          <a:effectRef idx="0">
+            <a:schemeClr val="accent1"/>
+          </a:effectRef>
+          <a:fontRef idx="minor">
+            <a:schemeClr val="lt1"/>
+          </a:fontRef>
+        </p:style>
+        <p:txBody>
+          <a:bodyPr rtlCol="0" anchor="ctr"/>
+          <a:lstStyle/>
+          <a:p>
+            <a:pPr algn="ctr"/>
+            <a:r>
+              <a:rPr lang="pt-BR" sz="900" dirty="0">
+                <a:solidFill>
+                  <a:schemeClr val="tx1"/>
+                </a:solidFill>
+              </a:rPr>
+              <a:t>Periféricos danificados?</a:t>
+            </a:r>
+          </a:p>
+        </p:txBody>
+      </p:sp>
+      <p:sp>
+        <p:nvSpPr>
+          <p:cNvPr id="130" name="Retângulo 129">
+            <a:extLst>
+              <a:ext uri="{FF2B5EF4-FFF2-40B4-BE49-F238E27FC236}">
+                <a16:creationId xmlns:a16="http://schemas.microsoft.com/office/drawing/2014/main" id="{695AD63B-456C-4FD5-B763-55BB6005A602}"/>
+              </a:ext>
+            </a:extLst>
+          </p:cNvPr>
+          <p:cNvSpPr/>
+          <p:nvPr/>
+        </p:nvSpPr>
+        <p:spPr>
+          <a:xfrm>
+            <a:off x="3079059" y="224015"/>
+            <a:ext cx="2841419" cy="769441"/>
+          </a:xfrm>
+          <a:prstGeom prst="rect">
+            <a:avLst/>
+          </a:prstGeom>
+          <a:noFill/>
+        </p:spPr>
+        <p:txBody>
+          <a:bodyPr wrap="none" lIns="91440" tIns="45720" rIns="91440" bIns="45720">
+            <a:spAutoFit/>
+          </a:bodyPr>
+          <a:lstStyle/>
+          <a:p>
+            <a:pPr algn="ctr"/>
+            <a:r>
+              <a:rPr lang="pt-BR" sz="4400" b="0" cap="none" spc="0" dirty="0">
+                <a:ln w="0"/>
+                <a:solidFill>
+                  <a:schemeClr val="tx1"/>
+                </a:solidFill>
+                <a:effectLst>
+                  <a:outerShdw blurRad="38100" dist="19050" dir="2700000" algn="tl" rotWithShape="0">
+                    <a:schemeClr val="dk1">
+                      <a:alpha val="40000"/>
+                    </a:schemeClr>
+                  </a:outerShdw>
+                </a:effectLst>
+              </a:rPr>
+              <a:t>Fluxograma</a:t>
+            </a:r>
+          </a:p>
+        </p:txBody>
+      </p:sp>
+      <p:sp>
+        <p:nvSpPr>
+          <p:cNvPr id="71" name="Fluxograma: Processo Predefinido 70">
+            <a:extLst>
+              <a:ext uri="{FF2B5EF4-FFF2-40B4-BE49-F238E27FC236}">
+                <a16:creationId xmlns:a16="http://schemas.microsoft.com/office/drawing/2014/main" id="{4D7346D6-A224-49DE-B5E7-B74245448F80}"/>
+              </a:ext>
+            </a:extLst>
+          </p:cNvPr>
+          <p:cNvSpPr/>
+          <p:nvPr/>
+        </p:nvSpPr>
+        <p:spPr>
+          <a:xfrm>
+            <a:off x="3048396" y="3615909"/>
+            <a:ext cx="1343024" cy="723900"/>
+          </a:xfrm>
+          <a:prstGeom prst="flowChartPredefinedProcess">
+            <a:avLst/>
+          </a:prstGeom>
+          <a:solidFill>
+            <a:srgbClr val="B4C7E7"/>
+          </a:solidFill>
+          <a:ln w="19050">
+            <a:solidFill>
+              <a:srgbClr val="2F5597"/>
+            </a:solidFill>
+          </a:ln>
+        </p:spPr>
+        <p:style>
+          <a:lnRef idx="2">
+            <a:schemeClr val="accent1">
+              <a:shade val="50000"/>
+            </a:schemeClr>
+          </a:lnRef>
+          <a:fillRef idx="1">
+            <a:schemeClr val="accent1"/>
+          </a:fillRef>
+          <a:effectRef idx="0">
+            <a:schemeClr val="accent1"/>
+          </a:effectRef>
+          <a:fontRef idx="minor">
+            <a:schemeClr val="lt1"/>
+          </a:fontRef>
+        </p:style>
+        <p:txBody>
+          <a:bodyPr rtlCol="0" anchor="ctr"/>
+          <a:lstStyle/>
+          <a:p>
+            <a:pPr algn="ctr"/>
+            <a:r>
+              <a:rPr lang="pt-BR" sz="900" dirty="0">
+                <a:solidFill>
+                  <a:schemeClr val="tx1"/>
+                </a:solidFill>
+              </a:rPr>
+              <a:t>Atualizar dados</a:t>
+            </a:r>
+          </a:p>
+        </p:txBody>
+      </p:sp>
+      <p:sp>
+        <p:nvSpPr>
+          <p:cNvPr id="73" name="Fluxograma: Processo Predefinido 72">
+            <a:extLst>
+              <a:ext uri="{FF2B5EF4-FFF2-40B4-BE49-F238E27FC236}">
+                <a16:creationId xmlns:a16="http://schemas.microsoft.com/office/drawing/2014/main" id="{76D44E85-BF67-4C2D-9656-F775D21B107D}"/>
+              </a:ext>
+            </a:extLst>
+          </p:cNvPr>
+          <p:cNvSpPr/>
+          <p:nvPr/>
+        </p:nvSpPr>
+        <p:spPr>
+          <a:xfrm>
+            <a:off x="3057524" y="6690343"/>
+            <a:ext cx="1343024" cy="723900"/>
+          </a:xfrm>
+          <a:prstGeom prst="flowChartPredefinedProcess">
+            <a:avLst/>
+          </a:prstGeom>
+          <a:solidFill>
+            <a:srgbClr val="B4C7E7"/>
+          </a:solidFill>
+          <a:ln w="19050">
+            <a:solidFill>
+              <a:srgbClr val="2F5597"/>
+            </a:solidFill>
+          </a:ln>
+        </p:spPr>
+        <p:style>
+          <a:lnRef idx="2">
+            <a:schemeClr val="accent1">
+              <a:shade val="50000"/>
+            </a:schemeClr>
+          </a:lnRef>
+          <a:fillRef idx="1">
+            <a:schemeClr val="accent1"/>
+          </a:fillRef>
+          <a:effectRef idx="0">
+            <a:schemeClr val="accent1"/>
+          </a:effectRef>
+          <a:fontRef idx="minor">
+            <a:schemeClr val="lt1"/>
+          </a:fontRef>
+        </p:style>
+        <p:txBody>
+          <a:bodyPr rtlCol="0" anchor="ctr"/>
+          <a:lstStyle/>
+          <a:p>
+            <a:pPr algn="ctr"/>
+            <a:r>
+              <a:rPr lang="pt-BR" sz="900" dirty="0">
+                <a:solidFill>
+                  <a:schemeClr val="tx1"/>
+                </a:solidFill>
+              </a:rPr>
+              <a:t>Atualizar a aplicação</a:t>
+            </a:r>
+          </a:p>
+        </p:txBody>
+      </p:sp>
+      <p:cxnSp>
+        <p:nvCxnSpPr>
+          <p:cNvPr id="12" name="Conector de Seta Reta 11">
+            <a:extLst>
+              <a:ext uri="{FF2B5EF4-FFF2-40B4-BE49-F238E27FC236}">
+                <a16:creationId xmlns:a16="http://schemas.microsoft.com/office/drawing/2014/main" id="{596A6938-CD63-4158-9A7B-A948E790CABB}"/>
+              </a:ext>
+            </a:extLst>
+          </p:cNvPr>
+          <p:cNvCxnSpPr>
+            <a:cxnSpLocks/>
+            <a:stCxn id="73" idx="0"/>
+          </p:cNvCxnSpPr>
+          <p:nvPr/>
+        </p:nvCxnSpPr>
+        <p:spPr>
+          <a:xfrm flipV="1">
+            <a:off x="3729036" y="6330954"/>
+            <a:ext cx="0" cy="359389"/>
+          </a:xfrm>
+          <a:prstGeom prst="straightConnector1">
+            <a:avLst/>
+          </a:prstGeom>
+          <a:ln>
+            <a:tailEnd type="triangle"/>
+          </a:ln>
+        </p:spPr>
+        <p:style>
+          <a:lnRef idx="1">
+            <a:schemeClr val="accent1"/>
+          </a:lnRef>
+          <a:fillRef idx="0">
+            <a:schemeClr val="accent1"/>
+          </a:fillRef>
+          <a:effectRef idx="0">
+            <a:schemeClr val="accent1"/>
+          </a:effectRef>
+          <a:fontRef idx="minor">
+            <a:schemeClr val="tx1"/>
+          </a:fontRef>
+        </p:style>
+      </p:cxnSp>
+      <p:sp>
+        <p:nvSpPr>
+          <p:cNvPr id="81" name="Fluxograma: Decisão 80">
+            <a:extLst>
+              <a:ext uri="{FF2B5EF4-FFF2-40B4-BE49-F238E27FC236}">
+                <a16:creationId xmlns:a16="http://schemas.microsoft.com/office/drawing/2014/main" id="{23688BEE-37DF-415B-8D3E-C4AE3B2F785F}"/>
+              </a:ext>
+            </a:extLst>
+          </p:cNvPr>
+          <p:cNvSpPr/>
+          <p:nvPr/>
+        </p:nvSpPr>
+        <p:spPr>
+          <a:xfrm>
+            <a:off x="1104288" y="6590003"/>
+            <a:ext cx="1476377" cy="723900"/>
+          </a:xfrm>
+          <a:prstGeom prst="flowChartDecision">
+            <a:avLst/>
+          </a:prstGeom>
+          <a:solidFill>
+            <a:schemeClr val="accent1">
+              <a:lumMod val="40000"/>
+              <a:lumOff val="60000"/>
+            </a:schemeClr>
+          </a:solidFill>
+          <a:ln w="19050">
+            <a:solidFill>
+              <a:schemeClr val="accent1">
+                <a:lumMod val="75000"/>
+              </a:schemeClr>
+            </a:solidFill>
+          </a:ln>
+        </p:spPr>
+        <p:style>
+          <a:lnRef idx="2">
+            <a:schemeClr val="accent1">
+              <a:shade val="50000"/>
+            </a:schemeClr>
+          </a:lnRef>
+          <a:fillRef idx="1">
+            <a:schemeClr val="accent1"/>
+          </a:fillRef>
+          <a:effectRef idx="0">
+            <a:schemeClr val="accent1"/>
+          </a:effectRef>
+          <a:fontRef idx="minor">
+            <a:schemeClr val="lt1"/>
+          </a:fontRef>
+        </p:style>
+        <p:txBody>
+          <a:bodyPr rtlCol="0" anchor="ctr"/>
+          <a:lstStyle/>
+          <a:p>
+            <a:pPr algn="ctr"/>
+            <a:r>
+              <a:rPr lang="pt-BR" sz="900" dirty="0">
+                <a:solidFill>
+                  <a:schemeClr val="tx1"/>
+                </a:solidFill>
+              </a:rPr>
+              <a:t>Sensor está recebendo dados?</a:t>
+            </a:r>
+          </a:p>
+        </p:txBody>
+      </p:sp>
+      <p:cxnSp>
+        <p:nvCxnSpPr>
+          <p:cNvPr id="84" name="Conector de Seta Reta 83">
+            <a:extLst>
+              <a:ext uri="{FF2B5EF4-FFF2-40B4-BE49-F238E27FC236}">
+                <a16:creationId xmlns:a16="http://schemas.microsoft.com/office/drawing/2014/main" id="{64374F5D-A9E1-41B3-AF81-A30F02BC4C26}"/>
+              </a:ext>
+            </a:extLst>
+          </p:cNvPr>
+          <p:cNvCxnSpPr>
+            <a:cxnSpLocks/>
+            <a:stCxn id="57" idx="2"/>
+            <a:endCxn id="81" idx="0"/>
+          </p:cNvCxnSpPr>
+          <p:nvPr/>
+        </p:nvCxnSpPr>
+        <p:spPr>
+          <a:xfrm flipH="1">
+            <a:off x="1842477" y="6329037"/>
+            <a:ext cx="2312" cy="260966"/>
+          </a:xfrm>
+          <a:prstGeom prst="straightConnector1">
+            <a:avLst/>
+          </a:prstGeom>
+          <a:ln>
+            <a:tailEnd type="triangle"/>
+          </a:ln>
+        </p:spPr>
+        <p:style>
+          <a:lnRef idx="1">
+            <a:schemeClr val="accent1"/>
+          </a:lnRef>
+          <a:fillRef idx="0">
+            <a:schemeClr val="accent1"/>
+          </a:fillRef>
+          <a:effectRef idx="0">
+            <a:schemeClr val="accent1"/>
+          </a:effectRef>
+          <a:fontRef idx="minor">
+            <a:schemeClr val="tx1"/>
+          </a:fontRef>
+        </p:style>
+      </p:cxnSp>
+      <p:cxnSp>
+        <p:nvCxnSpPr>
+          <p:cNvPr id="85" name="Conector de Seta Reta 84">
+            <a:extLst>
+              <a:ext uri="{FF2B5EF4-FFF2-40B4-BE49-F238E27FC236}">
+                <a16:creationId xmlns:a16="http://schemas.microsoft.com/office/drawing/2014/main" id="{524C41D2-9EBF-4A95-BD6C-E02119423C6E}"/>
+              </a:ext>
+            </a:extLst>
+          </p:cNvPr>
+          <p:cNvCxnSpPr>
+            <a:cxnSpLocks/>
+          </p:cNvCxnSpPr>
+          <p:nvPr/>
+        </p:nvCxnSpPr>
+        <p:spPr>
+          <a:xfrm>
+            <a:off x="2591594" y="6950742"/>
+            <a:ext cx="476247" cy="17"/>
+          </a:xfrm>
+          <a:prstGeom prst="straightConnector1">
+            <a:avLst/>
+          </a:prstGeom>
+          <a:ln>
+            <a:tailEnd type="triangle"/>
+          </a:ln>
+        </p:spPr>
+        <p:style>
+          <a:lnRef idx="1">
+            <a:schemeClr val="accent1"/>
+          </a:lnRef>
+          <a:fillRef idx="0">
+            <a:schemeClr val="accent1"/>
+          </a:fillRef>
+          <a:effectRef idx="0">
+            <a:schemeClr val="accent1"/>
+          </a:effectRef>
+          <a:fontRef idx="minor">
+            <a:schemeClr val="tx1"/>
+          </a:fontRef>
+        </p:style>
+      </p:cxnSp>
+      <p:sp>
+        <p:nvSpPr>
+          <p:cNvPr id="86" name="CaixaDeTexto 85">
+            <a:extLst>
+              <a:ext uri="{FF2B5EF4-FFF2-40B4-BE49-F238E27FC236}">
+                <a16:creationId xmlns:a16="http://schemas.microsoft.com/office/drawing/2014/main" id="{6E3E5447-F2F7-474F-8EAD-75C5FDCBF73D}"/>
+              </a:ext>
+            </a:extLst>
+          </p:cNvPr>
+          <p:cNvSpPr txBox="1"/>
+          <p:nvPr/>
+        </p:nvSpPr>
+        <p:spPr>
+          <a:xfrm>
+            <a:off x="2468611" y="6717317"/>
+            <a:ext cx="732631" cy="261610"/>
+          </a:xfrm>
+          <a:prstGeom prst="rect">
+            <a:avLst/>
+          </a:prstGeom>
+          <a:noFill/>
+        </p:spPr>
+        <p:txBody>
+          <a:bodyPr wrap="square" rtlCol="0">
+            <a:spAutoFit/>
+          </a:bodyPr>
+          <a:lstStyle/>
+          <a:p>
+            <a:r>
+              <a:rPr lang="pt-BR" sz="1100" b="1" dirty="0"/>
+              <a:t>Não</a:t>
+            </a:r>
+          </a:p>
+        </p:txBody>
+      </p:sp>
+      <p:sp>
+        <p:nvSpPr>
+          <p:cNvPr id="87" name="CaixaDeTexto 86">
+            <a:extLst>
+              <a:ext uri="{FF2B5EF4-FFF2-40B4-BE49-F238E27FC236}">
+                <a16:creationId xmlns:a16="http://schemas.microsoft.com/office/drawing/2014/main" id="{B68DB1AD-5764-45C4-B5AE-3F1329DF364F}"/>
+              </a:ext>
+            </a:extLst>
+          </p:cNvPr>
+          <p:cNvSpPr txBox="1"/>
+          <p:nvPr/>
+        </p:nvSpPr>
+        <p:spPr>
+          <a:xfrm>
+            <a:off x="1838376" y="7212815"/>
+            <a:ext cx="732631" cy="261610"/>
+          </a:xfrm>
+          <a:prstGeom prst="rect">
+            <a:avLst/>
+          </a:prstGeom>
+          <a:noFill/>
+        </p:spPr>
+        <p:txBody>
+          <a:bodyPr wrap="square" rtlCol="0">
+            <a:spAutoFit/>
+          </a:bodyPr>
+          <a:lstStyle/>
+          <a:p>
+            <a:r>
+              <a:rPr lang="pt-BR" sz="1100" b="1" dirty="0"/>
+              <a:t>Sim</a:t>
+            </a:r>
+          </a:p>
+        </p:txBody>
+      </p:sp>
+      <p:sp>
+        <p:nvSpPr>
+          <p:cNvPr id="89" name="Retângulo 88">
+            <a:extLst>
+              <a:ext uri="{FF2B5EF4-FFF2-40B4-BE49-F238E27FC236}">
+                <a16:creationId xmlns:a16="http://schemas.microsoft.com/office/drawing/2014/main" id="{522AD900-D3B8-406E-8C5C-757E4A7E0534}"/>
+              </a:ext>
+            </a:extLst>
+          </p:cNvPr>
+          <p:cNvSpPr/>
+          <p:nvPr/>
+        </p:nvSpPr>
+        <p:spPr>
+          <a:xfrm>
+            <a:off x="1104289" y="9930641"/>
+            <a:ext cx="1476376" cy="505770"/>
+          </a:xfrm>
+          <a:prstGeom prst="rect">
+            <a:avLst/>
+          </a:prstGeom>
+          <a:solidFill>
+            <a:schemeClr val="accent1">
+              <a:lumMod val="40000"/>
+              <a:lumOff val="60000"/>
+            </a:schemeClr>
+          </a:solidFill>
+          <a:ln w="19050">
+            <a:solidFill>
+              <a:schemeClr val="accent1">
+                <a:lumMod val="75000"/>
+              </a:schemeClr>
+            </a:solidFill>
+          </a:ln>
+        </p:spPr>
+        <p:style>
+          <a:lnRef idx="2">
+            <a:schemeClr val="accent1">
+              <a:shade val="50000"/>
+            </a:schemeClr>
+          </a:lnRef>
+          <a:fillRef idx="1">
+            <a:schemeClr val="accent1"/>
+          </a:fillRef>
+          <a:effectRef idx="0">
+            <a:schemeClr val="accent1"/>
+          </a:effectRef>
+          <a:fontRef idx="minor">
+            <a:schemeClr val="lt1"/>
+          </a:fontRef>
+        </p:style>
+        <p:txBody>
+          <a:bodyPr rtlCol="0" anchor="ctr"/>
+          <a:lstStyle/>
+          <a:p>
+            <a:pPr algn="ctr"/>
+            <a:r>
+              <a:rPr lang="pt-BR" sz="900" dirty="0">
+                <a:solidFill>
+                  <a:schemeClr val="tx1"/>
+                </a:solidFill>
+              </a:rPr>
+              <a:t>Técnico no Cliente</a:t>
+            </a:r>
+          </a:p>
+        </p:txBody>
+      </p:sp>
+      <p:cxnSp>
+        <p:nvCxnSpPr>
+          <p:cNvPr id="91" name="Conector de Seta Reta 90">
+            <a:extLst>
+              <a:ext uri="{FF2B5EF4-FFF2-40B4-BE49-F238E27FC236}">
+                <a16:creationId xmlns:a16="http://schemas.microsoft.com/office/drawing/2014/main" id="{48459D76-8F2F-4497-82ED-70BE2B1EC502}"/>
+              </a:ext>
+            </a:extLst>
+          </p:cNvPr>
+          <p:cNvCxnSpPr>
+            <a:cxnSpLocks/>
+            <a:stCxn id="87" idx="1"/>
+            <a:endCxn id="94" idx="0"/>
+          </p:cNvCxnSpPr>
+          <p:nvPr/>
+        </p:nvCxnSpPr>
+        <p:spPr>
+          <a:xfrm>
+            <a:off x="1838376" y="7343620"/>
+            <a:ext cx="37261" cy="324708"/>
+          </a:xfrm>
+          <a:prstGeom prst="straightConnector1">
+            <a:avLst/>
+          </a:prstGeom>
+          <a:ln>
+            <a:tailEnd type="triangle"/>
+          </a:ln>
+        </p:spPr>
+        <p:style>
+          <a:lnRef idx="1">
+            <a:schemeClr val="accent1"/>
+          </a:lnRef>
+          <a:fillRef idx="0">
+            <a:schemeClr val="accent1"/>
+          </a:fillRef>
+          <a:effectRef idx="0">
+            <a:schemeClr val="accent1"/>
+          </a:effectRef>
+          <a:fontRef idx="minor">
+            <a:schemeClr val="tx1"/>
+          </a:fontRef>
+        </p:style>
+      </p:cxnSp>
+      <p:sp>
+        <p:nvSpPr>
+          <p:cNvPr id="93" name="Fluxograma: Processo Predefinido 92">
+            <a:extLst>
+              <a:ext uri="{FF2B5EF4-FFF2-40B4-BE49-F238E27FC236}">
+                <a16:creationId xmlns:a16="http://schemas.microsoft.com/office/drawing/2014/main" id="{0031F827-02A6-4748-A76B-3EB53290EE52}"/>
+              </a:ext>
+            </a:extLst>
+          </p:cNvPr>
+          <p:cNvSpPr/>
+          <p:nvPr/>
+        </p:nvSpPr>
+        <p:spPr>
+          <a:xfrm>
+            <a:off x="1175779" y="4740354"/>
+            <a:ext cx="1343024" cy="723900"/>
+          </a:xfrm>
+          <a:prstGeom prst="flowChartPredefinedProcess">
+            <a:avLst/>
+          </a:prstGeom>
+          <a:solidFill>
+            <a:srgbClr val="B4C7E7"/>
+          </a:solidFill>
+          <a:ln w="19050">
+            <a:solidFill>
+              <a:srgbClr val="2F5597"/>
+            </a:solidFill>
+          </a:ln>
+        </p:spPr>
+        <p:style>
+          <a:lnRef idx="2">
+            <a:schemeClr val="accent1">
+              <a:shade val="50000"/>
+            </a:schemeClr>
+          </a:lnRef>
+          <a:fillRef idx="1">
+            <a:schemeClr val="accent1"/>
+          </a:fillRef>
+          <a:effectRef idx="0">
+            <a:schemeClr val="accent1"/>
+          </a:effectRef>
+          <a:fontRef idx="minor">
+            <a:schemeClr val="lt1"/>
+          </a:fontRef>
+        </p:style>
+        <p:txBody>
+          <a:bodyPr rtlCol="0" anchor="ctr"/>
+          <a:lstStyle/>
+          <a:p>
+            <a:pPr algn="ctr"/>
+            <a:r>
+              <a:rPr lang="pt-BR" sz="900" dirty="0">
+                <a:solidFill>
+                  <a:schemeClr val="tx1"/>
+                </a:solidFill>
+              </a:rPr>
+              <a:t>Processo de passagem</a:t>
+            </a:r>
+          </a:p>
+        </p:txBody>
+      </p:sp>
+      <p:sp>
+        <p:nvSpPr>
+          <p:cNvPr id="94" name="Fluxograma: Processo Predefinido 93">
+            <a:extLst>
+              <a:ext uri="{FF2B5EF4-FFF2-40B4-BE49-F238E27FC236}">
+                <a16:creationId xmlns:a16="http://schemas.microsoft.com/office/drawing/2014/main" id="{71A80A1A-4EF9-427E-9095-D27659057DC7}"/>
+              </a:ext>
+            </a:extLst>
+          </p:cNvPr>
+          <p:cNvSpPr/>
+          <p:nvPr/>
+        </p:nvSpPr>
+        <p:spPr>
+          <a:xfrm>
+            <a:off x="1204125" y="7668328"/>
+            <a:ext cx="1343024" cy="723900"/>
+          </a:xfrm>
+          <a:prstGeom prst="flowChartPredefinedProcess">
+            <a:avLst/>
+          </a:prstGeom>
+          <a:solidFill>
+            <a:srgbClr val="B4C7E7"/>
+          </a:solidFill>
+          <a:ln w="19050">
+            <a:solidFill>
+              <a:srgbClr val="2F5597"/>
+            </a:solidFill>
+          </a:ln>
+        </p:spPr>
+        <p:style>
+          <a:lnRef idx="2">
+            <a:schemeClr val="accent1">
+              <a:shade val="50000"/>
+            </a:schemeClr>
+          </a:lnRef>
+          <a:fillRef idx="1">
+            <a:schemeClr val="accent1"/>
+          </a:fillRef>
+          <a:effectRef idx="0">
+            <a:schemeClr val="accent1"/>
+          </a:effectRef>
+          <a:fontRef idx="minor">
+            <a:schemeClr val="lt1"/>
+          </a:fontRef>
+        </p:style>
+        <p:txBody>
+          <a:bodyPr rtlCol="0" anchor="ctr"/>
+          <a:lstStyle/>
+          <a:p>
+            <a:pPr algn="ctr"/>
+            <a:r>
+              <a:rPr lang="pt-BR" sz="900" dirty="0">
+                <a:solidFill>
+                  <a:schemeClr val="tx1"/>
+                </a:solidFill>
+              </a:rPr>
+              <a:t>Processo de passagem</a:t>
+            </a:r>
+          </a:p>
+        </p:txBody>
+      </p:sp>
+      <p:cxnSp>
+        <p:nvCxnSpPr>
+          <p:cNvPr id="95" name="Conector de Seta Reta 94">
+            <a:extLst>
+              <a:ext uri="{FF2B5EF4-FFF2-40B4-BE49-F238E27FC236}">
+                <a16:creationId xmlns:a16="http://schemas.microsoft.com/office/drawing/2014/main" id="{6EA25C91-0180-4309-92B7-1AF1F9D4A413}"/>
+              </a:ext>
+            </a:extLst>
+          </p:cNvPr>
+          <p:cNvCxnSpPr>
+            <a:cxnSpLocks/>
+          </p:cNvCxnSpPr>
+          <p:nvPr/>
+        </p:nvCxnSpPr>
+        <p:spPr>
+          <a:xfrm>
+            <a:off x="1842476" y="5464254"/>
+            <a:ext cx="7758" cy="149098"/>
+          </a:xfrm>
+          <a:prstGeom prst="straightConnector1">
+            <a:avLst/>
+          </a:prstGeom>
+          <a:ln>
+            <a:tailEnd type="triangle"/>
+          </a:ln>
+        </p:spPr>
+        <p:style>
+          <a:lnRef idx="1">
+            <a:schemeClr val="accent1"/>
+          </a:lnRef>
+          <a:fillRef idx="0">
+            <a:schemeClr val="accent1"/>
+          </a:fillRef>
+          <a:effectRef idx="0">
+            <a:schemeClr val="accent1"/>
+          </a:effectRef>
+          <a:fontRef idx="minor">
+            <a:schemeClr val="tx1"/>
+          </a:fontRef>
+        </p:style>
+      </p:cxnSp>
+      <p:sp>
+        <p:nvSpPr>
+          <p:cNvPr id="96" name="Fluxograma: Processo Predefinido 95">
+            <a:extLst>
+              <a:ext uri="{FF2B5EF4-FFF2-40B4-BE49-F238E27FC236}">
+                <a16:creationId xmlns:a16="http://schemas.microsoft.com/office/drawing/2014/main" id="{8558E40F-66C8-45D8-B57D-2FE95B12E067}"/>
+              </a:ext>
+            </a:extLst>
+          </p:cNvPr>
+          <p:cNvSpPr/>
+          <p:nvPr/>
+        </p:nvSpPr>
+        <p:spPr>
+          <a:xfrm>
+            <a:off x="3008879" y="9817241"/>
+            <a:ext cx="1343024" cy="723900"/>
+          </a:xfrm>
+          <a:prstGeom prst="flowChartPredefinedProcess">
+            <a:avLst/>
+          </a:prstGeom>
+          <a:solidFill>
+            <a:srgbClr val="B4C7E7"/>
+          </a:solidFill>
+          <a:ln w="19050">
+            <a:solidFill>
+              <a:srgbClr val="2F5597"/>
+            </a:solidFill>
+          </a:ln>
+        </p:spPr>
+        <p:style>
+          <a:lnRef idx="2">
+            <a:schemeClr val="accent1">
+              <a:shade val="50000"/>
+            </a:schemeClr>
+          </a:lnRef>
+          <a:fillRef idx="1">
+            <a:schemeClr val="accent1"/>
+          </a:fillRef>
+          <a:effectRef idx="0">
+            <a:schemeClr val="accent1"/>
+          </a:effectRef>
+          <a:fontRef idx="minor">
+            <a:schemeClr val="lt1"/>
+          </a:fontRef>
+        </p:style>
+        <p:txBody>
+          <a:bodyPr rtlCol="0" anchor="ctr"/>
+          <a:lstStyle/>
+          <a:p>
+            <a:pPr algn="ctr"/>
+            <a:r>
+              <a:rPr lang="pt-BR" sz="900" dirty="0">
+                <a:solidFill>
+                  <a:schemeClr val="tx1"/>
+                </a:solidFill>
+              </a:rPr>
+              <a:t>Verificar os periféricos</a:t>
+            </a:r>
+          </a:p>
+        </p:txBody>
+      </p:sp>
+      <p:cxnSp>
+        <p:nvCxnSpPr>
+          <p:cNvPr id="98" name="Conector de Seta Reta 97">
+            <a:extLst>
+              <a:ext uri="{FF2B5EF4-FFF2-40B4-BE49-F238E27FC236}">
+                <a16:creationId xmlns:a16="http://schemas.microsoft.com/office/drawing/2014/main" id="{AD7C2B51-180E-4D3D-8211-F0A0613AE490}"/>
+              </a:ext>
+            </a:extLst>
+          </p:cNvPr>
+          <p:cNvCxnSpPr>
+            <a:cxnSpLocks/>
+          </p:cNvCxnSpPr>
+          <p:nvPr/>
+        </p:nvCxnSpPr>
+        <p:spPr>
+          <a:xfrm>
+            <a:off x="4357780" y="10175575"/>
+            <a:ext cx="1341346" cy="3616"/>
+          </a:xfrm>
+          <a:prstGeom prst="straightConnector1">
+            <a:avLst/>
+          </a:prstGeom>
+          <a:ln>
+            <a:tailEnd type="triangle"/>
+          </a:ln>
+        </p:spPr>
+        <p:style>
+          <a:lnRef idx="1">
+            <a:schemeClr val="accent1"/>
+          </a:lnRef>
+          <a:fillRef idx="0">
+            <a:schemeClr val="accent1"/>
+          </a:fillRef>
+          <a:effectRef idx="0">
+            <a:schemeClr val="accent1"/>
+          </a:effectRef>
+          <a:fontRef idx="minor">
+            <a:schemeClr val="tx1"/>
+          </a:fontRef>
+        </p:style>
+      </p:cxnSp>
+      <p:sp>
+        <p:nvSpPr>
+          <p:cNvPr id="133" name="CaixaDeTexto 132">
+            <a:extLst>
+              <a:ext uri="{FF2B5EF4-FFF2-40B4-BE49-F238E27FC236}">
+                <a16:creationId xmlns:a16="http://schemas.microsoft.com/office/drawing/2014/main" id="{573666BD-874E-4D56-85AD-AB7DDB1BDD34}"/>
+              </a:ext>
+            </a:extLst>
+          </p:cNvPr>
+          <p:cNvSpPr txBox="1"/>
+          <p:nvPr/>
+        </p:nvSpPr>
+        <p:spPr>
+          <a:xfrm>
+            <a:off x="1963421" y="9428509"/>
+            <a:ext cx="732631" cy="261610"/>
+          </a:xfrm>
+          <a:prstGeom prst="rect">
+            <a:avLst/>
+          </a:prstGeom>
+          <a:noFill/>
+        </p:spPr>
+        <p:txBody>
+          <a:bodyPr wrap="square" rtlCol="0">
+            <a:spAutoFit/>
+          </a:bodyPr>
+          <a:lstStyle/>
+          <a:p>
+            <a:r>
+              <a:rPr lang="pt-BR" sz="1100" b="1" dirty="0"/>
+              <a:t>Sim</a:t>
+            </a:r>
+          </a:p>
+        </p:txBody>
+      </p:sp>
+      <p:sp>
+        <p:nvSpPr>
+          <p:cNvPr id="135" name="CaixaDeTexto 134">
+            <a:extLst>
+              <a:ext uri="{FF2B5EF4-FFF2-40B4-BE49-F238E27FC236}">
+                <a16:creationId xmlns:a16="http://schemas.microsoft.com/office/drawing/2014/main" id="{3784DF57-F46D-4A61-B764-D6679E19A084}"/>
+              </a:ext>
+            </a:extLst>
+          </p:cNvPr>
+          <p:cNvSpPr txBox="1"/>
+          <p:nvPr/>
+        </p:nvSpPr>
+        <p:spPr>
+          <a:xfrm>
+            <a:off x="1963421" y="8586131"/>
+            <a:ext cx="732631" cy="261610"/>
+          </a:xfrm>
+          <a:prstGeom prst="rect">
+            <a:avLst/>
+          </a:prstGeom>
+          <a:noFill/>
+        </p:spPr>
+        <p:txBody>
+          <a:bodyPr wrap="square" rtlCol="0">
+            <a:spAutoFit/>
+          </a:bodyPr>
+          <a:lstStyle/>
+          <a:p>
+            <a:r>
+              <a:rPr lang="pt-BR" sz="1100" b="1" dirty="0"/>
+              <a:t>Não</a:t>
+            </a:r>
+          </a:p>
+        </p:txBody>
+      </p:sp>
+      <p:sp>
+        <p:nvSpPr>
+          <p:cNvPr id="99" name="Fluxograma: Processo Predefinido 98">
+            <a:extLst>
+              <a:ext uri="{FF2B5EF4-FFF2-40B4-BE49-F238E27FC236}">
+                <a16:creationId xmlns:a16="http://schemas.microsoft.com/office/drawing/2014/main" id="{05616B20-925C-4851-BFCE-227736F58C68}"/>
+              </a:ext>
+            </a:extLst>
+          </p:cNvPr>
+          <p:cNvSpPr/>
+          <p:nvPr/>
+        </p:nvSpPr>
+        <p:spPr>
+          <a:xfrm>
+            <a:off x="3008879" y="8784598"/>
+            <a:ext cx="1343024" cy="723900"/>
+          </a:xfrm>
+          <a:prstGeom prst="flowChartPredefinedProcess">
+            <a:avLst/>
+          </a:prstGeom>
+          <a:solidFill>
+            <a:srgbClr val="B4C7E7"/>
+          </a:solidFill>
+          <a:ln w="19050">
+            <a:solidFill>
+              <a:srgbClr val="2F5597"/>
+            </a:solidFill>
+          </a:ln>
+        </p:spPr>
+        <p:style>
+          <a:lnRef idx="2">
+            <a:schemeClr val="accent1">
+              <a:shade val="50000"/>
+            </a:schemeClr>
+          </a:lnRef>
+          <a:fillRef idx="1">
+            <a:schemeClr val="accent1"/>
+          </a:fillRef>
+          <a:effectRef idx="0">
+            <a:schemeClr val="accent1"/>
+          </a:effectRef>
+          <a:fontRef idx="minor">
+            <a:schemeClr val="lt1"/>
+          </a:fontRef>
+        </p:style>
+        <p:txBody>
+          <a:bodyPr rtlCol="0" anchor="ctr"/>
+          <a:lstStyle/>
+          <a:p>
+            <a:pPr algn="ctr"/>
+            <a:r>
+              <a:rPr lang="pt-BR" sz="900" dirty="0">
+                <a:solidFill>
+                  <a:schemeClr val="tx1"/>
+                </a:solidFill>
+              </a:rPr>
+              <a:t>Manutenção na aplicação</a:t>
+            </a:r>
+          </a:p>
+        </p:txBody>
+      </p:sp>
+      <p:cxnSp>
+        <p:nvCxnSpPr>
+          <p:cNvPr id="101" name="Conector de Seta Reta 100">
+            <a:extLst>
+              <a:ext uri="{FF2B5EF4-FFF2-40B4-BE49-F238E27FC236}">
+                <a16:creationId xmlns:a16="http://schemas.microsoft.com/office/drawing/2014/main" id="{14EC1F81-98CD-48A0-8795-60D50FE91C44}"/>
+              </a:ext>
+            </a:extLst>
+          </p:cNvPr>
+          <p:cNvCxnSpPr>
+            <a:cxnSpLocks/>
+            <a:stCxn id="96" idx="0"/>
+          </p:cNvCxnSpPr>
+          <p:nvPr/>
+        </p:nvCxnSpPr>
+        <p:spPr>
+          <a:xfrm flipH="1" flipV="1">
+            <a:off x="3666697" y="9508499"/>
+            <a:ext cx="13694" cy="308742"/>
+          </a:xfrm>
+          <a:prstGeom prst="straightConnector1">
+            <a:avLst/>
+          </a:prstGeom>
+          <a:ln>
+            <a:tailEnd type="triangle"/>
+          </a:ln>
+        </p:spPr>
+        <p:style>
+          <a:lnRef idx="1">
+            <a:schemeClr val="accent1"/>
+          </a:lnRef>
+          <a:fillRef idx="0">
+            <a:schemeClr val="accent1"/>
+          </a:fillRef>
+          <a:effectRef idx="0">
+            <a:schemeClr val="accent1"/>
+          </a:effectRef>
+          <a:fontRef idx="minor">
+            <a:schemeClr val="tx1"/>
+          </a:fontRef>
+        </p:style>
+      </p:cxnSp>
+      <p:cxnSp>
+        <p:nvCxnSpPr>
+          <p:cNvPr id="102" name="Conector de Seta Reta 101">
+            <a:extLst>
+              <a:ext uri="{FF2B5EF4-FFF2-40B4-BE49-F238E27FC236}">
+                <a16:creationId xmlns:a16="http://schemas.microsoft.com/office/drawing/2014/main" id="{FB3EB2AA-F1AE-4B0C-88AB-12BEA1F9492D}"/>
+              </a:ext>
+            </a:extLst>
+          </p:cNvPr>
+          <p:cNvCxnSpPr>
+            <a:cxnSpLocks/>
+          </p:cNvCxnSpPr>
+          <p:nvPr/>
+        </p:nvCxnSpPr>
+        <p:spPr>
+          <a:xfrm>
+            <a:off x="2669786" y="9159549"/>
+            <a:ext cx="319861" cy="3616"/>
+          </a:xfrm>
+          <a:prstGeom prst="straightConnector1">
+            <a:avLst/>
+          </a:prstGeom>
+          <a:ln>
+            <a:tailEnd type="triangle"/>
+          </a:ln>
+        </p:spPr>
+        <p:style>
+          <a:lnRef idx="1">
+            <a:schemeClr val="accent1"/>
+          </a:lnRef>
+          <a:fillRef idx="0">
+            <a:schemeClr val="accent1"/>
+          </a:fillRef>
+          <a:effectRef idx="0">
+            <a:schemeClr val="accent1"/>
+          </a:effectRef>
+          <a:fontRef idx="minor">
+            <a:schemeClr val="tx1"/>
+          </a:fontRef>
+        </p:style>
+      </p:cxnSp>
+      <p:cxnSp>
+        <p:nvCxnSpPr>
+          <p:cNvPr id="103" name="Conector de Seta Reta 102">
+            <a:extLst>
+              <a:ext uri="{FF2B5EF4-FFF2-40B4-BE49-F238E27FC236}">
+                <a16:creationId xmlns:a16="http://schemas.microsoft.com/office/drawing/2014/main" id="{528417BE-EE3F-44F0-8B24-46D0014AB3C1}"/>
+              </a:ext>
+            </a:extLst>
+          </p:cNvPr>
+          <p:cNvCxnSpPr>
+            <a:cxnSpLocks/>
+          </p:cNvCxnSpPr>
+          <p:nvPr/>
+        </p:nvCxnSpPr>
+        <p:spPr>
+          <a:xfrm>
+            <a:off x="4328471" y="9097438"/>
+            <a:ext cx="1341346" cy="3616"/>
+          </a:xfrm>
+          <a:prstGeom prst="straightConnector1">
+            <a:avLst/>
+          </a:prstGeom>
+          <a:ln>
+            <a:tailEnd type="triangle"/>
+          </a:ln>
+        </p:spPr>
+        <p:style>
+          <a:lnRef idx="1">
+            <a:schemeClr val="accent1"/>
+          </a:lnRef>
+          <a:fillRef idx="0">
+            <a:schemeClr val="accent1"/>
+          </a:fillRef>
+          <a:effectRef idx="0">
+            <a:schemeClr val="accent1"/>
+          </a:effectRef>
+          <a:fontRef idx="minor">
+            <a:schemeClr val="tx1"/>
+          </a:fontRef>
+        </p:style>
+      </p:cxnSp>
+    </p:spTree>
+    <p:extLst>
+      <p:ext uri="{BB962C8B-B14F-4D97-AF65-F5344CB8AC3E}">
+        <p14:creationId xmlns:p14="http://schemas.microsoft.com/office/powerpoint/2010/main" val="1330072886"/>
       </p:ext>
     </p:extLst>
   </p:cSld>

--- a/Agro Cane/Tecnologia da Informação/Fluxograma/Fluxograma.pptx
+++ b/Agro Cane/Tecnologia da Informação/Fluxograma/Fluxograma.pptx
@@ -252,7 +252,7 @@
           <a:p>
             <a:fld id="{A6BC64F7-5FB0-4183-AA12-A26509D9C920}" type="datetimeFigureOut">
               <a:rPr lang="pt-BR" smtClean="0"/>
-              <a:t>01/06/2021</a:t>
+              <a:t>02/06/2021</a:t>
             </a:fld>
             <a:endParaRPr lang="pt-BR"/>
           </a:p>
@@ -422,7 +422,7 @@
           <a:p>
             <a:fld id="{A6BC64F7-5FB0-4183-AA12-A26509D9C920}" type="datetimeFigureOut">
               <a:rPr lang="pt-BR" smtClean="0"/>
-              <a:t>01/06/2021</a:t>
+              <a:t>02/06/2021</a:t>
             </a:fld>
             <a:endParaRPr lang="pt-BR"/>
           </a:p>
@@ -602,7 +602,7 @@
           <a:p>
             <a:fld id="{A6BC64F7-5FB0-4183-AA12-A26509D9C920}" type="datetimeFigureOut">
               <a:rPr lang="pt-BR" smtClean="0"/>
-              <a:t>01/06/2021</a:t>
+              <a:t>02/06/2021</a:t>
             </a:fld>
             <a:endParaRPr lang="pt-BR"/>
           </a:p>
@@ -772,7 +772,7 @@
           <a:p>
             <a:fld id="{A6BC64F7-5FB0-4183-AA12-A26509D9C920}" type="datetimeFigureOut">
               <a:rPr lang="pt-BR" smtClean="0"/>
-              <a:t>01/06/2021</a:t>
+              <a:t>02/06/2021</a:t>
             </a:fld>
             <a:endParaRPr lang="pt-BR"/>
           </a:p>
@@ -1016,7 +1016,7 @@
           <a:p>
             <a:fld id="{A6BC64F7-5FB0-4183-AA12-A26509D9C920}" type="datetimeFigureOut">
               <a:rPr lang="pt-BR" smtClean="0"/>
-              <a:t>01/06/2021</a:t>
+              <a:t>02/06/2021</a:t>
             </a:fld>
             <a:endParaRPr lang="pt-BR"/>
           </a:p>
@@ -1248,7 +1248,7 @@
           <a:p>
             <a:fld id="{A6BC64F7-5FB0-4183-AA12-A26509D9C920}" type="datetimeFigureOut">
               <a:rPr lang="pt-BR" smtClean="0"/>
-              <a:t>01/06/2021</a:t>
+              <a:t>02/06/2021</a:t>
             </a:fld>
             <a:endParaRPr lang="pt-BR"/>
           </a:p>
@@ -1615,7 +1615,7 @@
           <a:p>
             <a:fld id="{A6BC64F7-5FB0-4183-AA12-A26509D9C920}" type="datetimeFigureOut">
               <a:rPr lang="pt-BR" smtClean="0"/>
-              <a:t>01/06/2021</a:t>
+              <a:t>02/06/2021</a:t>
             </a:fld>
             <a:endParaRPr lang="pt-BR"/>
           </a:p>
@@ -1733,7 +1733,7 @@
           <a:p>
             <a:fld id="{A6BC64F7-5FB0-4183-AA12-A26509D9C920}" type="datetimeFigureOut">
               <a:rPr lang="pt-BR" smtClean="0"/>
-              <a:t>01/06/2021</a:t>
+              <a:t>02/06/2021</a:t>
             </a:fld>
             <a:endParaRPr lang="pt-BR"/>
           </a:p>
@@ -1828,7 +1828,7 @@
           <a:p>
             <a:fld id="{A6BC64F7-5FB0-4183-AA12-A26509D9C920}" type="datetimeFigureOut">
               <a:rPr lang="pt-BR" smtClean="0"/>
-              <a:t>01/06/2021</a:t>
+              <a:t>02/06/2021</a:t>
             </a:fld>
             <a:endParaRPr lang="pt-BR"/>
           </a:p>
@@ -2105,7 +2105,7 @@
           <a:p>
             <a:fld id="{A6BC64F7-5FB0-4183-AA12-A26509D9C920}" type="datetimeFigureOut">
               <a:rPr lang="pt-BR" smtClean="0"/>
-              <a:t>01/06/2021</a:t>
+              <a:t>02/06/2021</a:t>
             </a:fld>
             <a:endParaRPr lang="pt-BR"/>
           </a:p>
@@ -2362,7 +2362,7 @@
           <a:p>
             <a:fld id="{A6BC64F7-5FB0-4183-AA12-A26509D9C920}" type="datetimeFigureOut">
               <a:rPr lang="pt-BR" smtClean="0"/>
-              <a:t>01/06/2021</a:t>
+              <a:t>02/06/2021</a:t>
             </a:fld>
             <a:endParaRPr lang="pt-BR"/>
           </a:p>
@@ -2575,7 +2575,7 @@
           <a:p>
             <a:fld id="{A6BC64F7-5FB0-4183-AA12-A26509D9C920}" type="datetimeFigureOut">
               <a:rPr lang="pt-BR" smtClean="0"/>
-              <a:t>01/06/2021</a:t>
+              <a:t>02/06/2021</a:t>
             </a:fld>
             <a:endParaRPr lang="pt-BR"/>
           </a:p>

--- a/Agro Cane/Tecnologia da Informação/Fluxograma/Fluxograma.pptx
+++ b/Agro Cane/Tecnologia da Informação/Fluxograma/Fluxograma.pptx
@@ -5,8 +5,7 @@
     <p:sldMasterId id="2147483744" r:id="rId1"/>
   </p:sldMasterIdLst>
   <p:sldIdLst>
-    <p:sldId id="262" r:id="rId2"/>
-    <p:sldId id="263" r:id="rId3"/>
+    <p:sldId id="263" r:id="rId2"/>
   </p:sldIdLst>
   <p:sldSz cx="8999538" cy="9720263"/>
   <p:notesSz cx="6858000" cy="9144000"/>
@@ -113,14 +112,6 @@
 </p:presentation>
 </file>
 
-<file path=ppt/revisionInfo.xml><?xml version="1.0" encoding="utf-8"?>
-<p1510:revInfo xmlns:a="http://schemas.openxmlformats.org/drawingml/2006/main" xmlns:r="http://schemas.openxmlformats.org/officeDocument/2006/relationships" xmlns:p1510="http://schemas.microsoft.com/office/powerpoint/2015/10/main">
-  <p1510:revLst>
-    <p1510:client id="{1D5E257B-64C9-4EED-9810-485AB0EB8E60}" v="28" dt="2021-06-01T18:32:21.774"/>
-  </p1510:revLst>
-</p1510:revInfo>
-</file>
-
 <file path=ppt/slideLayouts/slideLayout1.xml><?xml version="1.0" encoding="utf-8"?>
 <p:sldLayout xmlns:a="http://schemas.openxmlformats.org/drawingml/2006/main" xmlns:r="http://schemas.openxmlformats.org/officeDocument/2006/relationships" xmlns:p="http://schemas.openxmlformats.org/presentationml/2006/main" type="title" preserve="1">
   <p:cSld name="Slide de Título">
@@ -252,7 +243,7 @@
           <a:p>
             <a:fld id="{A6BC64F7-5FB0-4183-AA12-A26509D9C920}" type="datetimeFigureOut">
               <a:rPr lang="pt-BR" smtClean="0"/>
-              <a:t>02/06/2021</a:t>
+              <a:t>16/06/2021</a:t>
             </a:fld>
             <a:endParaRPr lang="pt-BR"/>
           </a:p>
@@ -422,7 +413,7 @@
           <a:p>
             <a:fld id="{A6BC64F7-5FB0-4183-AA12-A26509D9C920}" type="datetimeFigureOut">
               <a:rPr lang="pt-BR" smtClean="0"/>
-              <a:t>02/06/2021</a:t>
+              <a:t>16/06/2021</a:t>
             </a:fld>
             <a:endParaRPr lang="pt-BR"/>
           </a:p>
@@ -602,7 +593,7 @@
           <a:p>
             <a:fld id="{A6BC64F7-5FB0-4183-AA12-A26509D9C920}" type="datetimeFigureOut">
               <a:rPr lang="pt-BR" smtClean="0"/>
-              <a:t>02/06/2021</a:t>
+              <a:t>16/06/2021</a:t>
             </a:fld>
             <a:endParaRPr lang="pt-BR"/>
           </a:p>
@@ -772,7 +763,7 @@
           <a:p>
             <a:fld id="{A6BC64F7-5FB0-4183-AA12-A26509D9C920}" type="datetimeFigureOut">
               <a:rPr lang="pt-BR" smtClean="0"/>
-              <a:t>02/06/2021</a:t>
+              <a:t>16/06/2021</a:t>
             </a:fld>
             <a:endParaRPr lang="pt-BR"/>
           </a:p>
@@ -1016,7 +1007,7 @@
           <a:p>
             <a:fld id="{A6BC64F7-5FB0-4183-AA12-A26509D9C920}" type="datetimeFigureOut">
               <a:rPr lang="pt-BR" smtClean="0"/>
-              <a:t>02/06/2021</a:t>
+              <a:t>16/06/2021</a:t>
             </a:fld>
             <a:endParaRPr lang="pt-BR"/>
           </a:p>
@@ -1248,7 +1239,7 @@
           <a:p>
             <a:fld id="{A6BC64F7-5FB0-4183-AA12-A26509D9C920}" type="datetimeFigureOut">
               <a:rPr lang="pt-BR" smtClean="0"/>
-              <a:t>02/06/2021</a:t>
+              <a:t>16/06/2021</a:t>
             </a:fld>
             <a:endParaRPr lang="pt-BR"/>
           </a:p>
@@ -1615,7 +1606,7 @@
           <a:p>
             <a:fld id="{A6BC64F7-5FB0-4183-AA12-A26509D9C920}" type="datetimeFigureOut">
               <a:rPr lang="pt-BR" smtClean="0"/>
-              <a:t>02/06/2021</a:t>
+              <a:t>16/06/2021</a:t>
             </a:fld>
             <a:endParaRPr lang="pt-BR"/>
           </a:p>
@@ -1733,7 +1724,7 @@
           <a:p>
             <a:fld id="{A6BC64F7-5FB0-4183-AA12-A26509D9C920}" type="datetimeFigureOut">
               <a:rPr lang="pt-BR" smtClean="0"/>
-              <a:t>02/06/2021</a:t>
+              <a:t>16/06/2021</a:t>
             </a:fld>
             <a:endParaRPr lang="pt-BR"/>
           </a:p>
@@ -1828,7 +1819,7 @@
           <a:p>
             <a:fld id="{A6BC64F7-5FB0-4183-AA12-A26509D9C920}" type="datetimeFigureOut">
               <a:rPr lang="pt-BR" smtClean="0"/>
-              <a:t>02/06/2021</a:t>
+              <a:t>16/06/2021</a:t>
             </a:fld>
             <a:endParaRPr lang="pt-BR"/>
           </a:p>
@@ -2105,7 +2096,7 @@
           <a:p>
             <a:fld id="{A6BC64F7-5FB0-4183-AA12-A26509D9C920}" type="datetimeFigureOut">
               <a:rPr lang="pt-BR" smtClean="0"/>
-              <a:t>02/06/2021</a:t>
+              <a:t>16/06/2021</a:t>
             </a:fld>
             <a:endParaRPr lang="pt-BR"/>
           </a:p>
@@ -2362,7 +2353,7 @@
           <a:p>
             <a:fld id="{A6BC64F7-5FB0-4183-AA12-A26509D9C920}" type="datetimeFigureOut">
               <a:rPr lang="pt-BR" smtClean="0"/>
-              <a:t>02/06/2021</a:t>
+              <a:t>16/06/2021</a:t>
             </a:fld>
             <a:endParaRPr lang="pt-BR"/>
           </a:p>
@@ -2575,7 +2566,7 @@
           <a:p>
             <a:fld id="{A6BC64F7-5FB0-4183-AA12-A26509D9C920}" type="datetimeFigureOut">
               <a:rPr lang="pt-BR" smtClean="0"/>
-              <a:t>02/06/2021</a:t>
+              <a:t>16/06/2021</a:t>
             </a:fld>
             <a:endParaRPr lang="pt-BR"/>
           </a:p>
@@ -3184,3174 +3175,6 @@
         </p:nvGrpSpPr>
         <p:grpSpPr>
           <a:xfrm>
-            <a:off x="238127" y="7453868"/>
-            <a:ext cx="8464666" cy="2532343"/>
-            <a:chOff x="238127" y="3878607"/>
-            <a:chExt cx="8464666" cy="4866931"/>
-          </a:xfrm>
-        </p:grpSpPr>
-        <p:sp>
-          <p:nvSpPr>
-            <p:cNvPr id="123" name="Retângulo 122">
-              <a:extLst>
-                <a:ext uri="{FF2B5EF4-FFF2-40B4-BE49-F238E27FC236}">
-                  <a16:creationId xmlns:a16="http://schemas.microsoft.com/office/drawing/2014/main" id="{EE8443BF-2673-4E3E-9F00-15D3862AD93A}"/>
-                </a:ext>
-              </a:extLst>
-            </p:cNvPr>
-            <p:cNvSpPr/>
-            <p:nvPr/>
-          </p:nvSpPr>
-          <p:spPr>
-            <a:xfrm>
-              <a:off x="724696" y="3878607"/>
-              <a:ext cx="7978097" cy="4866931"/>
-            </a:xfrm>
-            <a:prstGeom prst="rect">
-              <a:avLst/>
-            </a:prstGeom>
-            <a:solidFill>
-              <a:schemeClr val="bg1">
-                <a:lumMod val="95000"/>
-              </a:schemeClr>
-            </a:solidFill>
-            <a:ln>
-              <a:solidFill>
-                <a:schemeClr val="tx1"/>
-              </a:solidFill>
-            </a:ln>
-          </p:spPr>
-          <p:style>
-            <a:lnRef idx="2">
-              <a:schemeClr val="accent1">
-                <a:shade val="50000"/>
-              </a:schemeClr>
-            </a:lnRef>
-            <a:fillRef idx="1">
-              <a:schemeClr val="accent1"/>
-            </a:fillRef>
-            <a:effectRef idx="0">
-              <a:schemeClr val="accent1"/>
-            </a:effectRef>
-            <a:fontRef idx="minor">
-              <a:schemeClr val="lt1"/>
-            </a:fontRef>
-          </p:style>
-          <p:txBody>
-            <a:bodyPr rtlCol="0" anchor="ctr"/>
-            <a:lstStyle/>
-            <a:p>
-              <a:pPr algn="ctr"/>
-              <a:endParaRPr lang="pt-BR" dirty="0"/>
-            </a:p>
-          </p:txBody>
-        </p:sp>
-        <p:grpSp>
-          <p:nvGrpSpPr>
-            <p:cNvPr id="124" name="Agrupar 123">
-              <a:extLst>
-                <a:ext uri="{FF2B5EF4-FFF2-40B4-BE49-F238E27FC236}">
-                  <a16:creationId xmlns:a16="http://schemas.microsoft.com/office/drawing/2014/main" id="{2F09A8C5-E5A3-4DCD-98B5-05CF60CD7140}"/>
-                </a:ext>
-              </a:extLst>
-            </p:cNvPr>
-            <p:cNvGrpSpPr/>
-            <p:nvPr/>
-          </p:nvGrpSpPr>
-          <p:grpSpPr>
-            <a:xfrm>
-              <a:off x="238127" y="3878607"/>
-              <a:ext cx="486569" cy="4866931"/>
-              <a:chOff x="219075" y="590548"/>
-              <a:chExt cx="486569" cy="3495677"/>
-            </a:xfrm>
-          </p:grpSpPr>
-          <p:sp>
-            <p:nvSpPr>
-              <p:cNvPr id="125" name="Retângulo 124">
-                <a:extLst>
-                  <a:ext uri="{FF2B5EF4-FFF2-40B4-BE49-F238E27FC236}">
-                    <a16:creationId xmlns:a16="http://schemas.microsoft.com/office/drawing/2014/main" id="{2BFD3264-D3B7-4372-8A25-ADD9B1E48D38}"/>
-                  </a:ext>
-                </a:extLst>
-              </p:cNvPr>
-              <p:cNvSpPr/>
-              <p:nvPr/>
-            </p:nvSpPr>
-            <p:spPr>
-              <a:xfrm>
-                <a:off x="219075" y="590548"/>
-                <a:ext cx="486569" cy="3495677"/>
-              </a:xfrm>
-              <a:prstGeom prst="rect">
-                <a:avLst/>
-              </a:prstGeom>
-              <a:solidFill>
-                <a:schemeClr val="bg2">
-                  <a:lumMod val="75000"/>
-                </a:schemeClr>
-              </a:solidFill>
-              <a:ln>
-                <a:solidFill>
-                  <a:schemeClr val="tx1"/>
-                </a:solidFill>
-              </a:ln>
-            </p:spPr>
-            <p:style>
-              <a:lnRef idx="2">
-                <a:schemeClr val="accent1">
-                  <a:shade val="50000"/>
-                </a:schemeClr>
-              </a:lnRef>
-              <a:fillRef idx="1">
-                <a:schemeClr val="accent1"/>
-              </a:fillRef>
-              <a:effectRef idx="0">
-                <a:schemeClr val="accent1"/>
-              </a:effectRef>
-              <a:fontRef idx="minor">
-                <a:schemeClr val="lt1"/>
-              </a:fontRef>
-            </p:style>
-            <p:txBody>
-              <a:bodyPr rtlCol="0" anchor="ctr"/>
-              <a:lstStyle/>
-              <a:p>
-                <a:pPr algn="ctr"/>
-                <a:endParaRPr lang="pt-BR" dirty="0"/>
-              </a:p>
-            </p:txBody>
-          </p:sp>
-          <p:sp>
-            <p:nvSpPr>
-              <p:cNvPr id="126" name="CaixaDeTexto 125">
-                <a:extLst>
-                  <a:ext uri="{FF2B5EF4-FFF2-40B4-BE49-F238E27FC236}">
-                    <a16:creationId xmlns:a16="http://schemas.microsoft.com/office/drawing/2014/main" id="{BDCEB9EC-749A-4AA0-A035-90091D3C773F}"/>
-                  </a:ext>
-                </a:extLst>
-              </p:cNvPr>
-              <p:cNvSpPr txBox="1"/>
-              <p:nvPr/>
-            </p:nvSpPr>
-            <p:spPr>
-              <a:xfrm rot="16200000">
-                <a:off x="-1285478" y="2153720"/>
-                <a:ext cx="3495676" cy="369332"/>
-              </a:xfrm>
-              <a:prstGeom prst="rect">
-                <a:avLst/>
-              </a:prstGeom>
-              <a:noFill/>
-            </p:spPr>
-            <p:txBody>
-              <a:bodyPr wrap="square" rtlCol="0">
-                <a:spAutoFit/>
-              </a:bodyPr>
-              <a:lstStyle/>
-              <a:p>
-                <a:pPr algn="ctr"/>
-                <a:r>
-                  <a:rPr lang="pt-BR" dirty="0"/>
-                  <a:t>N3</a:t>
-                </a:r>
-              </a:p>
-            </p:txBody>
-          </p:sp>
-        </p:grpSp>
-      </p:grpSp>
-      <p:grpSp>
-        <p:nvGrpSpPr>
-          <p:cNvPr id="22" name="Agrupar 21">
-            <a:extLst>
-              <a:ext uri="{FF2B5EF4-FFF2-40B4-BE49-F238E27FC236}">
-                <a16:creationId xmlns:a16="http://schemas.microsoft.com/office/drawing/2014/main" id="{365F1B8C-A084-4835-9ABA-2AA826E2411E}"/>
-              </a:ext>
-            </a:extLst>
-          </p:cNvPr>
-          <p:cNvGrpSpPr/>
-          <p:nvPr/>
-        </p:nvGrpSpPr>
-        <p:grpSpPr>
-          <a:xfrm>
-            <a:off x="238127" y="4635532"/>
-            <a:ext cx="8464666" cy="2818155"/>
-            <a:chOff x="238127" y="3878607"/>
-            <a:chExt cx="8464666" cy="4866931"/>
-          </a:xfrm>
-        </p:grpSpPr>
-        <p:sp>
-          <p:nvSpPr>
-            <p:cNvPr id="61" name="Retângulo 60">
-              <a:extLst>
-                <a:ext uri="{FF2B5EF4-FFF2-40B4-BE49-F238E27FC236}">
-                  <a16:creationId xmlns:a16="http://schemas.microsoft.com/office/drawing/2014/main" id="{016A0859-9297-4A99-9B74-2460BE75A7F6}"/>
-                </a:ext>
-              </a:extLst>
-            </p:cNvPr>
-            <p:cNvSpPr/>
-            <p:nvPr/>
-          </p:nvSpPr>
-          <p:spPr>
-            <a:xfrm>
-              <a:off x="724696" y="3878607"/>
-              <a:ext cx="7978097" cy="4866931"/>
-            </a:xfrm>
-            <a:prstGeom prst="rect">
-              <a:avLst/>
-            </a:prstGeom>
-            <a:solidFill>
-              <a:schemeClr val="bg1">
-                <a:lumMod val="95000"/>
-              </a:schemeClr>
-            </a:solidFill>
-            <a:ln>
-              <a:solidFill>
-                <a:schemeClr val="tx1"/>
-              </a:solidFill>
-            </a:ln>
-          </p:spPr>
-          <p:style>
-            <a:lnRef idx="2">
-              <a:schemeClr val="accent1">
-                <a:shade val="50000"/>
-              </a:schemeClr>
-            </a:lnRef>
-            <a:fillRef idx="1">
-              <a:schemeClr val="accent1"/>
-            </a:fillRef>
-            <a:effectRef idx="0">
-              <a:schemeClr val="accent1"/>
-            </a:effectRef>
-            <a:fontRef idx="minor">
-              <a:schemeClr val="lt1"/>
-            </a:fontRef>
-          </p:style>
-          <p:txBody>
-            <a:bodyPr rtlCol="0" anchor="ctr"/>
-            <a:lstStyle/>
-            <a:p>
-              <a:pPr algn="ctr"/>
-              <a:endParaRPr lang="pt-BR"/>
-            </a:p>
-          </p:txBody>
-        </p:sp>
-        <p:grpSp>
-          <p:nvGrpSpPr>
-            <p:cNvPr id="62" name="Agrupar 61">
-              <a:extLst>
-                <a:ext uri="{FF2B5EF4-FFF2-40B4-BE49-F238E27FC236}">
-                  <a16:creationId xmlns:a16="http://schemas.microsoft.com/office/drawing/2014/main" id="{F7D7952F-3768-4BC0-A832-14FC74CA41A2}"/>
-                </a:ext>
-              </a:extLst>
-            </p:cNvPr>
-            <p:cNvGrpSpPr/>
-            <p:nvPr/>
-          </p:nvGrpSpPr>
-          <p:grpSpPr>
-            <a:xfrm>
-              <a:off x="238127" y="3878607"/>
-              <a:ext cx="486569" cy="4866931"/>
-              <a:chOff x="219075" y="590548"/>
-              <a:chExt cx="486569" cy="3495677"/>
-            </a:xfrm>
-          </p:grpSpPr>
-          <p:sp>
-            <p:nvSpPr>
-              <p:cNvPr id="63" name="Retângulo 62">
-                <a:extLst>
-                  <a:ext uri="{FF2B5EF4-FFF2-40B4-BE49-F238E27FC236}">
-                    <a16:creationId xmlns:a16="http://schemas.microsoft.com/office/drawing/2014/main" id="{EF73E068-47AA-4269-95F9-0F60A5F170C4}"/>
-                  </a:ext>
-                </a:extLst>
-              </p:cNvPr>
-              <p:cNvSpPr/>
-              <p:nvPr/>
-            </p:nvSpPr>
-            <p:spPr>
-              <a:xfrm>
-                <a:off x="219075" y="590548"/>
-                <a:ext cx="486569" cy="3495677"/>
-              </a:xfrm>
-              <a:prstGeom prst="rect">
-                <a:avLst/>
-              </a:prstGeom>
-              <a:solidFill>
-                <a:schemeClr val="bg2">
-                  <a:lumMod val="75000"/>
-                </a:schemeClr>
-              </a:solidFill>
-              <a:ln>
-                <a:solidFill>
-                  <a:schemeClr val="tx1"/>
-                </a:solidFill>
-              </a:ln>
-            </p:spPr>
-            <p:style>
-              <a:lnRef idx="2">
-                <a:schemeClr val="accent1">
-                  <a:shade val="50000"/>
-                </a:schemeClr>
-              </a:lnRef>
-              <a:fillRef idx="1">
-                <a:schemeClr val="accent1"/>
-              </a:fillRef>
-              <a:effectRef idx="0">
-                <a:schemeClr val="accent1"/>
-              </a:effectRef>
-              <a:fontRef idx="minor">
-                <a:schemeClr val="lt1"/>
-              </a:fontRef>
-            </p:style>
-            <p:txBody>
-              <a:bodyPr rtlCol="0" anchor="ctr"/>
-              <a:lstStyle/>
-              <a:p>
-                <a:pPr algn="ctr"/>
-                <a:endParaRPr lang="pt-BR" dirty="0"/>
-              </a:p>
-            </p:txBody>
-          </p:sp>
-          <p:sp>
-            <p:nvSpPr>
-              <p:cNvPr id="64" name="CaixaDeTexto 63">
-                <a:extLst>
-                  <a:ext uri="{FF2B5EF4-FFF2-40B4-BE49-F238E27FC236}">
-                    <a16:creationId xmlns:a16="http://schemas.microsoft.com/office/drawing/2014/main" id="{512E50D3-AF82-430A-9D37-F9A28392D932}"/>
-                  </a:ext>
-                </a:extLst>
-              </p:cNvPr>
-              <p:cNvSpPr txBox="1"/>
-              <p:nvPr/>
-            </p:nvSpPr>
-            <p:spPr>
-              <a:xfrm rot="16200000">
-                <a:off x="-1285478" y="2153720"/>
-                <a:ext cx="3495676" cy="369332"/>
-              </a:xfrm>
-              <a:prstGeom prst="rect">
-                <a:avLst/>
-              </a:prstGeom>
-              <a:noFill/>
-            </p:spPr>
-            <p:txBody>
-              <a:bodyPr wrap="square" rtlCol="0">
-                <a:spAutoFit/>
-              </a:bodyPr>
-              <a:lstStyle/>
-              <a:p>
-                <a:pPr algn="ctr"/>
-                <a:r>
-                  <a:rPr lang="pt-BR" dirty="0"/>
-                  <a:t>N2</a:t>
-                </a:r>
-              </a:p>
-            </p:txBody>
-          </p:sp>
-        </p:grpSp>
-      </p:grpSp>
-      <p:grpSp>
-        <p:nvGrpSpPr>
-          <p:cNvPr id="21" name="Agrupar 20">
-            <a:extLst>
-              <a:ext uri="{FF2B5EF4-FFF2-40B4-BE49-F238E27FC236}">
-                <a16:creationId xmlns:a16="http://schemas.microsoft.com/office/drawing/2014/main" id="{8641C0D8-2A1E-4ED4-B806-052BA1A282B1}"/>
-              </a:ext>
-            </a:extLst>
-          </p:cNvPr>
-          <p:cNvGrpSpPr/>
-          <p:nvPr/>
-        </p:nvGrpSpPr>
-        <p:grpSpPr>
-          <a:xfrm>
-            <a:off x="238127" y="1848701"/>
-            <a:ext cx="8464666" cy="2783225"/>
-            <a:chOff x="238127" y="1165223"/>
-            <a:chExt cx="8464666" cy="2706701"/>
-          </a:xfrm>
-        </p:grpSpPr>
-        <p:sp>
-          <p:nvSpPr>
-            <p:cNvPr id="55" name="Retângulo 54">
-              <a:extLst>
-                <a:ext uri="{FF2B5EF4-FFF2-40B4-BE49-F238E27FC236}">
-                  <a16:creationId xmlns:a16="http://schemas.microsoft.com/office/drawing/2014/main" id="{C402B3B4-79C6-4544-BE1A-2D12A314455E}"/>
-                </a:ext>
-              </a:extLst>
-            </p:cNvPr>
-            <p:cNvSpPr/>
-            <p:nvPr/>
-          </p:nvSpPr>
-          <p:spPr>
-            <a:xfrm>
-              <a:off x="724696" y="1165223"/>
-              <a:ext cx="7978097" cy="2706700"/>
-            </a:xfrm>
-            <a:prstGeom prst="rect">
-              <a:avLst/>
-            </a:prstGeom>
-            <a:solidFill>
-              <a:schemeClr val="bg1">
-                <a:lumMod val="95000"/>
-              </a:schemeClr>
-            </a:solidFill>
-            <a:ln>
-              <a:solidFill>
-                <a:schemeClr val="tx1"/>
-              </a:solidFill>
-            </a:ln>
-          </p:spPr>
-          <p:style>
-            <a:lnRef idx="2">
-              <a:schemeClr val="accent1">
-                <a:shade val="50000"/>
-              </a:schemeClr>
-            </a:lnRef>
-            <a:fillRef idx="1">
-              <a:schemeClr val="accent1"/>
-            </a:fillRef>
-            <a:effectRef idx="0">
-              <a:schemeClr val="accent1"/>
-            </a:effectRef>
-            <a:fontRef idx="minor">
-              <a:schemeClr val="lt1"/>
-            </a:fontRef>
-          </p:style>
-          <p:txBody>
-            <a:bodyPr rtlCol="0" anchor="ctr"/>
-            <a:lstStyle/>
-            <a:p>
-              <a:pPr algn="ctr"/>
-              <a:endParaRPr lang="pt-BR" dirty="0"/>
-            </a:p>
-          </p:txBody>
-        </p:sp>
-        <p:grpSp>
-          <p:nvGrpSpPr>
-            <p:cNvPr id="17" name="Agrupar 16">
-              <a:extLst>
-                <a:ext uri="{FF2B5EF4-FFF2-40B4-BE49-F238E27FC236}">
-                  <a16:creationId xmlns:a16="http://schemas.microsoft.com/office/drawing/2014/main" id="{224AFE60-3069-40D6-ADE2-B1CF3D94243F}"/>
-                </a:ext>
-              </a:extLst>
-            </p:cNvPr>
-            <p:cNvGrpSpPr/>
-            <p:nvPr/>
-          </p:nvGrpSpPr>
-          <p:grpSpPr>
-            <a:xfrm>
-              <a:off x="238127" y="1165223"/>
-              <a:ext cx="486569" cy="2706701"/>
-              <a:chOff x="219075" y="590548"/>
-              <a:chExt cx="486569" cy="3495677"/>
-            </a:xfrm>
-          </p:grpSpPr>
-          <p:sp>
-            <p:nvSpPr>
-              <p:cNvPr id="10" name="Retângulo 9">
-                <a:extLst>
-                  <a:ext uri="{FF2B5EF4-FFF2-40B4-BE49-F238E27FC236}">
-                    <a16:creationId xmlns:a16="http://schemas.microsoft.com/office/drawing/2014/main" id="{4D8C0A77-2692-47E3-9716-0408E549B053}"/>
-                  </a:ext>
-                </a:extLst>
-              </p:cNvPr>
-              <p:cNvSpPr/>
-              <p:nvPr/>
-            </p:nvSpPr>
-            <p:spPr>
-              <a:xfrm>
-                <a:off x="219075" y="590548"/>
-                <a:ext cx="486569" cy="3495677"/>
-              </a:xfrm>
-              <a:prstGeom prst="rect">
-                <a:avLst/>
-              </a:prstGeom>
-              <a:solidFill>
-                <a:schemeClr val="bg2">
-                  <a:lumMod val="75000"/>
-                </a:schemeClr>
-              </a:solidFill>
-              <a:ln>
-                <a:solidFill>
-                  <a:schemeClr val="tx1"/>
-                </a:solidFill>
-              </a:ln>
-            </p:spPr>
-            <p:style>
-              <a:lnRef idx="2">
-                <a:schemeClr val="accent1">
-                  <a:shade val="50000"/>
-                </a:schemeClr>
-              </a:lnRef>
-              <a:fillRef idx="1">
-                <a:schemeClr val="accent1"/>
-              </a:fillRef>
-              <a:effectRef idx="0">
-                <a:schemeClr val="accent1"/>
-              </a:effectRef>
-              <a:fontRef idx="minor">
-                <a:schemeClr val="lt1"/>
-              </a:fontRef>
-            </p:style>
-            <p:txBody>
-              <a:bodyPr rtlCol="0" anchor="ctr"/>
-              <a:lstStyle/>
-              <a:p>
-                <a:pPr algn="ctr"/>
-                <a:endParaRPr lang="pt-BR" dirty="0"/>
-              </a:p>
-            </p:txBody>
-          </p:sp>
-          <p:sp>
-            <p:nvSpPr>
-              <p:cNvPr id="14" name="CaixaDeTexto 13">
-                <a:extLst>
-                  <a:ext uri="{FF2B5EF4-FFF2-40B4-BE49-F238E27FC236}">
-                    <a16:creationId xmlns:a16="http://schemas.microsoft.com/office/drawing/2014/main" id="{63936EA8-9621-497B-BB6A-FBA45EFFD887}"/>
-                  </a:ext>
-                </a:extLst>
-              </p:cNvPr>
-              <p:cNvSpPr txBox="1"/>
-              <p:nvPr/>
-            </p:nvSpPr>
-            <p:spPr>
-              <a:xfrm rot="16200000">
-                <a:off x="-1285478" y="2153720"/>
-                <a:ext cx="3495676" cy="369332"/>
-              </a:xfrm>
-              <a:prstGeom prst="rect">
-                <a:avLst/>
-              </a:prstGeom>
-              <a:noFill/>
-            </p:spPr>
-            <p:txBody>
-              <a:bodyPr wrap="square" rtlCol="0">
-                <a:spAutoFit/>
-              </a:bodyPr>
-              <a:lstStyle/>
-              <a:p>
-                <a:pPr algn="ctr"/>
-                <a:r>
-                  <a:rPr lang="pt-BR" dirty="0"/>
-                  <a:t>N1</a:t>
-                </a:r>
-              </a:p>
-            </p:txBody>
-          </p:sp>
-        </p:grpSp>
-      </p:grpSp>
-      <p:sp>
-        <p:nvSpPr>
-          <p:cNvPr id="16" name="Fluxograma: Terminação 15">
-            <a:extLst>
-              <a:ext uri="{FF2B5EF4-FFF2-40B4-BE49-F238E27FC236}">
-                <a16:creationId xmlns:a16="http://schemas.microsoft.com/office/drawing/2014/main" id="{73A96290-D8D3-4F60-9ECC-E524D3233D4A}"/>
-              </a:ext>
-            </a:extLst>
-          </p:cNvPr>
-          <p:cNvSpPr/>
-          <p:nvPr/>
-        </p:nvSpPr>
-        <p:spPr>
-          <a:xfrm>
-            <a:off x="962025" y="1285137"/>
-            <a:ext cx="1762124" cy="476251"/>
-          </a:xfrm>
-          <a:prstGeom prst="flowChartTerminator">
-            <a:avLst/>
-          </a:prstGeom>
-          <a:solidFill>
-            <a:schemeClr val="accent1">
-              <a:lumMod val="40000"/>
-              <a:lumOff val="60000"/>
-            </a:schemeClr>
-          </a:solidFill>
-          <a:ln w="19050">
-            <a:solidFill>
-              <a:schemeClr val="accent1">
-                <a:lumMod val="75000"/>
-              </a:schemeClr>
-            </a:solidFill>
-          </a:ln>
-        </p:spPr>
-        <p:style>
-          <a:lnRef idx="2">
-            <a:schemeClr val="accent1">
-              <a:shade val="50000"/>
-            </a:schemeClr>
-          </a:lnRef>
-          <a:fillRef idx="1">
-            <a:schemeClr val="accent1"/>
-          </a:fillRef>
-          <a:effectRef idx="0">
-            <a:schemeClr val="accent1"/>
-          </a:effectRef>
-          <a:fontRef idx="minor">
-            <a:schemeClr val="lt1"/>
-          </a:fontRef>
-        </p:style>
-        <p:txBody>
-          <a:bodyPr rtlCol="0" anchor="ctr"/>
-          <a:lstStyle/>
-          <a:p>
-            <a:pPr algn="ctr"/>
-            <a:r>
-              <a:rPr lang="pt-BR" sz="900" dirty="0">
-                <a:solidFill>
-                  <a:schemeClr val="tx1"/>
-                </a:solidFill>
-              </a:rPr>
-              <a:t>Sistema apresenta problemas no funcionamento</a:t>
-            </a:r>
-          </a:p>
-        </p:txBody>
-      </p:sp>
-      <p:sp>
-        <p:nvSpPr>
-          <p:cNvPr id="18" name="Fluxograma: Decisão 17">
-            <a:extLst>
-              <a:ext uri="{FF2B5EF4-FFF2-40B4-BE49-F238E27FC236}">
-                <a16:creationId xmlns:a16="http://schemas.microsoft.com/office/drawing/2014/main" id="{CF4B7412-EFB8-4109-B914-E33A787CBA58}"/>
-              </a:ext>
-            </a:extLst>
-          </p:cNvPr>
-          <p:cNvSpPr/>
-          <p:nvPr/>
-        </p:nvSpPr>
-        <p:spPr>
-          <a:xfrm>
-            <a:off x="1104900" y="2686937"/>
-            <a:ext cx="1476377" cy="723900"/>
-          </a:xfrm>
-          <a:prstGeom prst="flowChartDecision">
-            <a:avLst/>
-          </a:prstGeom>
-          <a:solidFill>
-            <a:schemeClr val="accent1">
-              <a:lumMod val="40000"/>
-              <a:lumOff val="60000"/>
-            </a:schemeClr>
-          </a:solidFill>
-          <a:ln w="19050">
-            <a:solidFill>
-              <a:schemeClr val="accent1">
-                <a:lumMod val="75000"/>
-              </a:schemeClr>
-            </a:solidFill>
-          </a:ln>
-        </p:spPr>
-        <p:style>
-          <a:lnRef idx="2">
-            <a:schemeClr val="accent1">
-              <a:shade val="50000"/>
-            </a:schemeClr>
-          </a:lnRef>
-          <a:fillRef idx="1">
-            <a:schemeClr val="accent1"/>
-          </a:fillRef>
-          <a:effectRef idx="0">
-            <a:schemeClr val="accent1"/>
-          </a:effectRef>
-          <a:fontRef idx="minor">
-            <a:schemeClr val="lt1"/>
-          </a:fontRef>
-        </p:style>
-        <p:txBody>
-          <a:bodyPr rtlCol="0" anchor="ctr"/>
-          <a:lstStyle/>
-          <a:p>
-            <a:pPr algn="ctr"/>
-            <a:r>
-              <a:rPr lang="pt-BR" sz="900" dirty="0">
-                <a:solidFill>
-                  <a:schemeClr val="tx1"/>
-                </a:solidFill>
-              </a:rPr>
-              <a:t>Sensor conectado?</a:t>
-            </a:r>
-          </a:p>
-        </p:txBody>
-      </p:sp>
-      <p:cxnSp>
-        <p:nvCxnSpPr>
-          <p:cNvPr id="20" name="Conector de Seta Reta 19">
-            <a:extLst>
-              <a:ext uri="{FF2B5EF4-FFF2-40B4-BE49-F238E27FC236}">
-                <a16:creationId xmlns:a16="http://schemas.microsoft.com/office/drawing/2014/main" id="{42EAA348-66F2-4FD6-9D55-B02252CE0B27}"/>
-              </a:ext>
-            </a:extLst>
-          </p:cNvPr>
-          <p:cNvCxnSpPr>
-            <a:cxnSpLocks/>
-            <a:stCxn id="16" idx="2"/>
-            <a:endCxn id="68" idx="0"/>
-          </p:cNvCxnSpPr>
-          <p:nvPr/>
-        </p:nvCxnSpPr>
-        <p:spPr>
-          <a:xfrm flipH="1">
-            <a:off x="1834874" y="1761388"/>
-            <a:ext cx="8213" cy="240047"/>
-          </a:xfrm>
-          <a:prstGeom prst="straightConnector1">
-            <a:avLst/>
-          </a:prstGeom>
-          <a:ln>
-            <a:tailEnd type="triangle"/>
-          </a:ln>
-        </p:spPr>
-        <p:style>
-          <a:lnRef idx="1">
-            <a:schemeClr val="accent1"/>
-          </a:lnRef>
-          <a:fillRef idx="0">
-            <a:schemeClr val="accent1"/>
-          </a:fillRef>
-          <a:effectRef idx="0">
-            <a:schemeClr val="accent1"/>
-          </a:effectRef>
-          <a:fontRef idx="minor">
-            <a:schemeClr val="tx1"/>
-          </a:fontRef>
-        </p:style>
-      </p:cxnSp>
-      <p:sp>
-        <p:nvSpPr>
-          <p:cNvPr id="33" name="Fluxograma: Decisão 32">
-            <a:extLst>
-              <a:ext uri="{FF2B5EF4-FFF2-40B4-BE49-F238E27FC236}">
-                <a16:creationId xmlns:a16="http://schemas.microsoft.com/office/drawing/2014/main" id="{A43F6530-9E7B-43D0-839E-4A65E301B089}"/>
-              </a:ext>
-            </a:extLst>
-          </p:cNvPr>
-          <p:cNvSpPr/>
-          <p:nvPr/>
-        </p:nvSpPr>
-        <p:spPr>
-          <a:xfrm>
-            <a:off x="1104900" y="3620387"/>
-            <a:ext cx="1476377" cy="723900"/>
-          </a:xfrm>
-          <a:prstGeom prst="flowChartDecision">
-            <a:avLst/>
-          </a:prstGeom>
-          <a:solidFill>
-            <a:schemeClr val="accent1">
-              <a:lumMod val="40000"/>
-              <a:lumOff val="60000"/>
-            </a:schemeClr>
-          </a:solidFill>
-          <a:ln w="19050">
-            <a:solidFill>
-              <a:schemeClr val="accent1">
-                <a:lumMod val="75000"/>
-              </a:schemeClr>
-            </a:solidFill>
-          </a:ln>
-        </p:spPr>
-        <p:style>
-          <a:lnRef idx="2">
-            <a:schemeClr val="accent1">
-              <a:shade val="50000"/>
-            </a:schemeClr>
-          </a:lnRef>
-          <a:fillRef idx="1">
-            <a:schemeClr val="accent1"/>
-          </a:fillRef>
-          <a:effectRef idx="0">
-            <a:schemeClr val="accent1"/>
-          </a:effectRef>
-          <a:fontRef idx="minor">
-            <a:schemeClr val="lt1"/>
-          </a:fontRef>
-        </p:style>
-        <p:txBody>
-          <a:bodyPr rtlCol="0" anchor="ctr"/>
-          <a:lstStyle/>
-          <a:p>
-            <a:pPr algn="ctr"/>
-            <a:r>
-              <a:rPr lang="pt-BR" sz="900" dirty="0">
-                <a:solidFill>
-                  <a:schemeClr val="tx1"/>
-                </a:solidFill>
-              </a:rPr>
-              <a:t>Problemas no cadastro?</a:t>
-            </a:r>
-          </a:p>
-        </p:txBody>
-      </p:sp>
-      <p:cxnSp>
-        <p:nvCxnSpPr>
-          <p:cNvPr id="34" name="Conector de Seta Reta 33">
-            <a:extLst>
-              <a:ext uri="{FF2B5EF4-FFF2-40B4-BE49-F238E27FC236}">
-                <a16:creationId xmlns:a16="http://schemas.microsoft.com/office/drawing/2014/main" id="{2CDB558E-34F8-4A95-886E-B052B51B7370}"/>
-              </a:ext>
-            </a:extLst>
-          </p:cNvPr>
-          <p:cNvCxnSpPr>
-            <a:cxnSpLocks/>
-            <a:endCxn id="33" idx="0"/>
-          </p:cNvCxnSpPr>
-          <p:nvPr/>
-        </p:nvCxnSpPr>
-        <p:spPr>
-          <a:xfrm>
-            <a:off x="1843087" y="3410837"/>
-            <a:ext cx="0" cy="209550"/>
-          </a:xfrm>
-          <a:prstGeom prst="straightConnector1">
-            <a:avLst/>
-          </a:prstGeom>
-          <a:ln>
-            <a:tailEnd type="triangle"/>
-          </a:ln>
-        </p:spPr>
-        <p:style>
-          <a:lnRef idx="1">
-            <a:schemeClr val="accent1"/>
-          </a:lnRef>
-          <a:fillRef idx="0">
-            <a:schemeClr val="accent1"/>
-          </a:fillRef>
-          <a:effectRef idx="0">
-            <a:schemeClr val="accent1"/>
-          </a:effectRef>
-          <a:fontRef idx="minor">
-            <a:schemeClr val="tx1"/>
-          </a:fontRef>
-        </p:style>
-      </p:cxnSp>
-      <p:sp>
-        <p:nvSpPr>
-          <p:cNvPr id="35" name="CaixaDeTexto 34">
-            <a:extLst>
-              <a:ext uri="{FF2B5EF4-FFF2-40B4-BE49-F238E27FC236}">
-                <a16:creationId xmlns:a16="http://schemas.microsoft.com/office/drawing/2014/main" id="{9DB3EEFA-FF05-449A-A9B1-85D551D6A793}"/>
-              </a:ext>
-            </a:extLst>
-          </p:cNvPr>
-          <p:cNvSpPr txBox="1"/>
-          <p:nvPr/>
-        </p:nvSpPr>
-        <p:spPr>
-          <a:xfrm>
-            <a:off x="1850234" y="3384807"/>
-            <a:ext cx="732631" cy="261610"/>
-          </a:xfrm>
-          <a:prstGeom prst="rect">
-            <a:avLst/>
-          </a:prstGeom>
-          <a:noFill/>
-        </p:spPr>
-        <p:txBody>
-          <a:bodyPr wrap="square" rtlCol="0">
-            <a:spAutoFit/>
-          </a:bodyPr>
-          <a:lstStyle/>
-          <a:p>
-            <a:r>
-              <a:rPr lang="pt-BR" sz="1100" b="1" dirty="0"/>
-              <a:t>Sim</a:t>
-            </a:r>
-          </a:p>
-        </p:txBody>
-      </p:sp>
-      <p:cxnSp>
-        <p:nvCxnSpPr>
-          <p:cNvPr id="38" name="Conector de Seta Reta 37">
-            <a:extLst>
-              <a:ext uri="{FF2B5EF4-FFF2-40B4-BE49-F238E27FC236}">
-                <a16:creationId xmlns:a16="http://schemas.microsoft.com/office/drawing/2014/main" id="{455F60E6-030E-4951-A78E-9BA7C101256B}"/>
-              </a:ext>
-            </a:extLst>
-          </p:cNvPr>
-          <p:cNvCxnSpPr>
-            <a:cxnSpLocks/>
-          </p:cNvCxnSpPr>
-          <p:nvPr/>
-        </p:nvCxnSpPr>
-        <p:spPr>
-          <a:xfrm>
-            <a:off x="2591594" y="3048887"/>
-            <a:ext cx="380204" cy="0"/>
-          </a:xfrm>
-          <a:prstGeom prst="straightConnector1">
-            <a:avLst/>
-          </a:prstGeom>
-          <a:ln>
-            <a:tailEnd type="triangle"/>
-          </a:ln>
-        </p:spPr>
-        <p:style>
-          <a:lnRef idx="1">
-            <a:schemeClr val="accent1"/>
-          </a:lnRef>
-          <a:fillRef idx="0">
-            <a:schemeClr val="accent1"/>
-          </a:fillRef>
-          <a:effectRef idx="0">
-            <a:schemeClr val="accent1"/>
-          </a:effectRef>
-          <a:fontRef idx="minor">
-            <a:schemeClr val="tx1"/>
-          </a:fontRef>
-        </p:style>
-      </p:cxnSp>
-      <p:sp>
-        <p:nvSpPr>
-          <p:cNvPr id="39" name="CaixaDeTexto 38">
-            <a:extLst>
-              <a:ext uri="{FF2B5EF4-FFF2-40B4-BE49-F238E27FC236}">
-                <a16:creationId xmlns:a16="http://schemas.microsoft.com/office/drawing/2014/main" id="{C0BEE038-F39A-4918-A2EA-D66C1E87A0DA}"/>
-              </a:ext>
-            </a:extLst>
-          </p:cNvPr>
-          <p:cNvSpPr txBox="1"/>
-          <p:nvPr/>
-        </p:nvSpPr>
-        <p:spPr>
-          <a:xfrm>
-            <a:off x="2547149" y="2800292"/>
-            <a:ext cx="732631" cy="261610"/>
-          </a:xfrm>
-          <a:prstGeom prst="rect">
-            <a:avLst/>
-          </a:prstGeom>
-          <a:noFill/>
-        </p:spPr>
-        <p:txBody>
-          <a:bodyPr wrap="square" rtlCol="0">
-            <a:spAutoFit/>
-          </a:bodyPr>
-          <a:lstStyle/>
-          <a:p>
-            <a:r>
-              <a:rPr lang="pt-BR" sz="1100" b="1" dirty="0"/>
-              <a:t>Não</a:t>
-            </a:r>
-          </a:p>
-        </p:txBody>
-      </p:sp>
-      <p:sp>
-        <p:nvSpPr>
-          <p:cNvPr id="45" name="Retângulo 44">
-            <a:extLst>
-              <a:ext uri="{FF2B5EF4-FFF2-40B4-BE49-F238E27FC236}">
-                <a16:creationId xmlns:a16="http://schemas.microsoft.com/office/drawing/2014/main" id="{BEFDE7EE-7935-48F9-A3D6-BF48645EC828}"/>
-              </a:ext>
-            </a:extLst>
-          </p:cNvPr>
-          <p:cNvSpPr/>
-          <p:nvPr/>
-        </p:nvSpPr>
-        <p:spPr>
-          <a:xfrm>
-            <a:off x="2971798" y="2800292"/>
-            <a:ext cx="1476376" cy="505770"/>
-          </a:xfrm>
-          <a:prstGeom prst="rect">
-            <a:avLst/>
-          </a:prstGeom>
-          <a:solidFill>
-            <a:schemeClr val="accent1">
-              <a:lumMod val="40000"/>
-              <a:lumOff val="60000"/>
-            </a:schemeClr>
-          </a:solidFill>
-          <a:ln w="19050">
-            <a:solidFill>
-              <a:schemeClr val="accent1">
-                <a:lumMod val="75000"/>
-              </a:schemeClr>
-            </a:solidFill>
-          </a:ln>
-        </p:spPr>
-        <p:style>
-          <a:lnRef idx="2">
-            <a:schemeClr val="accent1">
-              <a:shade val="50000"/>
-            </a:schemeClr>
-          </a:lnRef>
-          <a:fillRef idx="1">
-            <a:schemeClr val="accent1"/>
-          </a:fillRef>
-          <a:effectRef idx="0">
-            <a:schemeClr val="accent1"/>
-          </a:effectRef>
-          <a:fontRef idx="minor">
-            <a:schemeClr val="lt1"/>
-          </a:fontRef>
-        </p:style>
-        <p:txBody>
-          <a:bodyPr rtlCol="0" anchor="ctr"/>
-          <a:lstStyle/>
-          <a:p>
-            <a:pPr algn="ctr"/>
-            <a:r>
-              <a:rPr lang="pt-BR" sz="900" dirty="0">
-                <a:solidFill>
-                  <a:schemeClr val="tx1"/>
-                </a:solidFill>
-              </a:rPr>
-              <a:t>Verificar conexão com a internet e cabeamento</a:t>
-            </a:r>
-          </a:p>
-        </p:txBody>
-      </p:sp>
-      <p:sp>
-        <p:nvSpPr>
-          <p:cNvPr id="59" name="CaixaDeTexto 58">
-            <a:extLst>
-              <a:ext uri="{FF2B5EF4-FFF2-40B4-BE49-F238E27FC236}">
-                <a16:creationId xmlns:a16="http://schemas.microsoft.com/office/drawing/2014/main" id="{8CAD188C-D1EA-45D5-BF44-A845F67CC827}"/>
-              </a:ext>
-            </a:extLst>
-          </p:cNvPr>
-          <p:cNvSpPr txBox="1"/>
-          <p:nvPr/>
-        </p:nvSpPr>
-        <p:spPr>
-          <a:xfrm>
-            <a:off x="1782151" y="4370317"/>
-            <a:ext cx="732631" cy="261610"/>
-          </a:xfrm>
-          <a:prstGeom prst="rect">
-            <a:avLst/>
-          </a:prstGeom>
-          <a:noFill/>
-        </p:spPr>
-        <p:txBody>
-          <a:bodyPr wrap="square" rtlCol="0">
-            <a:spAutoFit/>
-          </a:bodyPr>
-          <a:lstStyle/>
-          <a:p>
-            <a:r>
-              <a:rPr lang="pt-BR" sz="1100" b="1" dirty="0"/>
-              <a:t>Não</a:t>
-            </a:r>
-          </a:p>
-        </p:txBody>
-      </p:sp>
-      <p:cxnSp>
-        <p:nvCxnSpPr>
-          <p:cNvPr id="69" name="Conector de Seta Reta 68">
-            <a:extLst>
-              <a:ext uri="{FF2B5EF4-FFF2-40B4-BE49-F238E27FC236}">
-                <a16:creationId xmlns:a16="http://schemas.microsoft.com/office/drawing/2014/main" id="{B0E43D43-6EE1-4A87-80B6-129F9AE865EC}"/>
-              </a:ext>
-            </a:extLst>
-          </p:cNvPr>
-          <p:cNvCxnSpPr>
-            <a:cxnSpLocks/>
-          </p:cNvCxnSpPr>
-          <p:nvPr/>
-        </p:nvCxnSpPr>
-        <p:spPr>
-          <a:xfrm>
-            <a:off x="2547467" y="8994929"/>
-            <a:ext cx="476247" cy="17"/>
-          </a:xfrm>
-          <a:prstGeom prst="straightConnector1">
-            <a:avLst/>
-          </a:prstGeom>
-          <a:ln>
-            <a:tailEnd type="triangle"/>
-          </a:ln>
-        </p:spPr>
-        <p:style>
-          <a:lnRef idx="1">
-            <a:schemeClr val="accent1"/>
-          </a:lnRef>
-          <a:fillRef idx="0">
-            <a:schemeClr val="accent1"/>
-          </a:fillRef>
-          <a:effectRef idx="0">
-            <a:schemeClr val="accent1"/>
-          </a:effectRef>
-          <a:fontRef idx="minor">
-            <a:schemeClr val="tx1"/>
-          </a:fontRef>
-        </p:style>
-      </p:cxnSp>
-      <p:sp>
-        <p:nvSpPr>
-          <p:cNvPr id="77" name="Fluxograma: Decisão 76">
-            <a:extLst>
-              <a:ext uri="{FF2B5EF4-FFF2-40B4-BE49-F238E27FC236}">
-                <a16:creationId xmlns:a16="http://schemas.microsoft.com/office/drawing/2014/main" id="{773DCD19-9830-4993-92E5-AEE17FDE0490}"/>
-              </a:ext>
-            </a:extLst>
-          </p:cNvPr>
-          <p:cNvSpPr/>
-          <p:nvPr/>
-        </p:nvSpPr>
-        <p:spPr>
-          <a:xfrm>
-            <a:off x="4984717" y="3600669"/>
-            <a:ext cx="1476377" cy="723900"/>
-          </a:xfrm>
-          <a:prstGeom prst="flowChartDecision">
-            <a:avLst/>
-          </a:prstGeom>
-          <a:solidFill>
-            <a:schemeClr val="accent1">
-              <a:lumMod val="40000"/>
-              <a:lumOff val="60000"/>
-            </a:schemeClr>
-          </a:solidFill>
-          <a:ln w="19050">
-            <a:solidFill>
-              <a:schemeClr val="accent1">
-                <a:lumMod val="75000"/>
-              </a:schemeClr>
-            </a:solidFill>
-          </a:ln>
-        </p:spPr>
-        <p:style>
-          <a:lnRef idx="2">
-            <a:schemeClr val="accent1">
-              <a:shade val="50000"/>
-            </a:schemeClr>
-          </a:lnRef>
-          <a:fillRef idx="1">
-            <a:schemeClr val="accent1"/>
-          </a:fillRef>
-          <a:effectRef idx="0">
-            <a:schemeClr val="accent1"/>
-          </a:effectRef>
-          <a:fontRef idx="minor">
-            <a:schemeClr val="lt1"/>
-          </a:fontRef>
-        </p:style>
-        <p:txBody>
-          <a:bodyPr rtlCol="0" anchor="ctr"/>
-          <a:lstStyle/>
-          <a:p>
-            <a:pPr algn="ctr"/>
-            <a:r>
-              <a:rPr lang="pt-BR" sz="900" dirty="0">
-                <a:solidFill>
-                  <a:schemeClr val="tx1"/>
-                </a:solidFill>
-              </a:rPr>
-              <a:t>Funcionou</a:t>
-            </a:r>
-          </a:p>
-        </p:txBody>
-      </p:sp>
-      <p:cxnSp>
-        <p:nvCxnSpPr>
-          <p:cNvPr id="78" name="Conector de Seta Reta 77">
-            <a:extLst>
-              <a:ext uri="{FF2B5EF4-FFF2-40B4-BE49-F238E27FC236}">
-                <a16:creationId xmlns:a16="http://schemas.microsoft.com/office/drawing/2014/main" id="{F16F4538-A080-4BD9-80EE-CF418DCC7CBE}"/>
-              </a:ext>
-            </a:extLst>
-          </p:cNvPr>
-          <p:cNvCxnSpPr>
-            <a:cxnSpLocks/>
-          </p:cNvCxnSpPr>
-          <p:nvPr/>
-        </p:nvCxnSpPr>
-        <p:spPr>
-          <a:xfrm>
-            <a:off x="6455537" y="3956858"/>
-            <a:ext cx="380204" cy="0"/>
-          </a:xfrm>
-          <a:prstGeom prst="straightConnector1">
-            <a:avLst/>
-          </a:prstGeom>
-          <a:ln>
-            <a:tailEnd type="triangle"/>
-          </a:ln>
-        </p:spPr>
-        <p:style>
-          <a:lnRef idx="1">
-            <a:schemeClr val="accent1"/>
-          </a:lnRef>
-          <a:fillRef idx="0">
-            <a:schemeClr val="accent1"/>
-          </a:fillRef>
-          <a:effectRef idx="0">
-            <a:schemeClr val="accent1"/>
-          </a:effectRef>
-          <a:fontRef idx="minor">
-            <a:schemeClr val="tx1"/>
-          </a:fontRef>
-        </p:style>
-      </p:cxnSp>
-      <p:sp>
-        <p:nvSpPr>
-          <p:cNvPr id="79" name="CaixaDeTexto 78">
-            <a:extLst>
-              <a:ext uri="{FF2B5EF4-FFF2-40B4-BE49-F238E27FC236}">
-                <a16:creationId xmlns:a16="http://schemas.microsoft.com/office/drawing/2014/main" id="{93328C0C-333B-4219-8CC1-C837AFABB895}"/>
-              </a:ext>
-            </a:extLst>
-          </p:cNvPr>
-          <p:cNvSpPr txBox="1"/>
-          <p:nvPr/>
-        </p:nvSpPr>
-        <p:spPr>
-          <a:xfrm>
-            <a:off x="6428067" y="3731597"/>
-            <a:ext cx="732631" cy="261610"/>
-          </a:xfrm>
-          <a:prstGeom prst="rect">
-            <a:avLst/>
-          </a:prstGeom>
-          <a:noFill/>
-        </p:spPr>
-        <p:txBody>
-          <a:bodyPr wrap="square" rtlCol="0">
-            <a:spAutoFit/>
-          </a:bodyPr>
-          <a:lstStyle/>
-          <a:p>
-            <a:r>
-              <a:rPr lang="pt-BR" sz="1100" b="1" dirty="0"/>
-              <a:t>Sim</a:t>
-            </a:r>
-          </a:p>
-        </p:txBody>
-      </p:sp>
-      <p:sp>
-        <p:nvSpPr>
-          <p:cNvPr id="110" name="Fluxograma: Terminação 109">
-            <a:extLst>
-              <a:ext uri="{FF2B5EF4-FFF2-40B4-BE49-F238E27FC236}">
-                <a16:creationId xmlns:a16="http://schemas.microsoft.com/office/drawing/2014/main" id="{FF146A18-0ABB-4F37-9C54-585E941B3040}"/>
-              </a:ext>
-            </a:extLst>
-          </p:cNvPr>
-          <p:cNvSpPr/>
-          <p:nvPr/>
-        </p:nvSpPr>
-        <p:spPr>
-          <a:xfrm>
-            <a:off x="6835741" y="3724493"/>
-            <a:ext cx="1762124" cy="476251"/>
-          </a:xfrm>
-          <a:prstGeom prst="flowChartTerminator">
-            <a:avLst/>
-          </a:prstGeom>
-          <a:solidFill>
-            <a:schemeClr val="accent1">
-              <a:lumMod val="40000"/>
-              <a:lumOff val="60000"/>
-            </a:schemeClr>
-          </a:solidFill>
-          <a:ln w="19050">
-            <a:solidFill>
-              <a:schemeClr val="accent1">
-                <a:lumMod val="75000"/>
-              </a:schemeClr>
-            </a:solidFill>
-          </a:ln>
-        </p:spPr>
-        <p:style>
-          <a:lnRef idx="2">
-            <a:schemeClr val="accent1">
-              <a:shade val="50000"/>
-            </a:schemeClr>
-          </a:lnRef>
-          <a:fillRef idx="1">
-            <a:schemeClr val="accent1"/>
-          </a:fillRef>
-          <a:effectRef idx="0">
-            <a:schemeClr val="accent1"/>
-          </a:effectRef>
-          <a:fontRef idx="minor">
-            <a:schemeClr val="lt1"/>
-          </a:fontRef>
-        </p:style>
-        <p:txBody>
-          <a:bodyPr rtlCol="0" anchor="ctr"/>
-          <a:lstStyle/>
-          <a:p>
-            <a:pPr algn="ctr"/>
-            <a:r>
-              <a:rPr lang="pt-BR" sz="900" dirty="0">
-                <a:solidFill>
-                  <a:schemeClr val="tx1"/>
-                </a:solidFill>
-              </a:rPr>
-              <a:t>Fim.</a:t>
-            </a:r>
-          </a:p>
-        </p:txBody>
-      </p:sp>
-      <p:cxnSp>
-        <p:nvCxnSpPr>
-          <p:cNvPr id="117" name="Conector reto 116">
-            <a:extLst>
-              <a:ext uri="{FF2B5EF4-FFF2-40B4-BE49-F238E27FC236}">
-                <a16:creationId xmlns:a16="http://schemas.microsoft.com/office/drawing/2014/main" id="{1F2C88A5-DA13-4927-96AB-DA28DDB795DE}"/>
-              </a:ext>
-            </a:extLst>
-          </p:cNvPr>
-          <p:cNvCxnSpPr>
-            <a:cxnSpLocks/>
-          </p:cNvCxnSpPr>
-          <p:nvPr/>
-        </p:nvCxnSpPr>
-        <p:spPr>
-          <a:xfrm>
-            <a:off x="4722027" y="3048887"/>
-            <a:ext cx="0" cy="917851"/>
-          </a:xfrm>
-          <a:prstGeom prst="line">
-            <a:avLst/>
-          </a:prstGeom>
-        </p:spPr>
-        <p:style>
-          <a:lnRef idx="1">
-            <a:schemeClr val="accent1"/>
-          </a:lnRef>
-          <a:fillRef idx="0">
-            <a:schemeClr val="accent1"/>
-          </a:fillRef>
-          <a:effectRef idx="0">
-            <a:schemeClr val="accent1"/>
-          </a:effectRef>
-          <a:fontRef idx="minor">
-            <a:schemeClr val="tx1"/>
-          </a:fontRef>
-        </p:style>
-      </p:cxnSp>
-      <p:cxnSp>
-        <p:nvCxnSpPr>
-          <p:cNvPr id="134" name="Conector reto 133">
-            <a:extLst>
-              <a:ext uri="{FF2B5EF4-FFF2-40B4-BE49-F238E27FC236}">
-                <a16:creationId xmlns:a16="http://schemas.microsoft.com/office/drawing/2014/main" id="{D28047F3-E902-47B4-B414-C98C7CF0EB8C}"/>
-              </a:ext>
-            </a:extLst>
-          </p:cNvPr>
-          <p:cNvCxnSpPr>
-            <a:cxnSpLocks/>
-            <a:endCxn id="45" idx="3"/>
-          </p:cNvCxnSpPr>
-          <p:nvPr/>
-        </p:nvCxnSpPr>
-        <p:spPr>
-          <a:xfrm flipH="1">
-            <a:off x="4448174" y="3048886"/>
-            <a:ext cx="272235" cy="4291"/>
-          </a:xfrm>
-          <a:prstGeom prst="line">
-            <a:avLst/>
-          </a:prstGeom>
-        </p:spPr>
-        <p:style>
-          <a:lnRef idx="1">
-            <a:schemeClr val="accent1"/>
-          </a:lnRef>
-          <a:fillRef idx="0">
-            <a:schemeClr val="accent1"/>
-          </a:fillRef>
-          <a:effectRef idx="0">
-            <a:schemeClr val="accent1"/>
-          </a:effectRef>
-          <a:fontRef idx="minor">
-            <a:schemeClr val="tx1"/>
-          </a:fontRef>
-        </p:style>
-      </p:cxnSp>
-      <p:cxnSp>
-        <p:nvCxnSpPr>
-          <p:cNvPr id="144" name="Conector de Seta Reta 143">
-            <a:extLst>
-              <a:ext uri="{FF2B5EF4-FFF2-40B4-BE49-F238E27FC236}">
-                <a16:creationId xmlns:a16="http://schemas.microsoft.com/office/drawing/2014/main" id="{228FA545-2E20-4E7A-955E-21D99F410B51}"/>
-              </a:ext>
-            </a:extLst>
-          </p:cNvPr>
-          <p:cNvCxnSpPr>
-            <a:cxnSpLocks/>
-            <a:stCxn id="33" idx="2"/>
-          </p:cNvCxnSpPr>
-          <p:nvPr/>
-        </p:nvCxnSpPr>
-        <p:spPr>
-          <a:xfrm flipH="1">
-            <a:off x="1838980" y="4344287"/>
-            <a:ext cx="4109" cy="370247"/>
-          </a:xfrm>
-          <a:prstGeom prst="straightConnector1">
-            <a:avLst/>
-          </a:prstGeom>
-          <a:ln>
-            <a:tailEnd type="triangle"/>
-          </a:ln>
-        </p:spPr>
-        <p:style>
-          <a:lnRef idx="1">
-            <a:schemeClr val="accent1"/>
-          </a:lnRef>
-          <a:fillRef idx="0">
-            <a:schemeClr val="accent1"/>
-          </a:fillRef>
-          <a:effectRef idx="0">
-            <a:schemeClr val="accent1"/>
-          </a:effectRef>
-          <a:fontRef idx="minor">
-            <a:schemeClr val="tx1"/>
-          </a:fontRef>
-        </p:style>
-      </p:cxnSp>
-      <p:cxnSp>
-        <p:nvCxnSpPr>
-          <p:cNvPr id="150" name="Conector de Seta Reta 149">
-            <a:extLst>
-              <a:ext uri="{FF2B5EF4-FFF2-40B4-BE49-F238E27FC236}">
-                <a16:creationId xmlns:a16="http://schemas.microsoft.com/office/drawing/2014/main" id="{5E211848-596C-4588-AFAD-E87A6C840C2F}"/>
-              </a:ext>
-            </a:extLst>
-          </p:cNvPr>
-          <p:cNvCxnSpPr>
-            <a:cxnSpLocks/>
-          </p:cNvCxnSpPr>
-          <p:nvPr/>
-        </p:nvCxnSpPr>
-        <p:spPr>
-          <a:xfrm flipH="1">
-            <a:off x="1844813" y="8403050"/>
-            <a:ext cx="10842" cy="348651"/>
-          </a:xfrm>
-          <a:prstGeom prst="straightConnector1">
-            <a:avLst/>
-          </a:prstGeom>
-          <a:ln>
-            <a:tailEnd type="triangle"/>
-          </a:ln>
-        </p:spPr>
-        <p:style>
-          <a:lnRef idx="1">
-            <a:schemeClr val="accent1"/>
-          </a:lnRef>
-          <a:fillRef idx="0">
-            <a:schemeClr val="accent1"/>
-          </a:fillRef>
-          <a:effectRef idx="0">
-            <a:schemeClr val="accent1"/>
-          </a:effectRef>
-          <a:fontRef idx="minor">
-            <a:schemeClr val="tx1"/>
-          </a:fontRef>
-        </p:style>
-      </p:cxnSp>
-      <p:cxnSp>
-        <p:nvCxnSpPr>
-          <p:cNvPr id="167" name="Conector de Seta Reta 166">
-            <a:extLst>
-              <a:ext uri="{FF2B5EF4-FFF2-40B4-BE49-F238E27FC236}">
-                <a16:creationId xmlns:a16="http://schemas.microsoft.com/office/drawing/2014/main" id="{6E821551-F505-42A1-878D-1F1ED4E07B7D}"/>
-              </a:ext>
-            </a:extLst>
-          </p:cNvPr>
-          <p:cNvCxnSpPr>
-            <a:cxnSpLocks/>
-            <a:stCxn id="33" idx="3"/>
-            <a:endCxn id="71" idx="1"/>
-          </p:cNvCxnSpPr>
-          <p:nvPr/>
-        </p:nvCxnSpPr>
-        <p:spPr>
-          <a:xfrm flipV="1">
-            <a:off x="2581277" y="3977859"/>
-            <a:ext cx="467119" cy="4478"/>
-          </a:xfrm>
-          <a:prstGeom prst="straightConnector1">
-            <a:avLst/>
-          </a:prstGeom>
-          <a:ln>
-            <a:tailEnd type="triangle"/>
-          </a:ln>
-        </p:spPr>
-        <p:style>
-          <a:lnRef idx="1">
-            <a:schemeClr val="accent1"/>
-          </a:lnRef>
-          <a:fillRef idx="0">
-            <a:schemeClr val="accent1"/>
-          </a:fillRef>
-          <a:effectRef idx="0">
-            <a:schemeClr val="accent1"/>
-          </a:effectRef>
-          <a:fontRef idx="minor">
-            <a:schemeClr val="tx1"/>
-          </a:fontRef>
-        </p:style>
-      </p:cxnSp>
-      <p:sp>
-        <p:nvSpPr>
-          <p:cNvPr id="168" name="CaixaDeTexto 167">
-            <a:extLst>
-              <a:ext uri="{FF2B5EF4-FFF2-40B4-BE49-F238E27FC236}">
-                <a16:creationId xmlns:a16="http://schemas.microsoft.com/office/drawing/2014/main" id="{BF8CDE1C-D3A6-4261-A3E8-A6F838D5EB68}"/>
-              </a:ext>
-            </a:extLst>
-          </p:cNvPr>
-          <p:cNvSpPr txBox="1"/>
-          <p:nvPr/>
-        </p:nvSpPr>
-        <p:spPr>
-          <a:xfrm>
-            <a:off x="2527391" y="3701009"/>
-            <a:ext cx="732631" cy="261610"/>
-          </a:xfrm>
-          <a:prstGeom prst="rect">
-            <a:avLst/>
-          </a:prstGeom>
-          <a:noFill/>
-        </p:spPr>
-        <p:txBody>
-          <a:bodyPr wrap="square" rtlCol="0">
-            <a:spAutoFit/>
-          </a:bodyPr>
-          <a:lstStyle/>
-          <a:p>
-            <a:r>
-              <a:rPr lang="pt-BR" sz="1100" b="1" dirty="0"/>
-              <a:t>Sim</a:t>
-            </a:r>
-          </a:p>
-        </p:txBody>
-      </p:sp>
-      <p:cxnSp>
-        <p:nvCxnSpPr>
-          <p:cNvPr id="178" name="Conector de Seta Reta 177">
-            <a:extLst>
-              <a:ext uri="{FF2B5EF4-FFF2-40B4-BE49-F238E27FC236}">
-                <a16:creationId xmlns:a16="http://schemas.microsoft.com/office/drawing/2014/main" id="{13CCC61D-1077-4B2C-BEE3-D6A85944626C}"/>
-              </a:ext>
-            </a:extLst>
-          </p:cNvPr>
-          <p:cNvCxnSpPr>
-            <a:cxnSpLocks/>
-          </p:cNvCxnSpPr>
-          <p:nvPr/>
-        </p:nvCxnSpPr>
-        <p:spPr>
-          <a:xfrm>
-            <a:off x="4400548" y="3966738"/>
-            <a:ext cx="599281" cy="0"/>
-          </a:xfrm>
-          <a:prstGeom prst="straightConnector1">
-            <a:avLst/>
-          </a:prstGeom>
-          <a:ln>
-            <a:tailEnd type="triangle"/>
-          </a:ln>
-        </p:spPr>
-        <p:style>
-          <a:lnRef idx="1">
-            <a:schemeClr val="accent1"/>
-          </a:lnRef>
-          <a:fillRef idx="0">
-            <a:schemeClr val="accent1"/>
-          </a:fillRef>
-          <a:effectRef idx="0">
-            <a:schemeClr val="accent1"/>
-          </a:effectRef>
-          <a:fontRef idx="minor">
-            <a:schemeClr val="tx1"/>
-          </a:fontRef>
-        </p:style>
-      </p:cxnSp>
-      <p:cxnSp>
-        <p:nvCxnSpPr>
-          <p:cNvPr id="48" name="Conector reto 47">
-            <a:extLst>
-              <a:ext uri="{FF2B5EF4-FFF2-40B4-BE49-F238E27FC236}">
-                <a16:creationId xmlns:a16="http://schemas.microsoft.com/office/drawing/2014/main" id="{CD41A53F-70C6-48E0-A68A-2737FDF986E4}"/>
-              </a:ext>
-            </a:extLst>
-          </p:cNvPr>
-          <p:cNvCxnSpPr>
-            <a:cxnSpLocks/>
-          </p:cNvCxnSpPr>
-          <p:nvPr/>
-        </p:nvCxnSpPr>
-        <p:spPr>
-          <a:xfrm flipV="1">
-            <a:off x="5722182" y="1523262"/>
-            <a:ext cx="5089" cy="2085708"/>
-          </a:xfrm>
-          <a:prstGeom prst="line">
-            <a:avLst/>
-          </a:prstGeom>
-        </p:spPr>
-        <p:style>
-          <a:lnRef idx="1">
-            <a:schemeClr val="accent1"/>
-          </a:lnRef>
-          <a:fillRef idx="0">
-            <a:schemeClr val="accent1"/>
-          </a:fillRef>
-          <a:effectRef idx="0">
-            <a:schemeClr val="accent1"/>
-          </a:effectRef>
-          <a:fontRef idx="minor">
-            <a:schemeClr val="tx1"/>
-          </a:fontRef>
-        </p:style>
-      </p:cxnSp>
-      <p:cxnSp>
-        <p:nvCxnSpPr>
-          <p:cNvPr id="49" name="Conector de Seta Reta 48">
-            <a:extLst>
-              <a:ext uri="{FF2B5EF4-FFF2-40B4-BE49-F238E27FC236}">
-                <a16:creationId xmlns:a16="http://schemas.microsoft.com/office/drawing/2014/main" id="{0C1A1A1B-4771-4AEC-BAB4-E2A5EDEB5D6B}"/>
-              </a:ext>
-            </a:extLst>
-          </p:cNvPr>
-          <p:cNvCxnSpPr>
-            <a:cxnSpLocks/>
-          </p:cNvCxnSpPr>
-          <p:nvPr/>
-        </p:nvCxnSpPr>
-        <p:spPr>
-          <a:xfrm flipH="1">
-            <a:off x="2724149" y="1523263"/>
-            <a:ext cx="3013868" cy="0"/>
-          </a:xfrm>
-          <a:prstGeom prst="straightConnector1">
-            <a:avLst/>
-          </a:prstGeom>
-          <a:ln>
-            <a:tailEnd type="triangle"/>
-          </a:ln>
-        </p:spPr>
-        <p:style>
-          <a:lnRef idx="1">
-            <a:schemeClr val="accent1"/>
-          </a:lnRef>
-          <a:fillRef idx="0">
-            <a:schemeClr val="accent1"/>
-          </a:fillRef>
-          <a:effectRef idx="0">
-            <a:schemeClr val="accent1"/>
-          </a:effectRef>
-          <a:fontRef idx="minor">
-            <a:schemeClr val="tx1"/>
-          </a:fontRef>
-        </p:style>
-      </p:cxnSp>
-      <p:sp>
-        <p:nvSpPr>
-          <p:cNvPr id="50" name="CaixaDeTexto 49">
-            <a:extLst>
-              <a:ext uri="{FF2B5EF4-FFF2-40B4-BE49-F238E27FC236}">
-                <a16:creationId xmlns:a16="http://schemas.microsoft.com/office/drawing/2014/main" id="{FA6421A6-A066-4BA4-8024-AECACC871BB4}"/>
-              </a:ext>
-            </a:extLst>
-          </p:cNvPr>
-          <p:cNvSpPr txBox="1"/>
-          <p:nvPr/>
-        </p:nvSpPr>
-        <p:spPr>
-          <a:xfrm>
-            <a:off x="5722906" y="3306062"/>
-            <a:ext cx="732631" cy="261610"/>
-          </a:xfrm>
-          <a:prstGeom prst="rect">
-            <a:avLst/>
-          </a:prstGeom>
-          <a:noFill/>
-        </p:spPr>
-        <p:txBody>
-          <a:bodyPr wrap="square" rtlCol="0">
-            <a:spAutoFit/>
-          </a:bodyPr>
-          <a:lstStyle/>
-          <a:p>
-            <a:r>
-              <a:rPr lang="pt-BR" sz="1100" b="1" dirty="0"/>
-              <a:t>Não</a:t>
-            </a:r>
-          </a:p>
-        </p:txBody>
-      </p:sp>
-      <p:cxnSp>
-        <p:nvCxnSpPr>
-          <p:cNvPr id="9" name="Conector de Seta Reta 8">
-            <a:extLst>
-              <a:ext uri="{FF2B5EF4-FFF2-40B4-BE49-F238E27FC236}">
-                <a16:creationId xmlns:a16="http://schemas.microsoft.com/office/drawing/2014/main" id="{405B00F6-4A27-421A-8AAF-B36B534CFE10}"/>
-              </a:ext>
-            </a:extLst>
-          </p:cNvPr>
-          <p:cNvCxnSpPr>
-            <a:cxnSpLocks/>
-            <a:endCxn id="77" idx="2"/>
-          </p:cNvCxnSpPr>
-          <p:nvPr/>
-        </p:nvCxnSpPr>
-        <p:spPr>
-          <a:xfrm flipH="1" flipV="1">
-            <a:off x="5722906" y="4324569"/>
-            <a:ext cx="34328" cy="4727460"/>
-          </a:xfrm>
-          <a:prstGeom prst="straightConnector1">
-            <a:avLst/>
-          </a:prstGeom>
-          <a:ln>
-            <a:tailEnd type="triangle"/>
-          </a:ln>
-        </p:spPr>
-        <p:style>
-          <a:lnRef idx="1">
-            <a:schemeClr val="accent1"/>
-          </a:lnRef>
-          <a:fillRef idx="0">
-            <a:schemeClr val="accent1"/>
-          </a:fillRef>
-          <a:effectRef idx="0">
-            <a:schemeClr val="accent1"/>
-          </a:effectRef>
-          <a:fontRef idx="minor">
-            <a:schemeClr val="tx1"/>
-          </a:fontRef>
-        </p:style>
-      </p:cxnSp>
-      <p:sp>
-        <p:nvSpPr>
-          <p:cNvPr id="57" name="Fluxograma: Decisão 56">
-            <a:extLst>
-              <a:ext uri="{FF2B5EF4-FFF2-40B4-BE49-F238E27FC236}">
-                <a16:creationId xmlns:a16="http://schemas.microsoft.com/office/drawing/2014/main" id="{F4418B24-864A-4419-8352-F8E43C61E7C4}"/>
-              </a:ext>
-            </a:extLst>
-          </p:cNvPr>
-          <p:cNvSpPr/>
-          <p:nvPr/>
-        </p:nvSpPr>
-        <p:spPr>
-          <a:xfrm>
-            <a:off x="1106600" y="5630065"/>
-            <a:ext cx="1476377" cy="723900"/>
-          </a:xfrm>
-          <a:prstGeom prst="flowChartDecision">
-            <a:avLst/>
-          </a:prstGeom>
-          <a:solidFill>
-            <a:schemeClr val="accent1">
-              <a:lumMod val="40000"/>
-              <a:lumOff val="60000"/>
-            </a:schemeClr>
-          </a:solidFill>
-          <a:ln w="19050">
-            <a:solidFill>
-              <a:schemeClr val="accent1">
-                <a:lumMod val="75000"/>
-              </a:schemeClr>
-            </a:solidFill>
-          </a:ln>
-        </p:spPr>
-        <p:style>
-          <a:lnRef idx="2">
-            <a:schemeClr val="accent1">
-              <a:shade val="50000"/>
-            </a:schemeClr>
-          </a:lnRef>
-          <a:fillRef idx="1">
-            <a:schemeClr val="accent1"/>
-          </a:fillRef>
-          <a:effectRef idx="0">
-            <a:schemeClr val="accent1"/>
-          </a:effectRef>
-          <a:fontRef idx="minor">
-            <a:schemeClr val="lt1"/>
-          </a:fontRef>
-        </p:style>
-        <p:txBody>
-          <a:bodyPr rtlCol="0" anchor="ctr"/>
-          <a:lstStyle/>
-          <a:p>
-            <a:pPr algn="ctr"/>
-            <a:r>
-              <a:rPr lang="pt-BR" sz="900" dirty="0">
-                <a:solidFill>
-                  <a:schemeClr val="tx1"/>
-                </a:solidFill>
-              </a:rPr>
-              <a:t>Sensor está enviando dados?</a:t>
-            </a:r>
-          </a:p>
-        </p:txBody>
-      </p:sp>
-      <p:cxnSp>
-        <p:nvCxnSpPr>
-          <p:cNvPr id="58" name="Conector de Seta Reta 57">
-            <a:extLst>
-              <a:ext uri="{FF2B5EF4-FFF2-40B4-BE49-F238E27FC236}">
-                <a16:creationId xmlns:a16="http://schemas.microsoft.com/office/drawing/2014/main" id="{28FB3A79-E7BB-4B4E-9408-9318EEAE4D27}"/>
-              </a:ext>
-            </a:extLst>
-          </p:cNvPr>
-          <p:cNvCxnSpPr>
-            <a:cxnSpLocks/>
-          </p:cNvCxnSpPr>
-          <p:nvPr/>
-        </p:nvCxnSpPr>
-        <p:spPr>
-          <a:xfrm>
-            <a:off x="2581277" y="5987475"/>
-            <a:ext cx="476247" cy="17"/>
-          </a:xfrm>
-          <a:prstGeom prst="straightConnector1">
-            <a:avLst/>
-          </a:prstGeom>
-          <a:ln>
-            <a:tailEnd type="triangle"/>
-          </a:ln>
-        </p:spPr>
-        <p:style>
-          <a:lnRef idx="1">
-            <a:schemeClr val="accent1"/>
-          </a:lnRef>
-          <a:fillRef idx="0">
-            <a:schemeClr val="accent1"/>
-          </a:fillRef>
-          <a:effectRef idx="0">
-            <a:schemeClr val="accent1"/>
-          </a:effectRef>
-          <a:fontRef idx="minor">
-            <a:schemeClr val="tx1"/>
-          </a:fontRef>
-        </p:style>
-      </p:cxnSp>
-      <p:sp>
-        <p:nvSpPr>
-          <p:cNvPr id="65" name="CaixaDeTexto 64">
-            <a:extLst>
-              <a:ext uri="{FF2B5EF4-FFF2-40B4-BE49-F238E27FC236}">
-                <a16:creationId xmlns:a16="http://schemas.microsoft.com/office/drawing/2014/main" id="{8657C3C7-1E0B-41C9-863F-768514F7293E}"/>
-              </a:ext>
-            </a:extLst>
-          </p:cNvPr>
-          <p:cNvSpPr txBox="1"/>
-          <p:nvPr/>
-        </p:nvSpPr>
-        <p:spPr>
-          <a:xfrm>
-            <a:off x="2527390" y="5727994"/>
-            <a:ext cx="732631" cy="261610"/>
-          </a:xfrm>
-          <a:prstGeom prst="rect">
-            <a:avLst/>
-          </a:prstGeom>
-          <a:noFill/>
-        </p:spPr>
-        <p:txBody>
-          <a:bodyPr wrap="square" rtlCol="0">
-            <a:spAutoFit/>
-          </a:bodyPr>
-          <a:lstStyle/>
-          <a:p>
-            <a:r>
-              <a:rPr lang="pt-BR" sz="1100" b="1" dirty="0"/>
-              <a:t>Não</a:t>
-            </a:r>
-          </a:p>
-        </p:txBody>
-      </p:sp>
-      <p:sp>
-        <p:nvSpPr>
-          <p:cNvPr id="66" name="Fluxograma: Processo Predefinido 65">
-            <a:extLst>
-              <a:ext uri="{FF2B5EF4-FFF2-40B4-BE49-F238E27FC236}">
-                <a16:creationId xmlns:a16="http://schemas.microsoft.com/office/drawing/2014/main" id="{536977DB-5730-456F-A486-0121B1E4E894}"/>
-              </a:ext>
-            </a:extLst>
-          </p:cNvPr>
-          <p:cNvSpPr/>
-          <p:nvPr/>
-        </p:nvSpPr>
-        <p:spPr>
-          <a:xfrm>
-            <a:off x="3067841" y="5605251"/>
-            <a:ext cx="1343024" cy="723900"/>
-          </a:xfrm>
-          <a:prstGeom prst="flowChartPredefinedProcess">
-            <a:avLst/>
-          </a:prstGeom>
-          <a:solidFill>
-            <a:srgbClr val="B4C7E7"/>
-          </a:solidFill>
-          <a:ln w="19050">
-            <a:solidFill>
-              <a:srgbClr val="2F5597"/>
-            </a:solidFill>
-          </a:ln>
-        </p:spPr>
-        <p:style>
-          <a:lnRef idx="2">
-            <a:schemeClr val="accent1">
-              <a:shade val="50000"/>
-            </a:schemeClr>
-          </a:lnRef>
-          <a:fillRef idx="1">
-            <a:schemeClr val="accent1"/>
-          </a:fillRef>
-          <a:effectRef idx="0">
-            <a:schemeClr val="accent1"/>
-          </a:effectRef>
-          <a:fontRef idx="minor">
-            <a:schemeClr val="lt1"/>
-          </a:fontRef>
-        </p:style>
-        <p:txBody>
-          <a:bodyPr rtlCol="0" anchor="ctr"/>
-          <a:lstStyle/>
-          <a:p>
-            <a:pPr algn="ctr"/>
-            <a:r>
-              <a:rPr lang="pt-BR" sz="900" dirty="0">
-                <a:solidFill>
-                  <a:schemeClr val="tx1"/>
-                </a:solidFill>
-              </a:rPr>
-              <a:t>Reiniciar aplicação</a:t>
-            </a:r>
-          </a:p>
-        </p:txBody>
-      </p:sp>
-      <p:sp>
-        <p:nvSpPr>
-          <p:cNvPr id="80" name="CaixaDeTexto 79">
-            <a:extLst>
-              <a:ext uri="{FF2B5EF4-FFF2-40B4-BE49-F238E27FC236}">
-                <a16:creationId xmlns:a16="http://schemas.microsoft.com/office/drawing/2014/main" id="{24CA7EF3-27EC-4C76-AFD6-3569CC23B2D3}"/>
-              </a:ext>
-            </a:extLst>
-          </p:cNvPr>
-          <p:cNvSpPr txBox="1"/>
-          <p:nvPr/>
-        </p:nvSpPr>
-        <p:spPr>
-          <a:xfrm>
-            <a:off x="1814518" y="6331998"/>
-            <a:ext cx="732631" cy="261610"/>
-          </a:xfrm>
-          <a:prstGeom prst="rect">
-            <a:avLst/>
-          </a:prstGeom>
-          <a:noFill/>
-        </p:spPr>
-        <p:txBody>
-          <a:bodyPr wrap="square" rtlCol="0">
-            <a:spAutoFit/>
-          </a:bodyPr>
-          <a:lstStyle/>
-          <a:p>
-            <a:r>
-              <a:rPr lang="pt-BR" sz="1100" b="1" dirty="0"/>
-              <a:t>Sim</a:t>
-            </a:r>
-          </a:p>
-        </p:txBody>
-      </p:sp>
-      <p:sp>
-        <p:nvSpPr>
-          <p:cNvPr id="68" name="Retângulo 67">
-            <a:extLst>
-              <a:ext uri="{FF2B5EF4-FFF2-40B4-BE49-F238E27FC236}">
-                <a16:creationId xmlns:a16="http://schemas.microsoft.com/office/drawing/2014/main" id="{5BB895FB-0C1C-4EB4-9294-4A3595CD059B}"/>
-              </a:ext>
-            </a:extLst>
-          </p:cNvPr>
-          <p:cNvSpPr/>
-          <p:nvPr/>
-        </p:nvSpPr>
-        <p:spPr>
-          <a:xfrm>
-            <a:off x="1096686" y="2001435"/>
-            <a:ext cx="1476376" cy="505770"/>
-          </a:xfrm>
-          <a:prstGeom prst="rect">
-            <a:avLst/>
-          </a:prstGeom>
-          <a:solidFill>
-            <a:schemeClr val="accent1">
-              <a:lumMod val="40000"/>
-              <a:lumOff val="60000"/>
-            </a:schemeClr>
-          </a:solidFill>
-          <a:ln w="19050">
-            <a:solidFill>
-              <a:schemeClr val="accent1">
-                <a:lumMod val="75000"/>
-              </a:schemeClr>
-            </a:solidFill>
-          </a:ln>
-        </p:spPr>
-        <p:style>
-          <a:lnRef idx="2">
-            <a:schemeClr val="accent1">
-              <a:shade val="50000"/>
-            </a:schemeClr>
-          </a:lnRef>
-          <a:fillRef idx="1">
-            <a:schemeClr val="accent1"/>
-          </a:fillRef>
-          <a:effectRef idx="0">
-            <a:schemeClr val="accent1"/>
-          </a:effectRef>
-          <a:fontRef idx="minor">
-            <a:schemeClr val="lt1"/>
-          </a:fontRef>
-        </p:style>
-        <p:txBody>
-          <a:bodyPr rtlCol="0" anchor="ctr"/>
-          <a:lstStyle/>
-          <a:p>
-            <a:pPr algn="ctr"/>
-            <a:r>
-              <a:rPr lang="pt-BR" sz="900" dirty="0">
-                <a:solidFill>
-                  <a:schemeClr val="tx1"/>
-                </a:solidFill>
-              </a:rPr>
-              <a:t>Registro e Documentação</a:t>
-            </a:r>
-          </a:p>
-        </p:txBody>
-      </p:sp>
-      <p:cxnSp>
-        <p:nvCxnSpPr>
-          <p:cNvPr id="75" name="Conector de Seta Reta 74">
-            <a:extLst>
-              <a:ext uri="{FF2B5EF4-FFF2-40B4-BE49-F238E27FC236}">
-                <a16:creationId xmlns:a16="http://schemas.microsoft.com/office/drawing/2014/main" id="{C7AABE9A-6B1D-4479-A9CC-0171F497E505}"/>
-              </a:ext>
-            </a:extLst>
-          </p:cNvPr>
-          <p:cNvCxnSpPr>
-            <a:cxnSpLocks/>
-            <a:stCxn id="68" idx="2"/>
-          </p:cNvCxnSpPr>
-          <p:nvPr/>
-        </p:nvCxnSpPr>
-        <p:spPr>
-          <a:xfrm>
-            <a:off x="1834874" y="2507205"/>
-            <a:ext cx="1" cy="187625"/>
-          </a:xfrm>
-          <a:prstGeom prst="straightConnector1">
-            <a:avLst/>
-          </a:prstGeom>
-          <a:ln>
-            <a:tailEnd type="triangle"/>
-          </a:ln>
-        </p:spPr>
-        <p:style>
-          <a:lnRef idx="1">
-            <a:schemeClr val="accent1"/>
-          </a:lnRef>
-          <a:fillRef idx="0">
-            <a:schemeClr val="accent1"/>
-          </a:fillRef>
-          <a:effectRef idx="0">
-            <a:schemeClr val="accent1"/>
-          </a:effectRef>
-          <a:fontRef idx="minor">
-            <a:schemeClr val="tx1"/>
-          </a:fontRef>
-        </p:style>
-      </p:cxnSp>
-      <p:cxnSp>
-        <p:nvCxnSpPr>
-          <p:cNvPr id="82" name="Conector de Seta Reta 81">
-            <a:extLst>
-              <a:ext uri="{FF2B5EF4-FFF2-40B4-BE49-F238E27FC236}">
-                <a16:creationId xmlns:a16="http://schemas.microsoft.com/office/drawing/2014/main" id="{B06E8CE1-8F6A-402C-9908-967406F9E774}"/>
-              </a:ext>
-            </a:extLst>
-          </p:cNvPr>
-          <p:cNvCxnSpPr>
-            <a:cxnSpLocks/>
-          </p:cNvCxnSpPr>
-          <p:nvPr/>
-        </p:nvCxnSpPr>
-        <p:spPr>
-          <a:xfrm>
-            <a:off x="4390367" y="5966667"/>
-            <a:ext cx="1346200" cy="0"/>
-          </a:xfrm>
-          <a:prstGeom prst="straightConnector1">
-            <a:avLst/>
-          </a:prstGeom>
-          <a:ln>
-            <a:tailEnd type="triangle"/>
-          </a:ln>
-        </p:spPr>
-        <p:style>
-          <a:lnRef idx="1">
-            <a:schemeClr val="accent1"/>
-          </a:lnRef>
-          <a:fillRef idx="0">
-            <a:schemeClr val="accent1"/>
-          </a:fillRef>
-          <a:effectRef idx="0">
-            <a:schemeClr val="accent1"/>
-          </a:effectRef>
-          <a:fontRef idx="minor">
-            <a:schemeClr val="tx1"/>
-          </a:fontRef>
-        </p:style>
-      </p:cxnSp>
-      <p:cxnSp>
-        <p:nvCxnSpPr>
-          <p:cNvPr id="83" name="Conector de Seta Reta 82">
-            <a:extLst>
-              <a:ext uri="{FF2B5EF4-FFF2-40B4-BE49-F238E27FC236}">
-                <a16:creationId xmlns:a16="http://schemas.microsoft.com/office/drawing/2014/main" id="{17A789DA-9252-46A0-BDE4-AA3B8DD3359D}"/>
-              </a:ext>
-            </a:extLst>
-          </p:cNvPr>
-          <p:cNvCxnSpPr>
-            <a:cxnSpLocks/>
-            <a:endCxn id="90" idx="0"/>
-          </p:cNvCxnSpPr>
-          <p:nvPr/>
-        </p:nvCxnSpPr>
-        <p:spPr>
-          <a:xfrm>
-            <a:off x="1842477" y="7312201"/>
-            <a:ext cx="3533" cy="375360"/>
-          </a:xfrm>
-          <a:prstGeom prst="straightConnector1">
-            <a:avLst/>
-          </a:prstGeom>
-          <a:ln>
-            <a:tailEnd type="triangle"/>
-          </a:ln>
-        </p:spPr>
-        <p:style>
-          <a:lnRef idx="1">
-            <a:schemeClr val="accent1"/>
-          </a:lnRef>
-          <a:fillRef idx="0">
-            <a:schemeClr val="accent1"/>
-          </a:fillRef>
-          <a:effectRef idx="0">
-            <a:schemeClr val="accent1"/>
-          </a:effectRef>
-          <a:fontRef idx="minor">
-            <a:schemeClr val="tx1"/>
-          </a:fontRef>
-        </p:style>
-      </p:cxnSp>
-      <p:sp>
-        <p:nvSpPr>
-          <p:cNvPr id="90" name="Fluxograma: Decisão 89">
-            <a:extLst>
-              <a:ext uri="{FF2B5EF4-FFF2-40B4-BE49-F238E27FC236}">
-                <a16:creationId xmlns:a16="http://schemas.microsoft.com/office/drawing/2014/main" id="{D9F32F10-27D7-4A0B-A4B1-E68AD40DBEF1}"/>
-              </a:ext>
-            </a:extLst>
-          </p:cNvPr>
-          <p:cNvSpPr/>
-          <p:nvPr/>
-        </p:nvSpPr>
-        <p:spPr>
-          <a:xfrm>
-            <a:off x="1049510" y="7687561"/>
-            <a:ext cx="1592999" cy="723900"/>
-          </a:xfrm>
-          <a:prstGeom prst="flowChartDecision">
-            <a:avLst/>
-          </a:prstGeom>
-          <a:solidFill>
-            <a:schemeClr val="accent1">
-              <a:lumMod val="40000"/>
-              <a:lumOff val="60000"/>
-            </a:schemeClr>
-          </a:solidFill>
-          <a:ln w="19050">
-            <a:solidFill>
-              <a:schemeClr val="accent1">
-                <a:lumMod val="75000"/>
-              </a:schemeClr>
-            </a:solidFill>
-          </a:ln>
-        </p:spPr>
-        <p:style>
-          <a:lnRef idx="2">
-            <a:schemeClr val="accent1">
-              <a:shade val="50000"/>
-            </a:schemeClr>
-          </a:lnRef>
-          <a:fillRef idx="1">
-            <a:schemeClr val="accent1"/>
-          </a:fillRef>
-          <a:effectRef idx="0">
-            <a:schemeClr val="accent1"/>
-          </a:effectRef>
-          <a:fontRef idx="minor">
-            <a:schemeClr val="lt1"/>
-          </a:fontRef>
-        </p:style>
-        <p:txBody>
-          <a:bodyPr rtlCol="0" anchor="ctr"/>
-          <a:lstStyle/>
-          <a:p>
-            <a:pPr algn="ctr"/>
-            <a:r>
-              <a:rPr lang="pt-BR" sz="900" dirty="0">
-                <a:solidFill>
-                  <a:schemeClr val="tx1"/>
-                </a:solidFill>
-              </a:rPr>
-              <a:t>Periféricos danificados</a:t>
-            </a:r>
-          </a:p>
-        </p:txBody>
-      </p:sp>
-      <p:sp>
-        <p:nvSpPr>
-          <p:cNvPr id="92" name="Fluxograma: Processo Predefinido 91">
-            <a:extLst>
-              <a:ext uri="{FF2B5EF4-FFF2-40B4-BE49-F238E27FC236}">
-                <a16:creationId xmlns:a16="http://schemas.microsoft.com/office/drawing/2014/main" id="{A3F50D67-B81B-47B5-BCD5-2B7647E0487E}"/>
-              </a:ext>
-            </a:extLst>
-          </p:cNvPr>
-          <p:cNvSpPr/>
-          <p:nvPr/>
-        </p:nvSpPr>
-        <p:spPr>
-          <a:xfrm>
-            <a:off x="3023714" y="8674899"/>
-            <a:ext cx="1343024" cy="723900"/>
-          </a:xfrm>
-          <a:prstGeom prst="flowChartPredefinedProcess">
-            <a:avLst/>
-          </a:prstGeom>
-          <a:solidFill>
-            <a:srgbClr val="B4C7E7"/>
-          </a:solidFill>
-          <a:ln w="19050">
-            <a:solidFill>
-              <a:srgbClr val="2F5597"/>
-            </a:solidFill>
-          </a:ln>
-        </p:spPr>
-        <p:style>
-          <a:lnRef idx="2">
-            <a:schemeClr val="accent1">
-              <a:shade val="50000"/>
-            </a:schemeClr>
-          </a:lnRef>
-          <a:fillRef idx="1">
-            <a:schemeClr val="accent1"/>
-          </a:fillRef>
-          <a:effectRef idx="0">
-            <a:schemeClr val="accent1"/>
-          </a:effectRef>
-          <a:fontRef idx="minor">
-            <a:schemeClr val="lt1"/>
-          </a:fontRef>
-        </p:style>
-        <p:txBody>
-          <a:bodyPr rtlCol="0" anchor="ctr"/>
-          <a:lstStyle/>
-          <a:p>
-            <a:pPr algn="ctr"/>
-            <a:r>
-              <a:rPr lang="pt-BR" sz="900" dirty="0">
-                <a:solidFill>
-                  <a:schemeClr val="tx1"/>
-                </a:solidFill>
-              </a:rPr>
-              <a:t>Trocar sensor e derivados</a:t>
-            </a:r>
-          </a:p>
-        </p:txBody>
-      </p:sp>
-      <p:sp>
-        <p:nvSpPr>
-          <p:cNvPr id="130" name="Retângulo 129">
-            <a:extLst>
-              <a:ext uri="{FF2B5EF4-FFF2-40B4-BE49-F238E27FC236}">
-                <a16:creationId xmlns:a16="http://schemas.microsoft.com/office/drawing/2014/main" id="{695AD63B-456C-4FD5-B763-55BB6005A602}"/>
-              </a:ext>
-            </a:extLst>
-          </p:cNvPr>
-          <p:cNvSpPr/>
-          <p:nvPr/>
-        </p:nvSpPr>
-        <p:spPr>
-          <a:xfrm>
-            <a:off x="3079059" y="224015"/>
-            <a:ext cx="2841419" cy="769441"/>
-          </a:xfrm>
-          <a:prstGeom prst="rect">
-            <a:avLst/>
-          </a:prstGeom>
-          <a:noFill/>
-        </p:spPr>
-        <p:txBody>
-          <a:bodyPr wrap="none" lIns="91440" tIns="45720" rIns="91440" bIns="45720">
-            <a:spAutoFit/>
-          </a:bodyPr>
-          <a:lstStyle/>
-          <a:p>
-            <a:pPr algn="ctr"/>
-            <a:r>
-              <a:rPr lang="pt-BR" sz="4400" b="0" cap="none" spc="0" dirty="0">
-                <a:ln w="0"/>
-                <a:solidFill>
-                  <a:schemeClr val="tx1"/>
-                </a:solidFill>
-                <a:effectLst>
-                  <a:outerShdw blurRad="38100" dist="19050" dir="2700000" algn="tl" rotWithShape="0">
-                    <a:schemeClr val="dk1">
-                      <a:alpha val="40000"/>
-                    </a:schemeClr>
-                  </a:outerShdw>
-                </a:effectLst>
-              </a:rPr>
-              <a:t>Fluxograma</a:t>
-            </a:r>
-          </a:p>
-        </p:txBody>
-      </p:sp>
-      <p:sp>
-        <p:nvSpPr>
-          <p:cNvPr id="71" name="Fluxograma: Processo Predefinido 70">
-            <a:extLst>
-              <a:ext uri="{FF2B5EF4-FFF2-40B4-BE49-F238E27FC236}">
-                <a16:creationId xmlns:a16="http://schemas.microsoft.com/office/drawing/2014/main" id="{4D7346D6-A224-49DE-B5E7-B74245448F80}"/>
-              </a:ext>
-            </a:extLst>
-          </p:cNvPr>
-          <p:cNvSpPr/>
-          <p:nvPr/>
-        </p:nvSpPr>
-        <p:spPr>
-          <a:xfrm>
-            <a:off x="3048396" y="3615909"/>
-            <a:ext cx="1343024" cy="723900"/>
-          </a:xfrm>
-          <a:prstGeom prst="flowChartPredefinedProcess">
-            <a:avLst/>
-          </a:prstGeom>
-          <a:solidFill>
-            <a:srgbClr val="B4C7E7"/>
-          </a:solidFill>
-          <a:ln w="19050">
-            <a:solidFill>
-              <a:srgbClr val="2F5597"/>
-            </a:solidFill>
-          </a:ln>
-        </p:spPr>
-        <p:style>
-          <a:lnRef idx="2">
-            <a:schemeClr val="accent1">
-              <a:shade val="50000"/>
-            </a:schemeClr>
-          </a:lnRef>
-          <a:fillRef idx="1">
-            <a:schemeClr val="accent1"/>
-          </a:fillRef>
-          <a:effectRef idx="0">
-            <a:schemeClr val="accent1"/>
-          </a:effectRef>
-          <a:fontRef idx="minor">
-            <a:schemeClr val="lt1"/>
-          </a:fontRef>
-        </p:style>
-        <p:txBody>
-          <a:bodyPr rtlCol="0" anchor="ctr"/>
-          <a:lstStyle/>
-          <a:p>
-            <a:pPr algn="ctr"/>
-            <a:r>
-              <a:rPr lang="pt-BR" sz="900" dirty="0">
-                <a:solidFill>
-                  <a:schemeClr val="tx1"/>
-                </a:solidFill>
-              </a:rPr>
-              <a:t>Atualizar dados</a:t>
-            </a:r>
-          </a:p>
-        </p:txBody>
-      </p:sp>
-      <p:sp>
-        <p:nvSpPr>
-          <p:cNvPr id="73" name="Fluxograma: Processo Predefinido 72">
-            <a:extLst>
-              <a:ext uri="{FF2B5EF4-FFF2-40B4-BE49-F238E27FC236}">
-                <a16:creationId xmlns:a16="http://schemas.microsoft.com/office/drawing/2014/main" id="{76D44E85-BF67-4C2D-9656-F775D21B107D}"/>
-              </a:ext>
-            </a:extLst>
-          </p:cNvPr>
-          <p:cNvSpPr/>
-          <p:nvPr/>
-        </p:nvSpPr>
-        <p:spPr>
-          <a:xfrm>
-            <a:off x="3057524" y="6690343"/>
-            <a:ext cx="1343024" cy="723900"/>
-          </a:xfrm>
-          <a:prstGeom prst="flowChartPredefinedProcess">
-            <a:avLst/>
-          </a:prstGeom>
-          <a:solidFill>
-            <a:srgbClr val="B4C7E7"/>
-          </a:solidFill>
-          <a:ln w="19050">
-            <a:solidFill>
-              <a:srgbClr val="2F5597"/>
-            </a:solidFill>
-          </a:ln>
-        </p:spPr>
-        <p:style>
-          <a:lnRef idx="2">
-            <a:schemeClr val="accent1">
-              <a:shade val="50000"/>
-            </a:schemeClr>
-          </a:lnRef>
-          <a:fillRef idx="1">
-            <a:schemeClr val="accent1"/>
-          </a:fillRef>
-          <a:effectRef idx="0">
-            <a:schemeClr val="accent1"/>
-          </a:effectRef>
-          <a:fontRef idx="minor">
-            <a:schemeClr val="lt1"/>
-          </a:fontRef>
-        </p:style>
-        <p:txBody>
-          <a:bodyPr rtlCol="0" anchor="ctr"/>
-          <a:lstStyle/>
-          <a:p>
-            <a:pPr algn="ctr"/>
-            <a:r>
-              <a:rPr lang="pt-BR" sz="900" dirty="0">
-                <a:solidFill>
-                  <a:schemeClr val="tx1"/>
-                </a:solidFill>
-              </a:rPr>
-              <a:t>Atualizar a aplicação</a:t>
-            </a:r>
-          </a:p>
-        </p:txBody>
-      </p:sp>
-      <p:cxnSp>
-        <p:nvCxnSpPr>
-          <p:cNvPr id="12" name="Conector de Seta Reta 11">
-            <a:extLst>
-              <a:ext uri="{FF2B5EF4-FFF2-40B4-BE49-F238E27FC236}">
-                <a16:creationId xmlns:a16="http://schemas.microsoft.com/office/drawing/2014/main" id="{596A6938-CD63-4158-9A7B-A948E790CABB}"/>
-              </a:ext>
-            </a:extLst>
-          </p:cNvPr>
-          <p:cNvCxnSpPr>
-            <a:cxnSpLocks/>
-            <a:stCxn id="73" idx="0"/>
-          </p:cNvCxnSpPr>
-          <p:nvPr/>
-        </p:nvCxnSpPr>
-        <p:spPr>
-          <a:xfrm flipV="1">
-            <a:off x="3729036" y="6330954"/>
-            <a:ext cx="0" cy="359389"/>
-          </a:xfrm>
-          <a:prstGeom prst="straightConnector1">
-            <a:avLst/>
-          </a:prstGeom>
-          <a:ln>
-            <a:tailEnd type="triangle"/>
-          </a:ln>
-        </p:spPr>
-        <p:style>
-          <a:lnRef idx="1">
-            <a:schemeClr val="accent1"/>
-          </a:lnRef>
-          <a:fillRef idx="0">
-            <a:schemeClr val="accent1"/>
-          </a:fillRef>
-          <a:effectRef idx="0">
-            <a:schemeClr val="accent1"/>
-          </a:effectRef>
-          <a:fontRef idx="minor">
-            <a:schemeClr val="tx1"/>
-          </a:fontRef>
-        </p:style>
-      </p:cxnSp>
-      <p:sp>
-        <p:nvSpPr>
-          <p:cNvPr id="81" name="Fluxograma: Decisão 80">
-            <a:extLst>
-              <a:ext uri="{FF2B5EF4-FFF2-40B4-BE49-F238E27FC236}">
-                <a16:creationId xmlns:a16="http://schemas.microsoft.com/office/drawing/2014/main" id="{23688BEE-37DF-415B-8D3E-C4AE3B2F785F}"/>
-              </a:ext>
-            </a:extLst>
-          </p:cNvPr>
-          <p:cNvSpPr/>
-          <p:nvPr/>
-        </p:nvSpPr>
-        <p:spPr>
-          <a:xfrm>
-            <a:off x="1104288" y="6590003"/>
-            <a:ext cx="1476377" cy="723900"/>
-          </a:xfrm>
-          <a:prstGeom prst="flowChartDecision">
-            <a:avLst/>
-          </a:prstGeom>
-          <a:solidFill>
-            <a:schemeClr val="accent1">
-              <a:lumMod val="40000"/>
-              <a:lumOff val="60000"/>
-            </a:schemeClr>
-          </a:solidFill>
-          <a:ln w="19050">
-            <a:solidFill>
-              <a:schemeClr val="accent1">
-                <a:lumMod val="75000"/>
-              </a:schemeClr>
-            </a:solidFill>
-          </a:ln>
-        </p:spPr>
-        <p:style>
-          <a:lnRef idx="2">
-            <a:schemeClr val="accent1">
-              <a:shade val="50000"/>
-            </a:schemeClr>
-          </a:lnRef>
-          <a:fillRef idx="1">
-            <a:schemeClr val="accent1"/>
-          </a:fillRef>
-          <a:effectRef idx="0">
-            <a:schemeClr val="accent1"/>
-          </a:effectRef>
-          <a:fontRef idx="minor">
-            <a:schemeClr val="lt1"/>
-          </a:fontRef>
-        </p:style>
-        <p:txBody>
-          <a:bodyPr rtlCol="0" anchor="ctr"/>
-          <a:lstStyle/>
-          <a:p>
-            <a:pPr algn="ctr"/>
-            <a:r>
-              <a:rPr lang="pt-BR" sz="900" dirty="0">
-                <a:solidFill>
-                  <a:schemeClr val="tx1"/>
-                </a:solidFill>
-              </a:rPr>
-              <a:t>Sensor está recebendo dados?</a:t>
-            </a:r>
-          </a:p>
-        </p:txBody>
-      </p:sp>
-      <p:cxnSp>
-        <p:nvCxnSpPr>
-          <p:cNvPr id="84" name="Conector de Seta Reta 83">
-            <a:extLst>
-              <a:ext uri="{FF2B5EF4-FFF2-40B4-BE49-F238E27FC236}">
-                <a16:creationId xmlns:a16="http://schemas.microsoft.com/office/drawing/2014/main" id="{64374F5D-A9E1-41B3-AF81-A30F02BC4C26}"/>
-              </a:ext>
-            </a:extLst>
-          </p:cNvPr>
-          <p:cNvCxnSpPr>
-            <a:cxnSpLocks/>
-            <a:endCxn id="81" idx="0"/>
-          </p:cNvCxnSpPr>
-          <p:nvPr/>
-        </p:nvCxnSpPr>
-        <p:spPr>
-          <a:xfrm>
-            <a:off x="1842477" y="6348119"/>
-            <a:ext cx="0" cy="241884"/>
-          </a:xfrm>
-          <a:prstGeom prst="straightConnector1">
-            <a:avLst/>
-          </a:prstGeom>
-          <a:ln>
-            <a:tailEnd type="triangle"/>
-          </a:ln>
-        </p:spPr>
-        <p:style>
-          <a:lnRef idx="1">
-            <a:schemeClr val="accent1"/>
-          </a:lnRef>
-          <a:fillRef idx="0">
-            <a:schemeClr val="accent1"/>
-          </a:fillRef>
-          <a:effectRef idx="0">
-            <a:schemeClr val="accent1"/>
-          </a:effectRef>
-          <a:fontRef idx="minor">
-            <a:schemeClr val="tx1"/>
-          </a:fontRef>
-        </p:style>
-      </p:cxnSp>
-      <p:cxnSp>
-        <p:nvCxnSpPr>
-          <p:cNvPr id="85" name="Conector de Seta Reta 84">
-            <a:extLst>
-              <a:ext uri="{FF2B5EF4-FFF2-40B4-BE49-F238E27FC236}">
-                <a16:creationId xmlns:a16="http://schemas.microsoft.com/office/drawing/2014/main" id="{524C41D2-9EBF-4A95-BD6C-E02119423C6E}"/>
-              </a:ext>
-            </a:extLst>
-          </p:cNvPr>
-          <p:cNvCxnSpPr>
-            <a:cxnSpLocks/>
-          </p:cNvCxnSpPr>
-          <p:nvPr/>
-        </p:nvCxnSpPr>
-        <p:spPr>
-          <a:xfrm>
-            <a:off x="2591594" y="6950742"/>
-            <a:ext cx="476247" cy="17"/>
-          </a:xfrm>
-          <a:prstGeom prst="straightConnector1">
-            <a:avLst/>
-          </a:prstGeom>
-          <a:ln>
-            <a:tailEnd type="triangle"/>
-          </a:ln>
-        </p:spPr>
-        <p:style>
-          <a:lnRef idx="1">
-            <a:schemeClr val="accent1"/>
-          </a:lnRef>
-          <a:fillRef idx="0">
-            <a:schemeClr val="accent1"/>
-          </a:fillRef>
-          <a:effectRef idx="0">
-            <a:schemeClr val="accent1"/>
-          </a:effectRef>
-          <a:fontRef idx="minor">
-            <a:schemeClr val="tx1"/>
-          </a:fontRef>
-        </p:style>
-      </p:cxnSp>
-      <p:sp>
-        <p:nvSpPr>
-          <p:cNvPr id="86" name="CaixaDeTexto 85">
-            <a:extLst>
-              <a:ext uri="{FF2B5EF4-FFF2-40B4-BE49-F238E27FC236}">
-                <a16:creationId xmlns:a16="http://schemas.microsoft.com/office/drawing/2014/main" id="{6E3E5447-F2F7-474F-8EAD-75C5FDCBF73D}"/>
-              </a:ext>
-            </a:extLst>
-          </p:cNvPr>
-          <p:cNvSpPr txBox="1"/>
-          <p:nvPr/>
-        </p:nvSpPr>
-        <p:spPr>
-          <a:xfrm>
-            <a:off x="2468611" y="6717317"/>
-            <a:ext cx="732631" cy="261610"/>
-          </a:xfrm>
-          <a:prstGeom prst="rect">
-            <a:avLst/>
-          </a:prstGeom>
-          <a:noFill/>
-        </p:spPr>
-        <p:txBody>
-          <a:bodyPr wrap="square" rtlCol="0">
-            <a:spAutoFit/>
-          </a:bodyPr>
-          <a:lstStyle/>
-          <a:p>
-            <a:r>
-              <a:rPr lang="pt-BR" sz="1100" b="1" dirty="0"/>
-              <a:t>Não</a:t>
-            </a:r>
-          </a:p>
-        </p:txBody>
-      </p:sp>
-      <p:sp>
-        <p:nvSpPr>
-          <p:cNvPr id="87" name="CaixaDeTexto 86">
-            <a:extLst>
-              <a:ext uri="{FF2B5EF4-FFF2-40B4-BE49-F238E27FC236}">
-                <a16:creationId xmlns:a16="http://schemas.microsoft.com/office/drawing/2014/main" id="{B68DB1AD-5764-45C4-B5AE-3F1329DF364F}"/>
-              </a:ext>
-            </a:extLst>
-          </p:cNvPr>
-          <p:cNvSpPr txBox="1"/>
-          <p:nvPr/>
-        </p:nvSpPr>
-        <p:spPr>
-          <a:xfrm>
-            <a:off x="1838376" y="7212815"/>
-            <a:ext cx="732631" cy="261610"/>
-          </a:xfrm>
-          <a:prstGeom prst="rect">
-            <a:avLst/>
-          </a:prstGeom>
-          <a:noFill/>
-        </p:spPr>
-        <p:txBody>
-          <a:bodyPr wrap="square" rtlCol="0">
-            <a:spAutoFit/>
-          </a:bodyPr>
-          <a:lstStyle/>
-          <a:p>
-            <a:r>
-              <a:rPr lang="pt-BR" sz="1100" b="1" dirty="0"/>
-              <a:t>Sim</a:t>
-            </a:r>
-          </a:p>
-        </p:txBody>
-      </p:sp>
-      <p:sp>
-        <p:nvSpPr>
-          <p:cNvPr id="89" name="Retângulo 88">
-            <a:extLst>
-              <a:ext uri="{FF2B5EF4-FFF2-40B4-BE49-F238E27FC236}">
-                <a16:creationId xmlns:a16="http://schemas.microsoft.com/office/drawing/2014/main" id="{522AD900-D3B8-406E-8C5C-757E4A7E0534}"/>
-              </a:ext>
-            </a:extLst>
-          </p:cNvPr>
-          <p:cNvSpPr/>
-          <p:nvPr/>
-        </p:nvSpPr>
-        <p:spPr>
-          <a:xfrm>
-            <a:off x="1107638" y="8747629"/>
-            <a:ext cx="1476376" cy="505770"/>
-          </a:xfrm>
-          <a:prstGeom prst="rect">
-            <a:avLst/>
-          </a:prstGeom>
-          <a:solidFill>
-            <a:schemeClr val="accent1">
-              <a:lumMod val="40000"/>
-              <a:lumOff val="60000"/>
-            </a:schemeClr>
-          </a:solidFill>
-          <a:ln w="19050">
-            <a:solidFill>
-              <a:schemeClr val="accent1">
-                <a:lumMod val="75000"/>
-              </a:schemeClr>
-            </a:solidFill>
-          </a:ln>
-        </p:spPr>
-        <p:style>
-          <a:lnRef idx="2">
-            <a:schemeClr val="accent1">
-              <a:shade val="50000"/>
-            </a:schemeClr>
-          </a:lnRef>
-          <a:fillRef idx="1">
-            <a:schemeClr val="accent1"/>
-          </a:fillRef>
-          <a:effectRef idx="0">
-            <a:schemeClr val="accent1"/>
-          </a:effectRef>
-          <a:fontRef idx="minor">
-            <a:schemeClr val="lt1"/>
-          </a:fontRef>
-        </p:style>
-        <p:txBody>
-          <a:bodyPr rtlCol="0" anchor="ctr"/>
-          <a:lstStyle/>
-          <a:p>
-            <a:pPr algn="ctr"/>
-            <a:r>
-              <a:rPr lang="pt-BR" sz="900" dirty="0">
-                <a:solidFill>
-                  <a:schemeClr val="tx1"/>
-                </a:solidFill>
-              </a:rPr>
-              <a:t>Técnico no Cliente</a:t>
-            </a:r>
-          </a:p>
-        </p:txBody>
-      </p:sp>
-      <p:cxnSp>
-        <p:nvCxnSpPr>
-          <p:cNvPr id="30" name="Conector reto 29">
-            <a:extLst>
-              <a:ext uri="{FF2B5EF4-FFF2-40B4-BE49-F238E27FC236}">
-                <a16:creationId xmlns:a16="http://schemas.microsoft.com/office/drawing/2014/main" id="{368E01C5-C9A3-4D3E-91A6-9A88CDA6CFA0}"/>
-              </a:ext>
-            </a:extLst>
-          </p:cNvPr>
-          <p:cNvCxnSpPr>
-            <a:stCxn id="92" idx="3"/>
-          </p:cNvCxnSpPr>
-          <p:nvPr/>
-        </p:nvCxnSpPr>
-        <p:spPr>
-          <a:xfrm flipV="1">
-            <a:off x="4366738" y="9032212"/>
-            <a:ext cx="1380010" cy="4637"/>
-          </a:xfrm>
-          <a:prstGeom prst="line">
-            <a:avLst/>
-          </a:prstGeom>
-        </p:spPr>
-        <p:style>
-          <a:lnRef idx="1">
-            <a:schemeClr val="accent1"/>
-          </a:lnRef>
-          <a:fillRef idx="0">
-            <a:schemeClr val="accent1"/>
-          </a:fillRef>
-          <a:effectRef idx="0">
-            <a:schemeClr val="accent1"/>
-          </a:effectRef>
-          <a:fontRef idx="minor">
-            <a:schemeClr val="tx1"/>
-          </a:fontRef>
-        </p:style>
-      </p:cxnSp>
-      <p:sp>
-        <p:nvSpPr>
-          <p:cNvPr id="88" name="Fluxograma: Decisão 87">
-            <a:extLst>
-              <a:ext uri="{FF2B5EF4-FFF2-40B4-BE49-F238E27FC236}">
-                <a16:creationId xmlns:a16="http://schemas.microsoft.com/office/drawing/2014/main" id="{6603A97E-CBD1-41E5-855D-2E8D5E0F5D92}"/>
-              </a:ext>
-            </a:extLst>
-          </p:cNvPr>
-          <p:cNvSpPr/>
-          <p:nvPr/>
-        </p:nvSpPr>
-        <p:spPr>
-          <a:xfrm>
-            <a:off x="1108192" y="4725981"/>
-            <a:ext cx="1476377" cy="723900"/>
-          </a:xfrm>
-          <a:prstGeom prst="flowChartDecision">
-            <a:avLst/>
-          </a:prstGeom>
-          <a:solidFill>
-            <a:schemeClr val="accent1">
-              <a:lumMod val="40000"/>
-              <a:lumOff val="60000"/>
-            </a:schemeClr>
-          </a:solidFill>
-          <a:ln w="19050">
-            <a:solidFill>
-              <a:schemeClr val="accent1">
-                <a:lumMod val="75000"/>
-              </a:schemeClr>
-            </a:solidFill>
-          </a:ln>
-        </p:spPr>
-        <p:style>
-          <a:lnRef idx="2">
-            <a:schemeClr val="accent1">
-              <a:shade val="50000"/>
-            </a:schemeClr>
-          </a:lnRef>
-          <a:fillRef idx="1">
-            <a:schemeClr val="accent1"/>
-          </a:fillRef>
-          <a:effectRef idx="0">
-            <a:schemeClr val="accent1"/>
-          </a:effectRef>
-          <a:fontRef idx="minor">
-            <a:schemeClr val="lt1"/>
-          </a:fontRef>
-        </p:style>
-        <p:txBody>
-          <a:bodyPr rtlCol="0" anchor="ctr"/>
-          <a:lstStyle/>
-          <a:p>
-            <a:pPr algn="ctr"/>
-            <a:r>
-              <a:rPr lang="pt-BR" sz="900" dirty="0">
-                <a:solidFill>
-                  <a:schemeClr val="tx1"/>
-                </a:solidFill>
-              </a:rPr>
-              <a:t>Sensor está enviando dados?</a:t>
-            </a:r>
-          </a:p>
-        </p:txBody>
-      </p:sp>
-      <p:cxnSp>
-        <p:nvCxnSpPr>
-          <p:cNvPr id="91" name="Conector de Seta Reta 90">
-            <a:extLst>
-              <a:ext uri="{FF2B5EF4-FFF2-40B4-BE49-F238E27FC236}">
-                <a16:creationId xmlns:a16="http://schemas.microsoft.com/office/drawing/2014/main" id="{48459D76-8F2F-4497-82ED-70BE2B1EC502}"/>
-              </a:ext>
-            </a:extLst>
-          </p:cNvPr>
-          <p:cNvCxnSpPr>
-            <a:cxnSpLocks/>
-            <a:endCxn id="57" idx="0"/>
-          </p:cNvCxnSpPr>
-          <p:nvPr/>
-        </p:nvCxnSpPr>
-        <p:spPr>
-          <a:xfrm>
-            <a:off x="1837124" y="5426768"/>
-            <a:ext cx="7665" cy="203297"/>
-          </a:xfrm>
-          <a:prstGeom prst="straightConnector1">
-            <a:avLst/>
-          </a:prstGeom>
-          <a:ln>
-            <a:tailEnd type="triangle"/>
-          </a:ln>
-        </p:spPr>
-        <p:style>
-          <a:lnRef idx="1">
-            <a:schemeClr val="accent1"/>
-          </a:lnRef>
-          <a:fillRef idx="0">
-            <a:schemeClr val="accent1"/>
-          </a:fillRef>
-          <a:effectRef idx="0">
-            <a:schemeClr val="accent1"/>
-          </a:effectRef>
-          <a:fontRef idx="minor">
-            <a:schemeClr val="tx1"/>
-          </a:fontRef>
-        </p:style>
-      </p:cxnSp>
-    </p:spTree>
-    <p:extLst>
-      <p:ext uri="{BB962C8B-B14F-4D97-AF65-F5344CB8AC3E}">
-        <p14:creationId xmlns:p14="http://schemas.microsoft.com/office/powerpoint/2010/main" val="1983195181"/>
-      </p:ext>
-    </p:extLst>
-  </p:cSld>
-  <p:clrMapOvr>
-    <a:masterClrMapping/>
-  </p:clrMapOvr>
-</p:sld>
-</file>
-
-<file path=ppt/slides/slide2.xml><?xml version="1.0" encoding="utf-8"?>
-<p:sld xmlns:a="http://schemas.openxmlformats.org/drawingml/2006/main" xmlns:r="http://schemas.openxmlformats.org/officeDocument/2006/relationships" xmlns:p="http://schemas.openxmlformats.org/presentationml/2006/main">
-  <p:cSld>
-    <p:spTree>
-      <p:nvGrpSpPr>
-        <p:cNvPr id="1" name=""/>
-        <p:cNvGrpSpPr/>
-        <p:nvPr/>
-      </p:nvGrpSpPr>
-      <p:grpSpPr>
-        <a:xfrm>
-          <a:off x="0" y="0"/>
-          <a:ext cx="0" cy="0"/>
-          <a:chOff x="0" y="0"/>
-          <a:chExt cx="0" cy="0"/>
-        </a:xfrm>
-      </p:grpSpPr>
-      <p:grpSp>
-        <p:nvGrpSpPr>
-          <p:cNvPr id="67" name="Agrupar 66">
-            <a:extLst>
-              <a:ext uri="{FF2B5EF4-FFF2-40B4-BE49-F238E27FC236}">
-                <a16:creationId xmlns:a16="http://schemas.microsoft.com/office/drawing/2014/main" id="{A398296B-3D0F-461C-B89F-3CF40EBD9E78}"/>
-              </a:ext>
-            </a:extLst>
-          </p:cNvPr>
-          <p:cNvGrpSpPr/>
-          <p:nvPr/>
-        </p:nvGrpSpPr>
-        <p:grpSpPr>
-          <a:xfrm>
-            <a:off x="238127" y="896984"/>
-            <a:ext cx="8464666" cy="969418"/>
-            <a:chOff x="238127" y="1165223"/>
-            <a:chExt cx="8464666" cy="2706701"/>
-          </a:xfrm>
-        </p:grpSpPr>
-        <p:sp>
-          <p:nvSpPr>
-            <p:cNvPr id="70" name="Retângulo 69">
-              <a:extLst>
-                <a:ext uri="{FF2B5EF4-FFF2-40B4-BE49-F238E27FC236}">
-                  <a16:creationId xmlns:a16="http://schemas.microsoft.com/office/drawing/2014/main" id="{2D11F689-FB3F-48C5-A26F-FA9B04912DC9}"/>
-                </a:ext>
-              </a:extLst>
-            </p:cNvPr>
-            <p:cNvSpPr/>
-            <p:nvPr/>
-          </p:nvSpPr>
-          <p:spPr>
-            <a:xfrm>
-              <a:off x="724696" y="1165223"/>
-              <a:ext cx="7978097" cy="2706700"/>
-            </a:xfrm>
-            <a:prstGeom prst="rect">
-              <a:avLst/>
-            </a:prstGeom>
-            <a:solidFill>
-              <a:schemeClr val="bg1">
-                <a:lumMod val="95000"/>
-              </a:schemeClr>
-            </a:solidFill>
-            <a:ln>
-              <a:solidFill>
-                <a:schemeClr val="tx1"/>
-              </a:solidFill>
-            </a:ln>
-          </p:spPr>
-          <p:style>
-            <a:lnRef idx="2">
-              <a:schemeClr val="accent1">
-                <a:shade val="50000"/>
-              </a:schemeClr>
-            </a:lnRef>
-            <a:fillRef idx="1">
-              <a:schemeClr val="accent1"/>
-            </a:fillRef>
-            <a:effectRef idx="0">
-              <a:schemeClr val="accent1"/>
-            </a:effectRef>
-            <a:fontRef idx="minor">
-              <a:schemeClr val="lt1"/>
-            </a:fontRef>
-          </p:style>
-          <p:txBody>
-            <a:bodyPr rtlCol="0" anchor="ctr"/>
-            <a:lstStyle/>
-            <a:p>
-              <a:pPr algn="ctr"/>
-              <a:endParaRPr lang="pt-BR" dirty="0"/>
-            </a:p>
-          </p:txBody>
-        </p:sp>
-        <p:grpSp>
-          <p:nvGrpSpPr>
-            <p:cNvPr id="72" name="Agrupar 71">
-              <a:extLst>
-                <a:ext uri="{FF2B5EF4-FFF2-40B4-BE49-F238E27FC236}">
-                  <a16:creationId xmlns:a16="http://schemas.microsoft.com/office/drawing/2014/main" id="{E175281E-62DF-43D2-A7BE-722278B8B405}"/>
-                </a:ext>
-              </a:extLst>
-            </p:cNvPr>
-            <p:cNvGrpSpPr/>
-            <p:nvPr/>
-          </p:nvGrpSpPr>
-          <p:grpSpPr>
-            <a:xfrm>
-              <a:off x="238127" y="1165223"/>
-              <a:ext cx="486569" cy="2706701"/>
-              <a:chOff x="219075" y="590548"/>
-              <a:chExt cx="486569" cy="3495677"/>
-            </a:xfrm>
-          </p:grpSpPr>
-          <p:sp>
-            <p:nvSpPr>
-              <p:cNvPr id="74" name="Retângulo 73">
-                <a:extLst>
-                  <a:ext uri="{FF2B5EF4-FFF2-40B4-BE49-F238E27FC236}">
-                    <a16:creationId xmlns:a16="http://schemas.microsoft.com/office/drawing/2014/main" id="{EF069A38-37C4-4BFC-BC6A-98C9BA471F21}"/>
-                  </a:ext>
-                </a:extLst>
-              </p:cNvPr>
-              <p:cNvSpPr/>
-              <p:nvPr/>
-            </p:nvSpPr>
-            <p:spPr>
-              <a:xfrm>
-                <a:off x="219075" y="590548"/>
-                <a:ext cx="486569" cy="3495677"/>
-              </a:xfrm>
-              <a:prstGeom prst="rect">
-                <a:avLst/>
-              </a:prstGeom>
-              <a:solidFill>
-                <a:schemeClr val="bg2">
-                  <a:lumMod val="75000"/>
-                </a:schemeClr>
-              </a:solidFill>
-              <a:ln>
-                <a:solidFill>
-                  <a:schemeClr val="tx1"/>
-                </a:solidFill>
-              </a:ln>
-            </p:spPr>
-            <p:style>
-              <a:lnRef idx="2">
-                <a:schemeClr val="accent1">
-                  <a:shade val="50000"/>
-                </a:schemeClr>
-              </a:lnRef>
-              <a:fillRef idx="1">
-                <a:schemeClr val="accent1"/>
-              </a:fillRef>
-              <a:effectRef idx="0">
-                <a:schemeClr val="accent1"/>
-              </a:effectRef>
-              <a:fontRef idx="minor">
-                <a:schemeClr val="lt1"/>
-              </a:fontRef>
-            </p:style>
-            <p:txBody>
-              <a:bodyPr rtlCol="0" anchor="ctr"/>
-              <a:lstStyle/>
-              <a:p>
-                <a:pPr algn="ctr"/>
-                <a:endParaRPr lang="pt-BR" dirty="0"/>
-              </a:p>
-            </p:txBody>
-          </p:sp>
-          <p:sp>
-            <p:nvSpPr>
-              <p:cNvPr id="76" name="CaixaDeTexto 75">
-                <a:extLst>
-                  <a:ext uri="{FF2B5EF4-FFF2-40B4-BE49-F238E27FC236}">
-                    <a16:creationId xmlns:a16="http://schemas.microsoft.com/office/drawing/2014/main" id="{8E1F6C36-1145-42F3-98A8-FAD8806A1656}"/>
-                  </a:ext>
-                </a:extLst>
-              </p:cNvPr>
-              <p:cNvSpPr txBox="1"/>
-              <p:nvPr/>
-            </p:nvSpPr>
-            <p:spPr>
-              <a:xfrm rot="16200000">
-                <a:off x="-1285478" y="2153720"/>
-                <a:ext cx="3495676" cy="369332"/>
-              </a:xfrm>
-              <a:prstGeom prst="rect">
-                <a:avLst/>
-              </a:prstGeom>
-              <a:noFill/>
-            </p:spPr>
-            <p:txBody>
-              <a:bodyPr wrap="square" rtlCol="0">
-                <a:spAutoFit/>
-              </a:bodyPr>
-              <a:lstStyle/>
-              <a:p>
-                <a:pPr algn="ctr"/>
-                <a:r>
-                  <a:rPr lang="pt-BR" dirty="0"/>
-                  <a:t>Usuário</a:t>
-                </a:r>
-              </a:p>
-            </p:txBody>
-          </p:sp>
-        </p:grpSp>
-      </p:grpSp>
-      <p:grpSp>
-        <p:nvGrpSpPr>
-          <p:cNvPr id="122" name="Agrupar 121">
-            <a:extLst>
-              <a:ext uri="{FF2B5EF4-FFF2-40B4-BE49-F238E27FC236}">
-                <a16:creationId xmlns:a16="http://schemas.microsoft.com/office/drawing/2014/main" id="{E7ADE3FF-8ACD-4DD4-8EFF-29B88CE9FE08}"/>
-              </a:ext>
-            </a:extLst>
-          </p:cNvPr>
-          <p:cNvGrpSpPr/>
-          <p:nvPr/>
-        </p:nvGrpSpPr>
-        <p:grpSpPr>
-          <a:xfrm>
             <a:off x="238127" y="7453867"/>
             <a:ext cx="8464666" cy="3240679"/>
             <a:chOff x="238127" y="3878607"/>
